--- a/Final Presentation.pptx
+++ b/Final Presentation.pptx
@@ -4,13 +4,17 @@
   <p:sldMasterIdLst>
     <p:sldMasterId id="2147483648" r:id="rId1"/>
   </p:sldMasterIdLst>
+  <p:notesMasterIdLst>
+    <p:notesMasterId r:id="rId9"/>
+  </p:notesMasterIdLst>
   <p:sldIdLst>
     <p:sldId id="256" r:id="rId2"/>
     <p:sldId id="257" r:id="rId3"/>
     <p:sldId id="258" r:id="rId4"/>
     <p:sldId id="259" r:id="rId5"/>
-    <p:sldId id="260" r:id="rId6"/>
-    <p:sldId id="261" r:id="rId7"/>
+    <p:sldId id="262" r:id="rId6"/>
+    <p:sldId id="260" r:id="rId7"/>
+    <p:sldId id="261" r:id="rId8"/>
   </p:sldIdLst>
   <p:sldSz cx="9144000" cy="6858000" type="screen4x3"/>
   <p:notesSz cx="6858000" cy="9144000"/>
@@ -112,6 +116,862 @@
 </p:presentation>
 </file>
 
+<file path=ppt/notesMasters/notesMaster1.xml><?xml version="1.0" encoding="utf-8"?>
+<p:notesMaster xmlns:a="http://schemas.openxmlformats.org/drawingml/2006/main" xmlns:r="http://schemas.openxmlformats.org/officeDocument/2006/relationships" xmlns:p="http://schemas.openxmlformats.org/presentationml/2006/main">
+  <p:cSld>
+    <p:bg>
+      <p:bgRef idx="1001">
+        <a:schemeClr val="bg1"/>
+      </p:bgRef>
+    </p:bg>
+    <p:spTree>
+      <p:nvGrpSpPr>
+        <p:cNvPr id="1" name=""/>
+        <p:cNvGrpSpPr/>
+        <p:nvPr/>
+      </p:nvGrpSpPr>
+      <p:grpSpPr>
+        <a:xfrm>
+          <a:off x="0" y="0"/>
+          <a:ext cx="0" cy="0"/>
+          <a:chOff x="0" y="0"/>
+          <a:chExt cx="0" cy="0"/>
+        </a:xfrm>
+      </p:grpSpPr>
+      <p:sp>
+        <p:nvSpPr>
+          <p:cNvPr id="2" name="Header Placeholder 1"/>
+          <p:cNvSpPr>
+            <a:spLocks noGrp="1"/>
+          </p:cNvSpPr>
+          <p:nvPr>
+            <p:ph type="hdr" sz="quarter"/>
+          </p:nvPr>
+        </p:nvSpPr>
+        <p:spPr>
+          <a:xfrm>
+            <a:off x="0" y="0"/>
+            <a:ext cx="2971800" cy="457200"/>
+          </a:xfrm>
+          <a:prstGeom prst="rect">
+            <a:avLst/>
+          </a:prstGeom>
+        </p:spPr>
+        <p:txBody>
+          <a:bodyPr vert="horz" lIns="91440" tIns="45720" rIns="91440" bIns="45720" rtlCol="0"/>
+          <a:lstStyle>
+            <a:lvl1pPr algn="l">
+              <a:defRPr sz="1200"/>
+            </a:lvl1pPr>
+          </a:lstStyle>
+          <a:p>
+            <a:endParaRPr lang="en-US"/>
+          </a:p>
+        </p:txBody>
+      </p:sp>
+      <p:sp>
+        <p:nvSpPr>
+          <p:cNvPr id="3" name="Date Placeholder 2"/>
+          <p:cNvSpPr>
+            <a:spLocks noGrp="1"/>
+          </p:cNvSpPr>
+          <p:nvPr>
+            <p:ph type="dt" idx="1"/>
+          </p:nvPr>
+        </p:nvSpPr>
+        <p:spPr>
+          <a:xfrm>
+            <a:off x="3884613" y="0"/>
+            <a:ext cx="2971800" cy="457200"/>
+          </a:xfrm>
+          <a:prstGeom prst="rect">
+            <a:avLst/>
+          </a:prstGeom>
+        </p:spPr>
+        <p:txBody>
+          <a:bodyPr vert="horz" lIns="91440" tIns="45720" rIns="91440" bIns="45720" rtlCol="0"/>
+          <a:lstStyle>
+            <a:lvl1pPr algn="r">
+              <a:defRPr sz="1200"/>
+            </a:lvl1pPr>
+          </a:lstStyle>
+          <a:p>
+            <a:fld id="{F989920E-2C37-4ADC-B8DD-BB220FBD725C}" type="datetimeFigureOut">
+              <a:rPr lang="en-US" smtClean="0"/>
+              <a:t>4/28/2008</a:t>
+            </a:fld>
+            <a:endParaRPr lang="en-US"/>
+          </a:p>
+        </p:txBody>
+      </p:sp>
+      <p:sp>
+        <p:nvSpPr>
+          <p:cNvPr id="4" name="Slide Image Placeholder 3"/>
+          <p:cNvSpPr>
+            <a:spLocks noGrp="1" noRot="1" noChangeAspect="1"/>
+          </p:cNvSpPr>
+          <p:nvPr>
+            <p:ph type="sldImg" idx="2"/>
+          </p:nvPr>
+        </p:nvSpPr>
+        <p:spPr>
+          <a:xfrm>
+            <a:off x="1143000" y="685800"/>
+            <a:ext cx="4572000" cy="3429000"/>
+          </a:xfrm>
+          <a:prstGeom prst="rect">
+            <a:avLst/>
+          </a:prstGeom>
+          <a:noFill/>
+          <a:ln w="12700">
+            <a:solidFill>
+              <a:prstClr val="black"/>
+            </a:solidFill>
+          </a:ln>
+        </p:spPr>
+        <p:txBody>
+          <a:bodyPr vert="horz" lIns="91440" tIns="45720" rIns="91440" bIns="45720" rtlCol="0" anchor="ctr"/>
+          <a:lstStyle/>
+          <a:p>
+            <a:endParaRPr lang="en-US"/>
+          </a:p>
+        </p:txBody>
+      </p:sp>
+      <p:sp>
+        <p:nvSpPr>
+          <p:cNvPr id="5" name="Notes Placeholder 4"/>
+          <p:cNvSpPr>
+            <a:spLocks noGrp="1"/>
+          </p:cNvSpPr>
+          <p:nvPr>
+            <p:ph type="body" sz="quarter" idx="3"/>
+          </p:nvPr>
+        </p:nvSpPr>
+        <p:spPr>
+          <a:xfrm>
+            <a:off x="685800" y="4343400"/>
+            <a:ext cx="5486400" cy="4114800"/>
+          </a:xfrm>
+          <a:prstGeom prst="rect">
+            <a:avLst/>
+          </a:prstGeom>
+        </p:spPr>
+        <p:txBody>
+          <a:bodyPr vert="horz" lIns="91440" tIns="45720" rIns="91440" bIns="45720" rtlCol="0">
+            <a:normAutofit/>
+          </a:bodyPr>
+          <a:lstStyle/>
+          <a:p>
+            <a:pPr lvl="0"/>
+            <a:r>
+              <a:rPr lang="en-US" smtClean="0"/>
+              <a:t>Click to edit Master text styles</a:t>
+            </a:r>
+          </a:p>
+          <a:p>
+            <a:pPr lvl="1"/>
+            <a:r>
+              <a:rPr lang="en-US" smtClean="0"/>
+              <a:t>Second level</a:t>
+            </a:r>
+          </a:p>
+          <a:p>
+            <a:pPr lvl="2"/>
+            <a:r>
+              <a:rPr lang="en-US" smtClean="0"/>
+              <a:t>Third level</a:t>
+            </a:r>
+          </a:p>
+          <a:p>
+            <a:pPr lvl="3"/>
+            <a:r>
+              <a:rPr lang="en-US" smtClean="0"/>
+              <a:t>Fourth level</a:t>
+            </a:r>
+          </a:p>
+          <a:p>
+            <a:pPr lvl="4"/>
+            <a:r>
+              <a:rPr lang="en-US" smtClean="0"/>
+              <a:t>Fifth level</a:t>
+            </a:r>
+            <a:endParaRPr lang="en-US"/>
+          </a:p>
+        </p:txBody>
+      </p:sp>
+      <p:sp>
+        <p:nvSpPr>
+          <p:cNvPr id="6" name="Footer Placeholder 5"/>
+          <p:cNvSpPr>
+            <a:spLocks noGrp="1"/>
+          </p:cNvSpPr>
+          <p:nvPr>
+            <p:ph type="ftr" sz="quarter" idx="4"/>
+          </p:nvPr>
+        </p:nvSpPr>
+        <p:spPr>
+          <a:xfrm>
+            <a:off x="0" y="8685213"/>
+            <a:ext cx="2971800" cy="457200"/>
+          </a:xfrm>
+          <a:prstGeom prst="rect">
+            <a:avLst/>
+          </a:prstGeom>
+        </p:spPr>
+        <p:txBody>
+          <a:bodyPr vert="horz" lIns="91440" tIns="45720" rIns="91440" bIns="45720" rtlCol="0" anchor="b"/>
+          <a:lstStyle>
+            <a:lvl1pPr algn="l">
+              <a:defRPr sz="1200"/>
+            </a:lvl1pPr>
+          </a:lstStyle>
+          <a:p>
+            <a:endParaRPr lang="en-US"/>
+          </a:p>
+        </p:txBody>
+      </p:sp>
+      <p:sp>
+        <p:nvSpPr>
+          <p:cNvPr id="7" name="Slide Number Placeholder 6"/>
+          <p:cNvSpPr>
+            <a:spLocks noGrp="1"/>
+          </p:cNvSpPr>
+          <p:nvPr>
+            <p:ph type="sldNum" sz="quarter" idx="5"/>
+          </p:nvPr>
+        </p:nvSpPr>
+        <p:spPr>
+          <a:xfrm>
+            <a:off x="3884613" y="8685213"/>
+            <a:ext cx="2971800" cy="457200"/>
+          </a:xfrm>
+          <a:prstGeom prst="rect">
+            <a:avLst/>
+          </a:prstGeom>
+        </p:spPr>
+        <p:txBody>
+          <a:bodyPr vert="horz" lIns="91440" tIns="45720" rIns="91440" bIns="45720" rtlCol="0" anchor="b"/>
+          <a:lstStyle>
+            <a:lvl1pPr algn="r">
+              <a:defRPr sz="1200"/>
+            </a:lvl1pPr>
+          </a:lstStyle>
+          <a:p>
+            <a:fld id="{7A018F40-240C-48B7-B9C8-4148879633B3}" type="slidenum">
+              <a:rPr lang="en-US" smtClean="0"/>
+              <a:t>‹#›</a:t>
+            </a:fld>
+            <a:endParaRPr lang="en-US"/>
+          </a:p>
+        </p:txBody>
+      </p:sp>
+    </p:spTree>
+  </p:cSld>
+  <p:clrMap bg1="lt1" tx1="dk1" bg2="lt2" tx2="dk2" accent1="accent1" accent2="accent2" accent3="accent3" accent4="accent4" accent5="accent5" accent6="accent6" hlink="hlink" folHlink="folHlink"/>
+  <p:notesStyle>
+    <a:lvl1pPr marL="0" algn="l" defTabSz="914400" rtl="0" eaLnBrk="1" latinLnBrk="0" hangingPunct="1">
+      <a:defRPr sz="1200" kern="1200">
+        <a:solidFill>
+          <a:schemeClr val="tx1"/>
+        </a:solidFill>
+        <a:latin typeface="+mn-lt"/>
+        <a:ea typeface="+mn-ea"/>
+        <a:cs typeface="+mn-cs"/>
+      </a:defRPr>
+    </a:lvl1pPr>
+    <a:lvl2pPr marL="457200" algn="l" defTabSz="914400" rtl="0" eaLnBrk="1" latinLnBrk="0" hangingPunct="1">
+      <a:defRPr sz="1200" kern="1200">
+        <a:solidFill>
+          <a:schemeClr val="tx1"/>
+        </a:solidFill>
+        <a:latin typeface="+mn-lt"/>
+        <a:ea typeface="+mn-ea"/>
+        <a:cs typeface="+mn-cs"/>
+      </a:defRPr>
+    </a:lvl2pPr>
+    <a:lvl3pPr marL="914400" algn="l" defTabSz="914400" rtl="0" eaLnBrk="1" latinLnBrk="0" hangingPunct="1">
+      <a:defRPr sz="1200" kern="1200">
+        <a:solidFill>
+          <a:schemeClr val="tx1"/>
+        </a:solidFill>
+        <a:latin typeface="+mn-lt"/>
+        <a:ea typeface="+mn-ea"/>
+        <a:cs typeface="+mn-cs"/>
+      </a:defRPr>
+    </a:lvl3pPr>
+    <a:lvl4pPr marL="1371600" algn="l" defTabSz="914400" rtl="0" eaLnBrk="1" latinLnBrk="0" hangingPunct="1">
+      <a:defRPr sz="1200" kern="1200">
+        <a:solidFill>
+          <a:schemeClr val="tx1"/>
+        </a:solidFill>
+        <a:latin typeface="+mn-lt"/>
+        <a:ea typeface="+mn-ea"/>
+        <a:cs typeface="+mn-cs"/>
+      </a:defRPr>
+    </a:lvl4pPr>
+    <a:lvl5pPr marL="1828800" algn="l" defTabSz="914400" rtl="0" eaLnBrk="1" latinLnBrk="0" hangingPunct="1">
+      <a:defRPr sz="1200" kern="1200">
+        <a:solidFill>
+          <a:schemeClr val="tx1"/>
+        </a:solidFill>
+        <a:latin typeface="+mn-lt"/>
+        <a:ea typeface="+mn-ea"/>
+        <a:cs typeface="+mn-cs"/>
+      </a:defRPr>
+    </a:lvl5pPr>
+    <a:lvl6pPr marL="2286000" algn="l" defTabSz="914400" rtl="0" eaLnBrk="1" latinLnBrk="0" hangingPunct="1">
+      <a:defRPr sz="1200" kern="1200">
+        <a:solidFill>
+          <a:schemeClr val="tx1"/>
+        </a:solidFill>
+        <a:latin typeface="+mn-lt"/>
+        <a:ea typeface="+mn-ea"/>
+        <a:cs typeface="+mn-cs"/>
+      </a:defRPr>
+    </a:lvl6pPr>
+    <a:lvl7pPr marL="2743200" algn="l" defTabSz="914400" rtl="0" eaLnBrk="1" latinLnBrk="0" hangingPunct="1">
+      <a:defRPr sz="1200" kern="1200">
+        <a:solidFill>
+          <a:schemeClr val="tx1"/>
+        </a:solidFill>
+        <a:latin typeface="+mn-lt"/>
+        <a:ea typeface="+mn-ea"/>
+        <a:cs typeface="+mn-cs"/>
+      </a:defRPr>
+    </a:lvl7pPr>
+    <a:lvl8pPr marL="3200400" algn="l" defTabSz="914400" rtl="0" eaLnBrk="1" latinLnBrk="0" hangingPunct="1">
+      <a:defRPr sz="1200" kern="1200">
+        <a:solidFill>
+          <a:schemeClr val="tx1"/>
+        </a:solidFill>
+        <a:latin typeface="+mn-lt"/>
+        <a:ea typeface="+mn-ea"/>
+        <a:cs typeface="+mn-cs"/>
+      </a:defRPr>
+    </a:lvl8pPr>
+    <a:lvl9pPr marL="3657600" algn="l" defTabSz="914400" rtl="0" eaLnBrk="1" latinLnBrk="0" hangingPunct="1">
+      <a:defRPr sz="1200" kern="1200">
+        <a:solidFill>
+          <a:schemeClr val="tx1"/>
+        </a:solidFill>
+        <a:latin typeface="+mn-lt"/>
+        <a:ea typeface="+mn-ea"/>
+        <a:cs typeface="+mn-cs"/>
+      </a:defRPr>
+    </a:lvl9pPr>
+  </p:notesStyle>
+</p:notesMaster>
+</file>
+
+<file path=ppt/notesSlides/notesSlide1.xml><?xml version="1.0" encoding="utf-8"?>
+<p:notes xmlns:a="http://schemas.openxmlformats.org/drawingml/2006/main" xmlns:r="http://schemas.openxmlformats.org/officeDocument/2006/relationships" xmlns:p="http://schemas.openxmlformats.org/presentationml/2006/main">
+  <p:cSld>
+    <p:spTree>
+      <p:nvGrpSpPr>
+        <p:cNvPr id="1" name=""/>
+        <p:cNvGrpSpPr/>
+        <p:nvPr/>
+      </p:nvGrpSpPr>
+      <p:grpSpPr>
+        <a:xfrm>
+          <a:off x="0" y="0"/>
+          <a:ext cx="0" cy="0"/>
+          <a:chOff x="0" y="0"/>
+          <a:chExt cx="0" cy="0"/>
+        </a:xfrm>
+      </p:grpSpPr>
+      <p:sp>
+        <p:nvSpPr>
+          <p:cNvPr id="2" name="Slide Image Placeholder 1"/>
+          <p:cNvSpPr>
+            <a:spLocks noGrp="1" noRot="1" noChangeAspect="1"/>
+          </p:cNvSpPr>
+          <p:nvPr>
+            <p:ph type="sldImg"/>
+          </p:nvPr>
+        </p:nvSpPr>
+        <p:spPr/>
+      </p:sp>
+      <p:sp>
+        <p:nvSpPr>
+          <p:cNvPr id="3" name="Notes Placeholder 2"/>
+          <p:cNvSpPr>
+            <a:spLocks noGrp="1"/>
+          </p:cNvSpPr>
+          <p:nvPr>
+            <p:ph type="body" idx="1"/>
+          </p:nvPr>
+        </p:nvSpPr>
+        <p:spPr/>
+        <p:txBody>
+          <a:bodyPr>
+            <a:normAutofit/>
+          </a:bodyPr>
+          <a:lstStyle/>
+          <a:p>
+            <a:r>
+              <a:rPr lang="en-US" dirty="0" smtClean="0"/>
+              <a:t>Logan</a:t>
+            </a:r>
+            <a:endParaRPr lang="en-US" dirty="0"/>
+          </a:p>
+        </p:txBody>
+      </p:sp>
+      <p:sp>
+        <p:nvSpPr>
+          <p:cNvPr id="4" name="Slide Number Placeholder 3"/>
+          <p:cNvSpPr>
+            <a:spLocks noGrp="1"/>
+          </p:cNvSpPr>
+          <p:nvPr>
+            <p:ph type="sldNum" sz="quarter" idx="10"/>
+          </p:nvPr>
+        </p:nvSpPr>
+        <p:spPr/>
+        <p:txBody>
+          <a:bodyPr/>
+          <a:lstStyle/>
+          <a:p>
+            <a:fld id="{7A018F40-240C-48B7-B9C8-4148879633B3}" type="slidenum">
+              <a:rPr lang="en-US" smtClean="0"/>
+              <a:t>2</a:t>
+            </a:fld>
+            <a:endParaRPr lang="en-US"/>
+          </a:p>
+        </p:txBody>
+      </p:sp>
+    </p:spTree>
+  </p:cSld>
+  <p:clrMapOvr>
+    <a:masterClrMapping/>
+  </p:clrMapOvr>
+</p:notes>
+</file>
+
+<file path=ppt/notesSlides/notesSlide2.xml><?xml version="1.0" encoding="utf-8"?>
+<p:notes xmlns:a="http://schemas.openxmlformats.org/drawingml/2006/main" xmlns:r="http://schemas.openxmlformats.org/officeDocument/2006/relationships" xmlns:p="http://schemas.openxmlformats.org/presentationml/2006/main">
+  <p:cSld>
+    <p:spTree>
+      <p:nvGrpSpPr>
+        <p:cNvPr id="1" name=""/>
+        <p:cNvGrpSpPr/>
+        <p:nvPr/>
+      </p:nvGrpSpPr>
+      <p:grpSpPr>
+        <a:xfrm>
+          <a:off x="0" y="0"/>
+          <a:ext cx="0" cy="0"/>
+          <a:chOff x="0" y="0"/>
+          <a:chExt cx="0" cy="0"/>
+        </a:xfrm>
+      </p:grpSpPr>
+      <p:sp>
+        <p:nvSpPr>
+          <p:cNvPr id="2" name="Slide Image Placeholder 1"/>
+          <p:cNvSpPr>
+            <a:spLocks noGrp="1" noRot="1" noChangeAspect="1"/>
+          </p:cNvSpPr>
+          <p:nvPr>
+            <p:ph type="sldImg"/>
+          </p:nvPr>
+        </p:nvSpPr>
+        <p:spPr/>
+      </p:sp>
+      <p:sp>
+        <p:nvSpPr>
+          <p:cNvPr id="3" name="Notes Placeholder 2"/>
+          <p:cNvSpPr>
+            <a:spLocks noGrp="1"/>
+          </p:cNvSpPr>
+          <p:nvPr>
+            <p:ph type="body" idx="1"/>
+          </p:nvPr>
+        </p:nvSpPr>
+        <p:spPr/>
+        <p:txBody>
+          <a:bodyPr>
+            <a:normAutofit/>
+          </a:bodyPr>
+          <a:lstStyle/>
+          <a:p>
+            <a:r>
+              <a:rPr lang="en-US" dirty="0" smtClean="0"/>
+              <a:t>Danielle</a:t>
+            </a:r>
+            <a:endParaRPr lang="en-US" dirty="0"/>
+          </a:p>
+        </p:txBody>
+      </p:sp>
+      <p:sp>
+        <p:nvSpPr>
+          <p:cNvPr id="4" name="Slide Number Placeholder 3"/>
+          <p:cNvSpPr>
+            <a:spLocks noGrp="1"/>
+          </p:cNvSpPr>
+          <p:nvPr>
+            <p:ph type="sldNum" sz="quarter" idx="10"/>
+          </p:nvPr>
+        </p:nvSpPr>
+        <p:spPr/>
+        <p:txBody>
+          <a:bodyPr/>
+          <a:lstStyle/>
+          <a:p>
+            <a:fld id="{7A018F40-240C-48B7-B9C8-4148879633B3}" type="slidenum">
+              <a:rPr lang="en-US" smtClean="0"/>
+              <a:t>3</a:t>
+            </a:fld>
+            <a:endParaRPr lang="en-US"/>
+          </a:p>
+        </p:txBody>
+      </p:sp>
+    </p:spTree>
+  </p:cSld>
+  <p:clrMapOvr>
+    <a:masterClrMapping/>
+  </p:clrMapOvr>
+</p:notes>
+</file>
+
+<file path=ppt/notesSlides/notesSlide3.xml><?xml version="1.0" encoding="utf-8"?>
+<p:notes xmlns:a="http://schemas.openxmlformats.org/drawingml/2006/main" xmlns:r="http://schemas.openxmlformats.org/officeDocument/2006/relationships" xmlns:p="http://schemas.openxmlformats.org/presentationml/2006/main">
+  <p:cSld>
+    <p:spTree>
+      <p:nvGrpSpPr>
+        <p:cNvPr id="1" name=""/>
+        <p:cNvGrpSpPr/>
+        <p:nvPr/>
+      </p:nvGrpSpPr>
+      <p:grpSpPr>
+        <a:xfrm>
+          <a:off x="0" y="0"/>
+          <a:ext cx="0" cy="0"/>
+          <a:chOff x="0" y="0"/>
+          <a:chExt cx="0" cy="0"/>
+        </a:xfrm>
+      </p:grpSpPr>
+      <p:sp>
+        <p:nvSpPr>
+          <p:cNvPr id="2" name="Slide Image Placeholder 1"/>
+          <p:cNvSpPr>
+            <a:spLocks noGrp="1" noRot="1" noChangeAspect="1"/>
+          </p:cNvSpPr>
+          <p:nvPr>
+            <p:ph type="sldImg"/>
+          </p:nvPr>
+        </p:nvSpPr>
+        <p:spPr/>
+      </p:sp>
+      <p:sp>
+        <p:nvSpPr>
+          <p:cNvPr id="3" name="Notes Placeholder 2"/>
+          <p:cNvSpPr>
+            <a:spLocks noGrp="1"/>
+          </p:cNvSpPr>
+          <p:nvPr>
+            <p:ph type="body" idx="1"/>
+          </p:nvPr>
+        </p:nvSpPr>
+        <p:spPr/>
+        <p:txBody>
+          <a:bodyPr>
+            <a:normAutofit/>
+          </a:bodyPr>
+          <a:lstStyle/>
+          <a:p>
+            <a:r>
+              <a:rPr lang="en-US" dirty="0" smtClean="0"/>
+              <a:t>Jon</a:t>
+            </a:r>
+            <a:endParaRPr lang="en-US" dirty="0"/>
+          </a:p>
+        </p:txBody>
+      </p:sp>
+      <p:sp>
+        <p:nvSpPr>
+          <p:cNvPr id="4" name="Slide Number Placeholder 3"/>
+          <p:cNvSpPr>
+            <a:spLocks noGrp="1"/>
+          </p:cNvSpPr>
+          <p:nvPr>
+            <p:ph type="sldNum" sz="quarter" idx="10"/>
+          </p:nvPr>
+        </p:nvSpPr>
+        <p:spPr/>
+        <p:txBody>
+          <a:bodyPr/>
+          <a:lstStyle/>
+          <a:p>
+            <a:fld id="{7A018F40-240C-48B7-B9C8-4148879633B3}" type="slidenum">
+              <a:rPr lang="en-US" smtClean="0"/>
+              <a:t>4</a:t>
+            </a:fld>
+            <a:endParaRPr lang="en-US"/>
+          </a:p>
+        </p:txBody>
+      </p:sp>
+    </p:spTree>
+  </p:cSld>
+  <p:clrMapOvr>
+    <a:masterClrMapping/>
+  </p:clrMapOvr>
+</p:notes>
+</file>
+
+<file path=ppt/notesSlides/notesSlide4.xml><?xml version="1.0" encoding="utf-8"?>
+<p:notes xmlns:a="http://schemas.openxmlformats.org/drawingml/2006/main" xmlns:r="http://schemas.openxmlformats.org/officeDocument/2006/relationships" xmlns:p="http://schemas.openxmlformats.org/presentationml/2006/main">
+  <p:cSld>
+    <p:spTree>
+      <p:nvGrpSpPr>
+        <p:cNvPr id="1" name=""/>
+        <p:cNvGrpSpPr/>
+        <p:nvPr/>
+      </p:nvGrpSpPr>
+      <p:grpSpPr>
+        <a:xfrm>
+          <a:off x="0" y="0"/>
+          <a:ext cx="0" cy="0"/>
+          <a:chOff x="0" y="0"/>
+          <a:chExt cx="0" cy="0"/>
+        </a:xfrm>
+      </p:grpSpPr>
+      <p:sp>
+        <p:nvSpPr>
+          <p:cNvPr id="2" name="Slide Image Placeholder 1"/>
+          <p:cNvSpPr>
+            <a:spLocks noGrp="1" noRot="1" noChangeAspect="1"/>
+          </p:cNvSpPr>
+          <p:nvPr>
+            <p:ph type="sldImg"/>
+          </p:nvPr>
+        </p:nvSpPr>
+        <p:spPr/>
+      </p:sp>
+      <p:sp>
+        <p:nvSpPr>
+          <p:cNvPr id="3" name="Notes Placeholder 2"/>
+          <p:cNvSpPr>
+            <a:spLocks noGrp="1"/>
+          </p:cNvSpPr>
+          <p:nvPr>
+            <p:ph type="body" idx="1"/>
+          </p:nvPr>
+        </p:nvSpPr>
+        <p:spPr/>
+        <p:txBody>
+          <a:bodyPr>
+            <a:normAutofit/>
+          </a:bodyPr>
+          <a:lstStyle/>
+          <a:p>
+            <a:r>
+              <a:rPr lang="en-US" dirty="0" smtClean="0"/>
+              <a:t>Dan</a:t>
+            </a:r>
+            <a:endParaRPr lang="en-US" dirty="0"/>
+          </a:p>
+        </p:txBody>
+      </p:sp>
+      <p:sp>
+        <p:nvSpPr>
+          <p:cNvPr id="4" name="Slide Number Placeholder 3"/>
+          <p:cNvSpPr>
+            <a:spLocks noGrp="1"/>
+          </p:cNvSpPr>
+          <p:nvPr>
+            <p:ph type="sldNum" sz="quarter" idx="10"/>
+          </p:nvPr>
+        </p:nvSpPr>
+        <p:spPr/>
+        <p:txBody>
+          <a:bodyPr/>
+          <a:lstStyle/>
+          <a:p>
+            <a:fld id="{7A018F40-240C-48B7-B9C8-4148879633B3}" type="slidenum">
+              <a:rPr lang="en-US" smtClean="0"/>
+              <a:t>5</a:t>
+            </a:fld>
+            <a:endParaRPr lang="en-US"/>
+          </a:p>
+        </p:txBody>
+      </p:sp>
+    </p:spTree>
+  </p:cSld>
+  <p:clrMapOvr>
+    <a:masterClrMapping/>
+  </p:clrMapOvr>
+</p:notes>
+</file>
+
+<file path=ppt/notesSlides/notesSlide5.xml><?xml version="1.0" encoding="utf-8"?>
+<p:notes xmlns:a="http://schemas.openxmlformats.org/drawingml/2006/main" xmlns:r="http://schemas.openxmlformats.org/officeDocument/2006/relationships" xmlns:p="http://schemas.openxmlformats.org/presentationml/2006/main">
+  <p:cSld>
+    <p:spTree>
+      <p:nvGrpSpPr>
+        <p:cNvPr id="1" name=""/>
+        <p:cNvGrpSpPr/>
+        <p:nvPr/>
+      </p:nvGrpSpPr>
+      <p:grpSpPr>
+        <a:xfrm>
+          <a:off x="0" y="0"/>
+          <a:ext cx="0" cy="0"/>
+          <a:chOff x="0" y="0"/>
+          <a:chExt cx="0" cy="0"/>
+        </a:xfrm>
+      </p:grpSpPr>
+      <p:sp>
+        <p:nvSpPr>
+          <p:cNvPr id="2" name="Slide Image Placeholder 1"/>
+          <p:cNvSpPr>
+            <a:spLocks noGrp="1" noRot="1" noChangeAspect="1"/>
+          </p:cNvSpPr>
+          <p:nvPr>
+            <p:ph type="sldImg"/>
+          </p:nvPr>
+        </p:nvSpPr>
+        <p:spPr/>
+      </p:sp>
+      <p:sp>
+        <p:nvSpPr>
+          <p:cNvPr id="3" name="Notes Placeholder 2"/>
+          <p:cNvSpPr>
+            <a:spLocks noGrp="1"/>
+          </p:cNvSpPr>
+          <p:nvPr>
+            <p:ph type="body" idx="1"/>
+          </p:nvPr>
+        </p:nvSpPr>
+        <p:spPr/>
+        <p:txBody>
+          <a:bodyPr>
+            <a:normAutofit/>
+          </a:bodyPr>
+          <a:lstStyle/>
+          <a:p>
+            <a:r>
+              <a:rPr lang="en-US" dirty="0" smtClean="0"/>
+              <a:t>Dan</a:t>
+            </a:r>
+            <a:endParaRPr lang="en-US" dirty="0"/>
+          </a:p>
+        </p:txBody>
+      </p:sp>
+      <p:sp>
+        <p:nvSpPr>
+          <p:cNvPr id="4" name="Slide Number Placeholder 3"/>
+          <p:cNvSpPr>
+            <a:spLocks noGrp="1"/>
+          </p:cNvSpPr>
+          <p:nvPr>
+            <p:ph type="sldNum" sz="quarter" idx="10"/>
+          </p:nvPr>
+        </p:nvSpPr>
+        <p:spPr/>
+        <p:txBody>
+          <a:bodyPr/>
+          <a:lstStyle/>
+          <a:p>
+            <a:fld id="{7A018F40-240C-48B7-B9C8-4148879633B3}" type="slidenum">
+              <a:rPr lang="en-US" smtClean="0"/>
+              <a:t>6</a:t>
+            </a:fld>
+            <a:endParaRPr lang="en-US"/>
+          </a:p>
+        </p:txBody>
+      </p:sp>
+    </p:spTree>
+  </p:cSld>
+  <p:clrMapOvr>
+    <a:masterClrMapping/>
+  </p:clrMapOvr>
+</p:notes>
+</file>
+
+<file path=ppt/notesSlides/notesSlide6.xml><?xml version="1.0" encoding="utf-8"?>
+<p:notes xmlns:a="http://schemas.openxmlformats.org/drawingml/2006/main" xmlns:r="http://schemas.openxmlformats.org/officeDocument/2006/relationships" xmlns:p="http://schemas.openxmlformats.org/presentationml/2006/main">
+  <p:cSld>
+    <p:spTree>
+      <p:nvGrpSpPr>
+        <p:cNvPr id="1" name=""/>
+        <p:cNvGrpSpPr/>
+        <p:nvPr/>
+      </p:nvGrpSpPr>
+      <p:grpSpPr>
+        <a:xfrm>
+          <a:off x="0" y="0"/>
+          <a:ext cx="0" cy="0"/>
+          <a:chOff x="0" y="0"/>
+          <a:chExt cx="0" cy="0"/>
+        </a:xfrm>
+      </p:grpSpPr>
+      <p:sp>
+        <p:nvSpPr>
+          <p:cNvPr id="2" name="Slide Image Placeholder 1"/>
+          <p:cNvSpPr>
+            <a:spLocks noGrp="1" noRot="1" noChangeAspect="1"/>
+          </p:cNvSpPr>
+          <p:nvPr>
+            <p:ph type="sldImg"/>
+          </p:nvPr>
+        </p:nvSpPr>
+        <p:spPr/>
+      </p:sp>
+      <p:sp>
+        <p:nvSpPr>
+          <p:cNvPr id="3" name="Notes Placeholder 2"/>
+          <p:cNvSpPr>
+            <a:spLocks noGrp="1"/>
+          </p:cNvSpPr>
+          <p:nvPr>
+            <p:ph type="body" idx="1"/>
+          </p:nvPr>
+        </p:nvSpPr>
+        <p:spPr/>
+        <p:txBody>
+          <a:bodyPr>
+            <a:normAutofit/>
+          </a:bodyPr>
+          <a:lstStyle/>
+          <a:p>
+            <a:r>
+              <a:rPr lang="en-US" smtClean="0"/>
+              <a:t>Logan</a:t>
+            </a:r>
+          </a:p>
+        </p:txBody>
+      </p:sp>
+      <p:sp>
+        <p:nvSpPr>
+          <p:cNvPr id="4" name="Slide Number Placeholder 3"/>
+          <p:cNvSpPr>
+            <a:spLocks noGrp="1"/>
+          </p:cNvSpPr>
+          <p:nvPr>
+            <p:ph type="sldNum" sz="quarter" idx="10"/>
+          </p:nvPr>
+        </p:nvSpPr>
+        <p:spPr/>
+        <p:txBody>
+          <a:bodyPr/>
+          <a:lstStyle/>
+          <a:p>
+            <a:fld id="{7A018F40-240C-48B7-B9C8-4148879633B3}" type="slidenum">
+              <a:rPr lang="en-US" smtClean="0"/>
+              <a:t>7</a:t>
+            </a:fld>
+            <a:endParaRPr lang="en-US"/>
+          </a:p>
+        </p:txBody>
+      </p:sp>
+    </p:spTree>
+  </p:cSld>
+  <p:clrMapOvr>
+    <a:masterClrMapping/>
+  </p:clrMapOvr>
+</p:notes>
+</file>
+
 <file path=ppt/slideLayouts/slideLayout1.xml><?xml version="1.0" encoding="utf-8"?>
 <p:sldLayout xmlns:a="http://schemas.openxmlformats.org/drawingml/2006/main" xmlns:r="http://schemas.openxmlformats.org/officeDocument/2006/relationships" xmlns:p="http://schemas.openxmlformats.org/presentationml/2006/main" type="title" preserve="1">
   <p:cSld name="Title Slide">
@@ -293,7 +1153,8 @@
           <a:p>
             <a:fld id="{71D0AA3E-8602-44A9-948B-E976CF1A0C25}" type="datetimeFigureOut">
               <a:rPr lang="en-US" smtClean="0"/>
-              <a:t>4/27/2008</a:t>
+              <a:pPr/>
+              <a:t>4/28/2008</a:t>
             </a:fld>
             <a:endParaRPr lang="en-US"/>
           </a:p>
@@ -335,6 +1196,7 @@
           <a:p>
             <a:fld id="{EDCE0834-E210-4CDD-86AF-D36262A444C4}" type="slidenum">
               <a:rPr lang="en-US" smtClean="0"/>
+              <a:pPr/>
               <a:t>‹#›</a:t>
             </a:fld>
             <a:endParaRPr lang="en-US"/>
@@ -458,7 +1320,8 @@
           <a:p>
             <a:fld id="{71D0AA3E-8602-44A9-948B-E976CF1A0C25}" type="datetimeFigureOut">
               <a:rPr lang="en-US" smtClean="0"/>
-              <a:t>4/27/2008</a:t>
+              <a:pPr/>
+              <a:t>4/28/2008</a:t>
             </a:fld>
             <a:endParaRPr lang="en-US"/>
           </a:p>
@@ -500,6 +1363,7 @@
           <a:p>
             <a:fld id="{EDCE0834-E210-4CDD-86AF-D36262A444C4}" type="slidenum">
               <a:rPr lang="en-US" smtClean="0"/>
+              <a:pPr/>
               <a:t>‹#›</a:t>
             </a:fld>
             <a:endParaRPr lang="en-US"/>
@@ -633,7 +1497,8 @@
           <a:p>
             <a:fld id="{71D0AA3E-8602-44A9-948B-E976CF1A0C25}" type="datetimeFigureOut">
               <a:rPr lang="en-US" smtClean="0"/>
-              <a:t>4/27/2008</a:t>
+              <a:pPr/>
+              <a:t>4/28/2008</a:t>
             </a:fld>
             <a:endParaRPr lang="en-US"/>
           </a:p>
@@ -675,6 +1540,7 @@
           <a:p>
             <a:fld id="{EDCE0834-E210-4CDD-86AF-D36262A444C4}" type="slidenum">
               <a:rPr lang="en-US" smtClean="0"/>
+              <a:pPr/>
               <a:t>‹#›</a:t>
             </a:fld>
             <a:endParaRPr lang="en-US"/>
@@ -798,7 +1664,8 @@
           <a:p>
             <a:fld id="{71D0AA3E-8602-44A9-948B-E976CF1A0C25}" type="datetimeFigureOut">
               <a:rPr lang="en-US" smtClean="0"/>
-              <a:t>4/27/2008</a:t>
+              <a:pPr/>
+              <a:t>4/28/2008</a:t>
             </a:fld>
             <a:endParaRPr lang="en-US"/>
           </a:p>
@@ -840,6 +1707,7 @@
           <a:p>
             <a:fld id="{EDCE0834-E210-4CDD-86AF-D36262A444C4}" type="slidenum">
               <a:rPr lang="en-US" smtClean="0"/>
+              <a:pPr/>
               <a:t>‹#›</a:t>
             </a:fld>
             <a:endParaRPr lang="en-US"/>
@@ -1039,7 +1907,8 @@
           <a:p>
             <a:fld id="{71D0AA3E-8602-44A9-948B-E976CF1A0C25}" type="datetimeFigureOut">
               <a:rPr lang="en-US" smtClean="0"/>
-              <a:t>4/27/2008</a:t>
+              <a:pPr/>
+              <a:t>4/28/2008</a:t>
             </a:fld>
             <a:endParaRPr lang="en-US"/>
           </a:p>
@@ -1081,6 +1950,7 @@
           <a:p>
             <a:fld id="{EDCE0834-E210-4CDD-86AF-D36262A444C4}" type="slidenum">
               <a:rPr lang="en-US" smtClean="0"/>
+              <a:pPr/>
               <a:t>‹#›</a:t>
             </a:fld>
             <a:endParaRPr lang="en-US"/>
@@ -1322,7 +2192,8 @@
           <a:p>
             <a:fld id="{71D0AA3E-8602-44A9-948B-E976CF1A0C25}" type="datetimeFigureOut">
               <a:rPr lang="en-US" smtClean="0"/>
-              <a:t>4/27/2008</a:t>
+              <a:pPr/>
+              <a:t>4/28/2008</a:t>
             </a:fld>
             <a:endParaRPr lang="en-US"/>
           </a:p>
@@ -1364,6 +2235,7 @@
           <a:p>
             <a:fld id="{EDCE0834-E210-4CDD-86AF-D36262A444C4}" type="slidenum">
               <a:rPr lang="en-US" smtClean="0"/>
+              <a:pPr/>
               <a:t>‹#›</a:t>
             </a:fld>
             <a:endParaRPr lang="en-US"/>
@@ -1739,7 +2611,8 @@
           <a:p>
             <a:fld id="{71D0AA3E-8602-44A9-948B-E976CF1A0C25}" type="datetimeFigureOut">
               <a:rPr lang="en-US" smtClean="0"/>
-              <a:t>4/27/2008</a:t>
+              <a:pPr/>
+              <a:t>4/28/2008</a:t>
             </a:fld>
             <a:endParaRPr lang="en-US"/>
           </a:p>
@@ -1781,6 +2654,7 @@
           <a:p>
             <a:fld id="{EDCE0834-E210-4CDD-86AF-D36262A444C4}" type="slidenum">
               <a:rPr lang="en-US" smtClean="0"/>
+              <a:pPr/>
               <a:t>‹#›</a:t>
             </a:fld>
             <a:endParaRPr lang="en-US"/>
@@ -1852,7 +2726,8 @@
           <a:p>
             <a:fld id="{71D0AA3E-8602-44A9-948B-E976CF1A0C25}" type="datetimeFigureOut">
               <a:rPr lang="en-US" smtClean="0"/>
-              <a:t>4/27/2008</a:t>
+              <a:pPr/>
+              <a:t>4/28/2008</a:t>
             </a:fld>
             <a:endParaRPr lang="en-US"/>
           </a:p>
@@ -1894,6 +2769,7 @@
           <a:p>
             <a:fld id="{EDCE0834-E210-4CDD-86AF-D36262A444C4}" type="slidenum">
               <a:rPr lang="en-US" smtClean="0"/>
+              <a:pPr/>
               <a:t>‹#›</a:t>
             </a:fld>
             <a:endParaRPr lang="en-US"/>
@@ -1942,7 +2818,8 @@
           <a:p>
             <a:fld id="{71D0AA3E-8602-44A9-948B-E976CF1A0C25}" type="datetimeFigureOut">
               <a:rPr lang="en-US" smtClean="0"/>
-              <a:t>4/27/2008</a:t>
+              <a:pPr/>
+              <a:t>4/28/2008</a:t>
             </a:fld>
             <a:endParaRPr lang="en-US"/>
           </a:p>
@@ -1984,6 +2861,7 @@
           <a:p>
             <a:fld id="{EDCE0834-E210-4CDD-86AF-D36262A444C4}" type="slidenum">
               <a:rPr lang="en-US" smtClean="0"/>
+              <a:pPr/>
               <a:t>‹#›</a:t>
             </a:fld>
             <a:endParaRPr lang="en-US"/>
@@ -2214,7 +3092,8 @@
           <a:p>
             <a:fld id="{71D0AA3E-8602-44A9-948B-E976CF1A0C25}" type="datetimeFigureOut">
               <a:rPr lang="en-US" smtClean="0"/>
-              <a:t>4/27/2008</a:t>
+              <a:pPr/>
+              <a:t>4/28/2008</a:t>
             </a:fld>
             <a:endParaRPr lang="en-US"/>
           </a:p>
@@ -2256,6 +3135,7 @@
           <a:p>
             <a:fld id="{EDCE0834-E210-4CDD-86AF-D36262A444C4}" type="slidenum">
               <a:rPr lang="en-US" smtClean="0"/>
+              <a:pPr/>
               <a:t>‹#›</a:t>
             </a:fld>
             <a:endParaRPr lang="en-US"/>
@@ -2462,7 +3342,8 @@
           <a:p>
             <a:fld id="{71D0AA3E-8602-44A9-948B-E976CF1A0C25}" type="datetimeFigureOut">
               <a:rPr lang="en-US" smtClean="0"/>
-              <a:t>4/27/2008</a:t>
+              <a:pPr/>
+              <a:t>4/28/2008</a:t>
             </a:fld>
             <a:endParaRPr lang="en-US"/>
           </a:p>
@@ -2504,6 +3385,7 @@
           <a:p>
             <a:fld id="{EDCE0834-E210-4CDD-86AF-D36262A444C4}" type="slidenum">
               <a:rPr lang="en-US" smtClean="0"/>
+              <a:pPr/>
               <a:t>‹#›</a:t>
             </a:fld>
             <a:endParaRPr lang="en-US"/>
@@ -2670,7 +3552,8 @@
           <a:p>
             <a:fld id="{71D0AA3E-8602-44A9-948B-E976CF1A0C25}" type="datetimeFigureOut">
               <a:rPr lang="en-US" smtClean="0"/>
-              <a:t>4/27/2008</a:t>
+              <a:pPr/>
+              <a:t>4/28/2008</a:t>
             </a:fld>
             <a:endParaRPr lang="en-US"/>
           </a:p>
@@ -2748,6 +3631,7 @@
           <a:p>
             <a:fld id="{EDCE0834-E210-4CDD-86AF-D36262A444C4}" type="slidenum">
               <a:rPr lang="en-US" smtClean="0"/>
+              <a:pPr/>
               <a:t>‹#›</a:t>
             </a:fld>
             <a:endParaRPr lang="en-US"/>
@@ -3164,7 +4048,29 @@
           <a:bodyPr/>
           <a:lstStyle/>
           <a:p>
-            <a:endParaRPr lang="en-US" dirty="0"/>
+            <a:r>
+              <a:rPr lang="en-US" dirty="0" smtClean="0"/>
+              <a:t>Made with easy to get materials; </a:t>
+            </a:r>
+            <a:r>
+              <a:rPr lang="en-US" dirty="0" err="1" smtClean="0"/>
+              <a:t>plexiglass</a:t>
+            </a:r>
+            <a:r>
+              <a:rPr lang="en-US" dirty="0" smtClean="0"/>
+              <a:t>, LEDs, wire, transistors, aluminum, and a </a:t>
+            </a:r>
+            <a:r>
+              <a:rPr lang="en-US" dirty="0" smtClean="0"/>
+              <a:t>webcam</a:t>
+            </a:r>
+          </a:p>
+          <a:p>
+            <a:r>
+              <a:rPr lang="en-US" dirty="0" smtClean="0"/>
+              <a:t>[ How it works. ]</a:t>
+            </a:r>
+            <a:endParaRPr lang="en-US" dirty="0" smtClean="0"/>
           </a:p>
         </p:txBody>
       </p:sp>
@@ -3234,12 +4140,57 @@
             <p:ph idx="1"/>
           </p:nvPr>
         </p:nvSpPr>
-        <p:spPr/>
-        <p:txBody>
-          <a:bodyPr/>
-          <a:lstStyle/>
-          <a:p>
-            <a:endParaRPr lang="en-US"/>
+        <p:spPr>
+          <a:xfrm>
+            <a:off x="457200" y="1676400"/>
+            <a:ext cx="8229600" cy="4449763"/>
+          </a:xfrm>
+        </p:spPr>
+        <p:txBody>
+          <a:bodyPr>
+            <a:normAutofit lnSpcReduction="10000"/>
+          </a:bodyPr>
+          <a:lstStyle/>
+          <a:p>
+            <a:r>
+              <a:rPr lang="en-US" dirty="0" smtClean="0"/>
+              <a:t>Very simple painting program</a:t>
+            </a:r>
+          </a:p>
+          <a:p>
+            <a:r>
+              <a:rPr lang="en-US" dirty="0" smtClean="0"/>
+              <a:t>Features are activated and deactivated by touching the corresponding button on the screen</a:t>
+            </a:r>
+          </a:p>
+          <a:p>
+            <a:r>
+              <a:rPr lang="en-US" dirty="0" smtClean="0"/>
+              <a:t>These features include color select, brush size select, lines, color fill, color sampling</a:t>
+            </a:r>
+            <a:r>
+              <a:rPr lang="en-US" smtClean="0"/>
+              <a:t>, clear\erase\undo, save\load, </a:t>
+            </a:r>
+            <a:r>
+              <a:rPr lang="en-US" dirty="0" smtClean="0"/>
+              <a:t>and shape stamps, as well as basic painting</a:t>
+            </a:r>
+          </a:p>
+          <a:p>
+            <a:r>
+              <a:rPr lang="en-US" dirty="0" smtClean="0"/>
+              <a:t>Like finger painting!</a:t>
+            </a:r>
+          </a:p>
+          <a:p>
+            <a:endParaRPr lang="en-US" dirty="0" smtClean="0"/>
+          </a:p>
+          <a:p>
+            <a:endParaRPr lang="en-US" dirty="0" smtClean="0"/>
+          </a:p>
+          <a:p>
+            <a:endParaRPr lang="en-US" dirty="0"/>
           </a:p>
         </p:txBody>
       </p:sp>
@@ -3285,7 +4236,11 @@
           <a:p>
             <a:r>
               <a:rPr lang="en-US" dirty="0" smtClean="0"/>
-              <a:t>Why Multi-Touch?</a:t>
+              <a:t>Why Multi-Touch</a:t>
+            </a:r>
+            <a:r>
+              <a:rPr lang="en-US" dirty="0" smtClean="0"/>
+              <a:t>?</a:t>
             </a:r>
             <a:endParaRPr lang="en-US" dirty="0"/>
           </a:p>
@@ -3306,7 +4261,19 @@
           <a:bodyPr/>
           <a:lstStyle/>
           <a:p>
-            <a:endParaRPr lang="en-US"/>
+            <a:r>
+              <a:rPr lang="en-US" dirty="0" smtClean="0"/>
+              <a:t>Multi touch allows for multiple points of interaction with the screen</a:t>
+            </a:r>
+          </a:p>
+          <a:p>
+            <a:r>
+              <a:rPr lang="en-US" dirty="0" smtClean="0"/>
+              <a:t>It also provides the ability to support multiple users simultaneously. </a:t>
+            </a:r>
+          </a:p>
+          <a:p>
+            <a:endParaRPr lang="en-US" dirty="0"/>
           </a:p>
         </p:txBody>
       </p:sp>
@@ -3352,7 +4319,7 @@
           <a:p>
             <a:r>
               <a:rPr lang="en-US" dirty="0" smtClean="0"/>
-              <a:t>Development Software</a:t>
+              <a:t>Construction</a:t>
             </a:r>
             <a:endParaRPr lang="en-US" dirty="0"/>
           </a:p>
@@ -3374,63 +4341,20 @@
           <a:lstStyle/>
           <a:p>
             <a:r>
-              <a:rPr lang="en-US" dirty="0" err="1" smtClean="0"/>
-              <a:t>TouchLib</a:t>
-            </a:r>
-            <a:endParaRPr lang="en-US" dirty="0" smtClean="0"/>
-          </a:p>
-          <a:p>
-            <a:pPr lvl="1"/>
-            <a:r>
-              <a:rPr lang="en-US" dirty="0" smtClean="0">
-                <a:hlinkClick r:id="rId2"/>
-              </a:rPr>
-              <a:t>www.touchlib.com</a:t>
-            </a:r>
-            <a:r>
               <a:rPr lang="en-US" dirty="0" smtClean="0"/>
-              <a:t>	</a:t>
-            </a:r>
-          </a:p>
-          <a:p>
-            <a:r>
-              <a:rPr lang="en-US" dirty="0" err="1" smtClean="0"/>
-              <a:t>TuioSimulator</a:t>
-            </a:r>
-            <a:endParaRPr lang="en-US" dirty="0" smtClean="0"/>
-          </a:p>
-          <a:p>
-            <a:pPr lvl="1"/>
-            <a:r>
-              <a:rPr lang="en-US" dirty="0" smtClean="0">
-                <a:hlinkClick r:id="rId3"/>
-              </a:rPr>
-              <a:t>http://reactable.iua.upf.edu/?software</a:t>
-            </a:r>
+              <a:t>[ How we built it. ]</a:t>
+            </a:r>
+          </a:p>
+          <a:p>
             <a:r>
               <a:rPr lang="en-US" dirty="0" smtClean="0"/>
-              <a:t>	</a:t>
-            </a:r>
-          </a:p>
-          <a:p>
-            <a:r>
-              <a:rPr lang="en-US" dirty="0" smtClean="0"/>
-              <a:t>Adobe Flash Creative Suite 3</a:t>
-            </a:r>
-          </a:p>
-          <a:p>
-            <a:pPr lvl="1"/>
-            <a:r>
-              <a:rPr lang="en-US" dirty="0" smtClean="0">
-                <a:hlinkClick r:id="rId4"/>
-              </a:rPr>
-              <a:t>http://www.adobe.com/products/flash/</a:t>
-            </a:r>
-            <a:r>
-              <a:rPr lang="en-US" dirty="0" smtClean="0"/>
-              <a:t>	</a:t>
-            </a:r>
-            <a:endParaRPr lang="en-US" dirty="0"/>
+              <a:t>See NUI Group for more details.</a:t>
+            </a:r>
+            <a:r>
+              <a:rPr lang="en-US" baseline="30000" dirty="0" smtClean="0"/>
+              <a:t>1</a:t>
+            </a:r>
+            <a:endParaRPr lang="en-US" baseline="30000" dirty="0"/>
           </a:p>
         </p:txBody>
       </p:sp>
@@ -3476,6 +4400,130 @@
           <a:p>
             <a:r>
               <a:rPr lang="en-US" dirty="0" smtClean="0"/>
+              <a:t>Development Software</a:t>
+            </a:r>
+            <a:endParaRPr lang="en-US" dirty="0"/>
+          </a:p>
+        </p:txBody>
+      </p:sp>
+      <p:sp>
+        <p:nvSpPr>
+          <p:cNvPr id="3" name="Content Placeholder 2"/>
+          <p:cNvSpPr>
+            <a:spLocks noGrp="1"/>
+          </p:cNvSpPr>
+          <p:nvPr>
+            <p:ph idx="1"/>
+          </p:nvPr>
+        </p:nvSpPr>
+        <p:spPr/>
+        <p:txBody>
+          <a:bodyPr/>
+          <a:lstStyle/>
+          <a:p>
+            <a:r>
+              <a:rPr lang="en-US" dirty="0" err="1" smtClean="0"/>
+              <a:t>TouchLib</a:t>
+            </a:r>
+            <a:endParaRPr lang="en-US" dirty="0" smtClean="0"/>
+          </a:p>
+          <a:p>
+            <a:pPr lvl="1"/>
+            <a:r>
+              <a:rPr lang="en-US" dirty="0" smtClean="0">
+                <a:hlinkClick r:id="rId3"/>
+              </a:rPr>
+              <a:t>www.touchlib.com</a:t>
+            </a:r>
+            <a:r>
+              <a:rPr lang="en-US" dirty="0" smtClean="0"/>
+              <a:t>	</a:t>
+            </a:r>
+          </a:p>
+          <a:p>
+            <a:r>
+              <a:rPr lang="en-US" dirty="0" err="1" smtClean="0"/>
+              <a:t>TuioSimulator</a:t>
+            </a:r>
+            <a:endParaRPr lang="en-US" dirty="0" smtClean="0"/>
+          </a:p>
+          <a:p>
+            <a:pPr lvl="1"/>
+            <a:r>
+              <a:rPr lang="en-US" dirty="0" smtClean="0">
+                <a:hlinkClick r:id="rId4"/>
+              </a:rPr>
+              <a:t>http://reactable.iua.upf.edu/?software</a:t>
+            </a:r>
+            <a:r>
+              <a:rPr lang="en-US" dirty="0" smtClean="0"/>
+              <a:t>	</a:t>
+            </a:r>
+          </a:p>
+          <a:p>
+            <a:r>
+              <a:rPr lang="en-US" dirty="0" smtClean="0"/>
+              <a:t>Adobe Flash Creative Suite 3</a:t>
+            </a:r>
+          </a:p>
+          <a:p>
+            <a:pPr lvl="1"/>
+            <a:r>
+              <a:rPr lang="en-US" dirty="0" smtClean="0">
+                <a:hlinkClick r:id="rId5"/>
+              </a:rPr>
+              <a:t>http://www.adobe.com/products/flash/</a:t>
+            </a:r>
+            <a:r>
+              <a:rPr lang="en-US" dirty="0" smtClean="0"/>
+              <a:t>	</a:t>
+            </a:r>
+            <a:endParaRPr lang="en-US" dirty="0"/>
+          </a:p>
+        </p:txBody>
+      </p:sp>
+    </p:spTree>
+  </p:cSld>
+  <p:clrMapOvr>
+    <a:masterClrMapping/>
+  </p:clrMapOvr>
+</p:sld>
+</file>
+
+<file path=ppt/slides/slide7.xml><?xml version="1.0" encoding="utf-8"?>
+<p:sld xmlns:a="http://schemas.openxmlformats.org/drawingml/2006/main" xmlns:r="http://schemas.openxmlformats.org/officeDocument/2006/relationships" xmlns:p="http://schemas.openxmlformats.org/presentationml/2006/main">
+  <p:cSld>
+    <p:spTree>
+      <p:nvGrpSpPr>
+        <p:cNvPr id="1" name=""/>
+        <p:cNvGrpSpPr/>
+        <p:nvPr/>
+      </p:nvGrpSpPr>
+      <p:grpSpPr>
+        <a:xfrm>
+          <a:off x="0" y="0"/>
+          <a:ext cx="0" cy="0"/>
+          <a:chOff x="0" y="0"/>
+          <a:chExt cx="0" cy="0"/>
+        </a:xfrm>
+      </p:grpSpPr>
+      <p:sp>
+        <p:nvSpPr>
+          <p:cNvPr id="2" name="Title 1"/>
+          <p:cNvSpPr>
+            <a:spLocks noGrp="1"/>
+          </p:cNvSpPr>
+          <p:nvPr>
+            <p:ph type="title"/>
+          </p:nvPr>
+        </p:nvSpPr>
+        <p:spPr/>
+        <p:txBody>
+          <a:bodyPr/>
+          <a:lstStyle/>
+          <a:p>
+            <a:r>
+              <a:rPr lang="en-US" dirty="0" smtClean="0"/>
               <a:t>References</a:t>
             </a:r>
             <a:endParaRPr lang="en-US" dirty="0"/>
@@ -3514,15 +4562,74 @@
             <a:pPr lvl="1"/>
             <a:r>
               <a:rPr lang="en-US" dirty="0" smtClean="0">
-                <a:hlinkClick r:id="rId2"/>
+                <a:hlinkClick r:id="rId3"/>
               </a:rPr>
-              <a:t>http://nuigroup.com/forums/viewforum/27/</a:t>
-            </a:r>
+              <a:t>http://nuigroup.com/forums/viewforum/27</a:t>
+            </a:r>
+            <a:r>
+              <a:rPr lang="en-US" dirty="0" smtClean="0">
+                <a:hlinkClick r:id="rId3"/>
+              </a:rPr>
+              <a:t>/</a:t>
+            </a:r>
+            <a:endParaRPr lang="en-US" dirty="0" smtClean="0"/>
+          </a:p>
+          <a:p>
             <a:r>
               <a:rPr lang="en-US" dirty="0" smtClean="0"/>
-              <a:t>	</a:t>
-            </a:r>
-            <a:endParaRPr lang="en-US" dirty="0"/>
+              <a:t>Google Code</a:t>
+            </a:r>
+          </a:p>
+          <a:p>
+            <a:pPr lvl="1"/>
+            <a:r>
+              <a:rPr lang="en-US" dirty="0" smtClean="0">
+                <a:hlinkClick r:id="rId4"/>
+              </a:rPr>
+              <a:t>http://code.google.com/p/touch-22</a:t>
+            </a:r>
+            <a:r>
+              <a:rPr lang="en-US" dirty="0" smtClean="0">
+                <a:hlinkClick r:id="rId4"/>
+              </a:rPr>
+              <a:t>/</a:t>
+            </a:r>
+            <a:r>
+              <a:rPr lang="en-US" dirty="0" smtClean="0"/>
+              <a:t> </a:t>
+            </a:r>
+            <a:endParaRPr lang="en-US" dirty="0" smtClean="0"/>
+          </a:p>
+          <a:p>
+            <a:r>
+              <a:rPr lang="en-US" dirty="0" smtClean="0"/>
+              <a:t>Touch 22 </a:t>
+            </a:r>
+            <a:r>
+              <a:rPr lang="en-US" dirty="0" err="1" smtClean="0"/>
+              <a:t>WikiDot</a:t>
+            </a:r>
+            <a:endParaRPr lang="en-US" dirty="0" smtClean="0"/>
+          </a:p>
+          <a:p>
+            <a:pPr lvl="1"/>
+            <a:r>
+              <a:rPr lang="en-US" dirty="0" smtClean="0">
+                <a:hlinkClick r:id="rId5"/>
+              </a:rPr>
+              <a:t>http://touch22.wikidot.com</a:t>
+            </a:r>
+            <a:r>
+              <a:rPr lang="en-US" dirty="0" smtClean="0">
+                <a:hlinkClick r:id="rId5"/>
+              </a:rPr>
+              <a:t>/</a:t>
+            </a:r>
+            <a:r>
+              <a:rPr lang="en-US" dirty="0" smtClean="0"/>
+              <a:t> </a:t>
+            </a:r>
+            <a:endParaRPr lang="en-US" dirty="0" smtClean="0"/>
           </a:p>
         </p:txBody>
       </p:sp>
@@ -3815,4 +4922,287 @@
   <a:objectDefaults/>
   <a:extraClrSchemeLst/>
 </a:theme>
+</file>
+
+<file path=ppt/theme/theme2.xml><?xml version="1.0" encoding="utf-8"?>
+<a:theme xmlns:a="http://schemas.openxmlformats.org/drawingml/2006/main" name="Office Theme">
+  <a:themeElements>
+    <a:clrScheme name="Office">
+      <a:dk1>
+        <a:sysClr val="windowText" lastClr="000000"/>
+      </a:dk1>
+      <a:lt1>
+        <a:sysClr val="window" lastClr="FFFFFF"/>
+      </a:lt1>
+      <a:dk2>
+        <a:srgbClr val="1F497D"/>
+      </a:dk2>
+      <a:lt2>
+        <a:srgbClr val="EEECE1"/>
+      </a:lt2>
+      <a:accent1>
+        <a:srgbClr val="4F81BD"/>
+      </a:accent1>
+      <a:accent2>
+        <a:srgbClr val="C0504D"/>
+      </a:accent2>
+      <a:accent3>
+        <a:srgbClr val="9BBB59"/>
+      </a:accent3>
+      <a:accent4>
+        <a:srgbClr val="8064A2"/>
+      </a:accent4>
+      <a:accent5>
+        <a:srgbClr val="4BACC6"/>
+      </a:accent5>
+      <a:accent6>
+        <a:srgbClr val="F79646"/>
+      </a:accent6>
+      <a:hlink>
+        <a:srgbClr val="0000FF"/>
+      </a:hlink>
+      <a:folHlink>
+        <a:srgbClr val="800080"/>
+      </a:folHlink>
+    </a:clrScheme>
+    <a:fontScheme name="Office">
+      <a:majorFont>
+        <a:latin typeface="Calibri"/>
+        <a:ea typeface=""/>
+        <a:cs typeface=""/>
+        <a:font script="Jpan" typeface="ＭＳ Ｐゴシック"/>
+        <a:font script="Hang" typeface="맑은 고딕"/>
+        <a:font script="Hans" typeface="宋体"/>
+        <a:font script="Hant" typeface="新細明體"/>
+        <a:font script="Arab" typeface="Times New Roman"/>
+        <a:font script="Hebr" typeface="Times New Roman"/>
+        <a:font script="Thai" typeface="Angsana New"/>
+        <a:font script="Ethi" typeface="Nyala"/>
+        <a:font script="Beng" typeface="Vrinda"/>
+        <a:font script="Gujr" typeface="Shruti"/>
+        <a:font script="Khmr" typeface="MoolBoran"/>
+        <a:font script="Knda" typeface="Tunga"/>
+        <a:font script="Guru" typeface="Raavi"/>
+        <a:font script="Cans" typeface="Euphemia"/>
+        <a:font script="Cher" typeface="Plantagenet Cherokee"/>
+        <a:font script="Yiii" typeface="Microsoft Yi Baiti"/>
+        <a:font script="Tibt" typeface="Microsoft Himalaya"/>
+        <a:font script="Thaa" typeface="MV Boli"/>
+        <a:font script="Deva" typeface="Mangal"/>
+        <a:font script="Telu" typeface="Gautami"/>
+        <a:font script="Taml" typeface="Latha"/>
+        <a:font script="Syrc" typeface="Estrangelo Edessa"/>
+        <a:font script="Orya" typeface="Kalinga"/>
+        <a:font script="Mlym" typeface="Kartika"/>
+        <a:font script="Laoo" typeface="DokChampa"/>
+        <a:font script="Sinh" typeface="Iskoola Pota"/>
+        <a:font script="Mong" typeface="Mongolian Baiti"/>
+        <a:font script="Viet" typeface="Times New Roman"/>
+        <a:font script="Uigh" typeface="Microsoft Uighur"/>
+      </a:majorFont>
+      <a:minorFont>
+        <a:latin typeface="Calibri"/>
+        <a:ea typeface=""/>
+        <a:cs typeface=""/>
+        <a:font script="Jpan" typeface="ＭＳ Ｐゴシック"/>
+        <a:font script="Hang" typeface="맑은 고딕"/>
+        <a:font script="Hans" typeface="宋体"/>
+        <a:font script="Hant" typeface="新細明體"/>
+        <a:font script="Arab" typeface="Arial"/>
+        <a:font script="Hebr" typeface="Arial"/>
+        <a:font script="Thai" typeface="Cordia New"/>
+        <a:font script="Ethi" typeface="Nyala"/>
+        <a:font script="Beng" typeface="Vrinda"/>
+        <a:font script="Gujr" typeface="Shruti"/>
+        <a:font script="Khmr" typeface="DaunPenh"/>
+        <a:font script="Knda" typeface="Tunga"/>
+        <a:font script="Guru" typeface="Raavi"/>
+        <a:font script="Cans" typeface="Euphemia"/>
+        <a:font script="Cher" typeface="Plantagenet Cherokee"/>
+        <a:font script="Yiii" typeface="Microsoft Yi Baiti"/>
+        <a:font script="Tibt" typeface="Microsoft Himalaya"/>
+        <a:font script="Thaa" typeface="MV Boli"/>
+        <a:font script="Deva" typeface="Mangal"/>
+        <a:font script="Telu" typeface="Gautami"/>
+        <a:font script="Taml" typeface="Latha"/>
+        <a:font script="Syrc" typeface="Estrangelo Edessa"/>
+        <a:font script="Orya" typeface="Kalinga"/>
+        <a:font script="Mlym" typeface="Kartika"/>
+        <a:font script="Laoo" typeface="DokChampa"/>
+        <a:font script="Sinh" typeface="Iskoola Pota"/>
+        <a:font script="Mong" typeface="Mongolian Baiti"/>
+        <a:font script="Viet" typeface="Arial"/>
+        <a:font script="Uigh" typeface="Microsoft Uighur"/>
+      </a:minorFont>
+    </a:fontScheme>
+    <a:fmtScheme name="Office">
+      <a:fillStyleLst>
+        <a:solidFill>
+          <a:schemeClr val="phClr"/>
+        </a:solidFill>
+        <a:gradFill rotWithShape="1">
+          <a:gsLst>
+            <a:gs pos="0">
+              <a:schemeClr val="phClr">
+                <a:tint val="50000"/>
+                <a:satMod val="300000"/>
+              </a:schemeClr>
+            </a:gs>
+            <a:gs pos="35000">
+              <a:schemeClr val="phClr">
+                <a:tint val="37000"/>
+                <a:satMod val="300000"/>
+              </a:schemeClr>
+            </a:gs>
+            <a:gs pos="100000">
+              <a:schemeClr val="phClr">
+                <a:tint val="15000"/>
+                <a:satMod val="350000"/>
+              </a:schemeClr>
+            </a:gs>
+          </a:gsLst>
+          <a:lin ang="16200000" scaled="1"/>
+        </a:gradFill>
+        <a:gradFill rotWithShape="1">
+          <a:gsLst>
+            <a:gs pos="0">
+              <a:schemeClr val="phClr">
+                <a:shade val="51000"/>
+                <a:satMod val="130000"/>
+              </a:schemeClr>
+            </a:gs>
+            <a:gs pos="80000">
+              <a:schemeClr val="phClr">
+                <a:shade val="93000"/>
+                <a:satMod val="130000"/>
+              </a:schemeClr>
+            </a:gs>
+            <a:gs pos="100000">
+              <a:schemeClr val="phClr">
+                <a:shade val="94000"/>
+                <a:satMod val="135000"/>
+              </a:schemeClr>
+            </a:gs>
+          </a:gsLst>
+          <a:lin ang="16200000" scaled="0"/>
+        </a:gradFill>
+      </a:fillStyleLst>
+      <a:lnStyleLst>
+        <a:ln w="9525" cap="flat" cmpd="sng" algn="ctr">
+          <a:solidFill>
+            <a:schemeClr val="phClr">
+              <a:shade val="95000"/>
+              <a:satMod val="105000"/>
+            </a:schemeClr>
+          </a:solidFill>
+          <a:prstDash val="solid"/>
+        </a:ln>
+        <a:ln w="25400" cap="flat" cmpd="sng" algn="ctr">
+          <a:solidFill>
+            <a:schemeClr val="phClr"/>
+          </a:solidFill>
+          <a:prstDash val="solid"/>
+        </a:ln>
+        <a:ln w="38100" cap="flat" cmpd="sng" algn="ctr">
+          <a:solidFill>
+            <a:schemeClr val="phClr"/>
+          </a:solidFill>
+          <a:prstDash val="solid"/>
+        </a:ln>
+      </a:lnStyleLst>
+      <a:effectStyleLst>
+        <a:effectStyle>
+          <a:effectLst>
+            <a:outerShdw blurRad="40000" dist="20000" dir="5400000" rotWithShape="0">
+              <a:srgbClr val="000000">
+                <a:alpha val="38000"/>
+              </a:srgbClr>
+            </a:outerShdw>
+          </a:effectLst>
+        </a:effectStyle>
+        <a:effectStyle>
+          <a:effectLst>
+            <a:outerShdw blurRad="40000" dist="23000" dir="5400000" rotWithShape="0">
+              <a:srgbClr val="000000">
+                <a:alpha val="35000"/>
+              </a:srgbClr>
+            </a:outerShdw>
+          </a:effectLst>
+        </a:effectStyle>
+        <a:effectStyle>
+          <a:effectLst>
+            <a:outerShdw blurRad="40000" dist="23000" dir="5400000" rotWithShape="0">
+              <a:srgbClr val="000000">
+                <a:alpha val="35000"/>
+              </a:srgbClr>
+            </a:outerShdw>
+          </a:effectLst>
+          <a:scene3d>
+            <a:camera prst="orthographicFront">
+              <a:rot lat="0" lon="0" rev="0"/>
+            </a:camera>
+            <a:lightRig rig="threePt" dir="t">
+              <a:rot lat="0" lon="0" rev="1200000"/>
+            </a:lightRig>
+          </a:scene3d>
+          <a:sp3d>
+            <a:bevelT w="63500" h="25400"/>
+          </a:sp3d>
+        </a:effectStyle>
+      </a:effectStyleLst>
+      <a:bgFillStyleLst>
+        <a:solidFill>
+          <a:schemeClr val="phClr"/>
+        </a:solidFill>
+        <a:gradFill rotWithShape="1">
+          <a:gsLst>
+            <a:gs pos="0">
+              <a:schemeClr val="phClr">
+                <a:tint val="40000"/>
+                <a:satMod val="350000"/>
+              </a:schemeClr>
+            </a:gs>
+            <a:gs pos="40000">
+              <a:schemeClr val="phClr">
+                <a:tint val="45000"/>
+                <a:shade val="99000"/>
+                <a:satMod val="350000"/>
+              </a:schemeClr>
+            </a:gs>
+            <a:gs pos="100000">
+              <a:schemeClr val="phClr">
+                <a:shade val="20000"/>
+                <a:satMod val="255000"/>
+              </a:schemeClr>
+            </a:gs>
+          </a:gsLst>
+          <a:path path="circle">
+            <a:fillToRect l="50000" t="-80000" r="50000" b="180000"/>
+          </a:path>
+        </a:gradFill>
+        <a:gradFill rotWithShape="1">
+          <a:gsLst>
+            <a:gs pos="0">
+              <a:schemeClr val="phClr">
+                <a:tint val="80000"/>
+                <a:satMod val="300000"/>
+              </a:schemeClr>
+            </a:gs>
+            <a:gs pos="100000">
+              <a:schemeClr val="phClr">
+                <a:shade val="30000"/>
+                <a:satMod val="200000"/>
+              </a:schemeClr>
+            </a:gs>
+          </a:gsLst>
+          <a:path path="circle">
+            <a:fillToRect l="50000" t="50000" r="50000" b="50000"/>
+          </a:path>
+        </a:gradFill>
+      </a:bgFillStyleLst>
+    </a:fmtScheme>
+  </a:themeElements>
+  <a:objectDefaults/>
+  <a:extraClrSchemeLst/>
+</a:theme>
 </file>
--- a/Final Presentation.pptx
+++ b/Final Presentation.pptx
@@ -2,19 +2,23 @@
 <file path=ppt/presentation.xml><?xml version="1.0" encoding="utf-8"?>
 <p:presentation xmlns:a="http://schemas.openxmlformats.org/drawingml/2006/main" xmlns:r="http://schemas.openxmlformats.org/officeDocument/2006/relationships" xmlns:p="http://schemas.openxmlformats.org/presentationml/2006/main" saveSubsetFonts="1">
   <p:sldMasterIdLst>
-    <p:sldMasterId id="2147483648" r:id="rId1"/>
+    <p:sldMasterId id="2147483948" r:id="rId1"/>
   </p:sldMasterIdLst>
   <p:notesMasterIdLst>
-    <p:notesMasterId r:id="rId9"/>
+    <p:notesMasterId r:id="rId13"/>
   </p:notesMasterIdLst>
   <p:sldIdLst>
     <p:sldId id="256" r:id="rId2"/>
     <p:sldId id="257" r:id="rId3"/>
-    <p:sldId id="258" r:id="rId4"/>
-    <p:sldId id="259" r:id="rId5"/>
-    <p:sldId id="262" r:id="rId6"/>
-    <p:sldId id="260" r:id="rId7"/>
-    <p:sldId id="261" r:id="rId8"/>
+    <p:sldId id="267" r:id="rId4"/>
+    <p:sldId id="258" r:id="rId5"/>
+    <p:sldId id="265" r:id="rId6"/>
+    <p:sldId id="259" r:id="rId7"/>
+    <p:sldId id="263" r:id="rId8"/>
+    <p:sldId id="262" r:id="rId9"/>
+    <p:sldId id="264" r:id="rId10"/>
+    <p:sldId id="260" r:id="rId11"/>
+    <p:sldId id="261" r:id="rId12"/>
   </p:sldIdLst>
   <p:sldSz cx="9144000" cy="6858000" type="screen4x3"/>
   <p:notesSz cx="6858000" cy="9144000"/>
@@ -198,6 +202,7 @@
           <a:p>
             <a:fld id="{F989920E-2C37-4ADC-B8DD-BB220FBD725C}" type="datetimeFigureOut">
               <a:rPr lang="en-US" smtClean="0"/>
+              <a:pPr/>
               <a:t>4/28/2008</a:t>
             </a:fld>
             <a:endParaRPr lang="en-US"/>
@@ -359,6 +364,7 @@
           <a:p>
             <a:fld id="{7A018F40-240C-48B7-B9C8-4148879633B3}" type="slidenum">
               <a:rPr lang="en-US" smtClean="0"/>
+              <a:pPr/>
               <a:t>‹#›</a:t>
             </a:fld>
             <a:endParaRPr lang="en-US"/>
@@ -534,6 +540,7 @@
           <a:p>
             <a:fld id="{7A018F40-240C-48B7-B9C8-4148879633B3}" type="slidenum">
               <a:rPr lang="en-US" smtClean="0"/>
+              <a:pPr/>
               <a:t>2</a:t>
             </a:fld>
             <a:endParaRPr lang="en-US"/>
@@ -619,7 +626,8 @@
           <a:p>
             <a:fld id="{7A018F40-240C-48B7-B9C8-4148879633B3}" type="slidenum">
               <a:rPr lang="en-US" smtClean="0"/>
-              <a:t>3</a:t>
+              <a:pPr/>
+              <a:t>4</a:t>
             </a:fld>
             <a:endParaRPr lang="en-US"/>
           </a:p>
@@ -704,7 +712,8 @@
           <a:p>
             <a:fld id="{7A018F40-240C-48B7-B9C8-4148879633B3}" type="slidenum">
               <a:rPr lang="en-US" smtClean="0"/>
-              <a:t>4</a:t>
+              <a:pPr/>
+              <a:t>6</a:t>
             </a:fld>
             <a:endParaRPr lang="en-US"/>
           </a:p>
@@ -789,7 +798,8 @@
           <a:p>
             <a:fld id="{7A018F40-240C-48B7-B9C8-4148879633B3}" type="slidenum">
               <a:rPr lang="en-US" smtClean="0"/>
-              <a:t>5</a:t>
+              <a:pPr/>
+              <a:t>8</a:t>
             </a:fld>
             <a:endParaRPr lang="en-US"/>
           </a:p>
@@ -874,7 +884,8 @@
           <a:p>
             <a:fld id="{7A018F40-240C-48B7-B9C8-4148879633B3}" type="slidenum">
               <a:rPr lang="en-US" smtClean="0"/>
-              <a:t>6</a:t>
+              <a:pPr/>
+              <a:t>10</a:t>
             </a:fld>
             <a:endParaRPr lang="en-US"/>
           </a:p>
@@ -958,7 +969,8 @@
           <a:p>
             <a:fld id="{7A018F40-240C-48B7-B9C8-4148879633B3}" type="slidenum">
               <a:rPr lang="en-US" smtClean="0"/>
-              <a:t>7</a:t>
+              <a:pPr/>
+              <a:t>11</a:t>
             </a:fld>
             <a:endParaRPr lang="en-US"/>
           </a:p>
@@ -973,7 +985,7 @@
 </file>
 
 <file path=ppt/slideLayouts/slideLayout1.xml><?xml version="1.0" encoding="utf-8"?>
-<p:sldLayout xmlns:a="http://schemas.openxmlformats.org/drawingml/2006/main" xmlns:r="http://schemas.openxmlformats.org/officeDocument/2006/relationships" xmlns:p="http://schemas.openxmlformats.org/presentationml/2006/main" type="title" preserve="1">
+<p:sldLayout xmlns:a="http://schemas.openxmlformats.org/drawingml/2006/main" xmlns:r="http://schemas.openxmlformats.org/officeDocument/2006/relationships" xmlns:p="http://schemas.openxmlformats.org/presentationml/2006/main" showMasterSp="0" type="title" preserve="1">
   <p:cSld name="Title Slide">
     <p:spTree>
       <p:nvGrpSpPr>
@@ -991,154 +1003,626 @@
       </p:grpSpPr>
       <p:sp>
         <p:nvSpPr>
-          <p:cNvPr id="2" name="Title 1"/>
-          <p:cNvSpPr>
-            <a:spLocks noGrp="1"/>
-          </p:cNvSpPr>
-          <p:nvPr>
-            <p:ph type="ctrTitle"/>
-          </p:nvPr>
+          <p:cNvPr id="23" name="Rectangle 22"/>
+          <p:cNvSpPr/>
+          <p:nvPr/>
+        </p:nvSpPr>
+        <p:spPr>
+          <a:xfrm flipV="1">
+            <a:off x="5410182" y="3810000"/>
+            <a:ext cx="3733819" cy="91087"/>
+          </a:xfrm>
+          <a:prstGeom prst="rect">
+            <a:avLst/>
+          </a:prstGeom>
+          <a:solidFill>
+            <a:schemeClr val="accent2">
+              <a:alpha val="100000"/>
+            </a:schemeClr>
+          </a:solidFill>
+          <a:ln w="50800" cap="rnd" cmpd="thickThin" algn="ctr">
+            <a:noFill/>
+            <a:prstDash val="solid"/>
+          </a:ln>
+          <a:effectLst/>
+        </p:spPr>
+        <p:style>
+          <a:lnRef idx="3">
+            <a:schemeClr val="lt1"/>
+          </a:lnRef>
+          <a:fillRef idx="1">
+            <a:schemeClr val="accent1"/>
+          </a:fillRef>
+          <a:effectRef idx="1">
+            <a:schemeClr val="accent1"/>
+          </a:effectRef>
+          <a:fontRef idx="minor">
+            <a:schemeClr val="lt1"/>
+          </a:fontRef>
+        </p:style>
+        <p:txBody>
+          <a:bodyPr anchor="ctr"/>
+          <a:lstStyle/>
+          <a:p>
+            <a:pPr algn="ctr" eaLnBrk="1" latinLnBrk="0" hangingPunct="1"/>
+            <a:endParaRPr kumimoji="0" lang="en-US"/>
+          </a:p>
+        </p:txBody>
+      </p:sp>
+      <p:sp>
+        <p:nvSpPr>
+          <p:cNvPr id="24" name="Rectangle 23"/>
+          <p:cNvSpPr/>
+          <p:nvPr/>
+        </p:nvSpPr>
+        <p:spPr>
+          <a:xfrm flipV="1">
+            <a:off x="5410200" y="3897010"/>
+            <a:ext cx="3733801" cy="192024"/>
+          </a:xfrm>
+          <a:prstGeom prst="rect">
+            <a:avLst/>
+          </a:prstGeom>
+          <a:solidFill>
+            <a:schemeClr val="accent2">
+              <a:alpha val="50000"/>
+            </a:schemeClr>
+          </a:solidFill>
+          <a:ln w="50800" cap="rnd" cmpd="thickThin" algn="ctr">
+            <a:noFill/>
+            <a:prstDash val="solid"/>
+          </a:ln>
+          <a:effectLst/>
+        </p:spPr>
+        <p:style>
+          <a:lnRef idx="3">
+            <a:schemeClr val="lt1"/>
+          </a:lnRef>
+          <a:fillRef idx="1">
+            <a:schemeClr val="accent1"/>
+          </a:fillRef>
+          <a:effectRef idx="1">
+            <a:schemeClr val="accent1"/>
+          </a:effectRef>
+          <a:fontRef idx="minor">
+            <a:schemeClr val="lt1"/>
+          </a:fontRef>
+        </p:style>
+        <p:txBody>
+          <a:bodyPr anchor="ctr"/>
+          <a:lstStyle/>
+          <a:p>
+            <a:pPr algn="ctr" eaLnBrk="1" latinLnBrk="0" hangingPunct="1"/>
+            <a:endParaRPr kumimoji="0" lang="en-US"/>
+          </a:p>
+        </p:txBody>
+      </p:sp>
+      <p:sp>
+        <p:nvSpPr>
+          <p:cNvPr id="25" name="Rectangle 24"/>
+          <p:cNvSpPr/>
+          <p:nvPr/>
+        </p:nvSpPr>
+        <p:spPr>
+          <a:xfrm flipV="1">
+            <a:off x="5410200" y="4115167"/>
+            <a:ext cx="3733801" cy="9144"/>
+          </a:xfrm>
+          <a:prstGeom prst="rect">
+            <a:avLst/>
+          </a:prstGeom>
+          <a:solidFill>
+            <a:schemeClr val="accent2">
+              <a:alpha val="65000"/>
+            </a:schemeClr>
+          </a:solidFill>
+          <a:ln w="50800" cap="rnd" cmpd="thickThin" algn="ctr">
+            <a:noFill/>
+            <a:prstDash val="solid"/>
+          </a:ln>
+          <a:effectLst/>
+        </p:spPr>
+        <p:style>
+          <a:lnRef idx="3">
+            <a:schemeClr val="lt1"/>
+          </a:lnRef>
+          <a:fillRef idx="1">
+            <a:schemeClr val="accent1"/>
+          </a:fillRef>
+          <a:effectRef idx="1">
+            <a:schemeClr val="accent1"/>
+          </a:effectRef>
+          <a:fontRef idx="minor">
+            <a:schemeClr val="lt1"/>
+          </a:fontRef>
+        </p:style>
+        <p:txBody>
+          <a:bodyPr anchor="ctr"/>
+          <a:lstStyle/>
+          <a:p>
+            <a:pPr algn="ctr" eaLnBrk="1" latinLnBrk="0" hangingPunct="1"/>
+            <a:endParaRPr kumimoji="0" lang="en-US"/>
+          </a:p>
+        </p:txBody>
+      </p:sp>
+      <p:sp>
+        <p:nvSpPr>
+          <p:cNvPr id="26" name="Rectangle 25"/>
+          <p:cNvSpPr/>
+          <p:nvPr/>
+        </p:nvSpPr>
+        <p:spPr>
+          <a:xfrm flipV="1">
+            <a:off x="5410200" y="4164403"/>
+            <a:ext cx="1965960" cy="18288"/>
+          </a:xfrm>
+          <a:prstGeom prst="rect">
+            <a:avLst/>
+          </a:prstGeom>
+          <a:solidFill>
+            <a:schemeClr val="accent2">
+              <a:alpha val="60000"/>
+            </a:schemeClr>
+          </a:solidFill>
+          <a:ln w="50800" cap="rnd" cmpd="thickThin" algn="ctr">
+            <a:noFill/>
+            <a:prstDash val="solid"/>
+          </a:ln>
+          <a:effectLst/>
+        </p:spPr>
+        <p:style>
+          <a:lnRef idx="3">
+            <a:schemeClr val="lt1"/>
+          </a:lnRef>
+          <a:fillRef idx="1">
+            <a:schemeClr val="accent1"/>
+          </a:fillRef>
+          <a:effectRef idx="1">
+            <a:schemeClr val="accent1"/>
+          </a:effectRef>
+          <a:fontRef idx="minor">
+            <a:schemeClr val="lt1"/>
+          </a:fontRef>
+        </p:style>
+        <p:txBody>
+          <a:bodyPr anchor="ctr"/>
+          <a:lstStyle/>
+          <a:p>
+            <a:pPr algn="ctr" eaLnBrk="1" latinLnBrk="0" hangingPunct="1"/>
+            <a:endParaRPr kumimoji="0" lang="en-US"/>
+          </a:p>
+        </p:txBody>
+      </p:sp>
+      <p:sp>
+        <p:nvSpPr>
+          <p:cNvPr id="27" name="Rectangle 26"/>
+          <p:cNvSpPr/>
+          <p:nvPr/>
+        </p:nvSpPr>
+        <p:spPr>
+          <a:xfrm flipV="1">
+            <a:off x="5410200" y="4199572"/>
+            <a:ext cx="1965960" cy="9144"/>
+          </a:xfrm>
+          <a:prstGeom prst="rect">
+            <a:avLst/>
+          </a:prstGeom>
+          <a:solidFill>
+            <a:schemeClr val="accent2">
+              <a:alpha val="65000"/>
+            </a:schemeClr>
+          </a:solidFill>
+          <a:ln w="50800" cap="rnd" cmpd="thickThin" algn="ctr">
+            <a:noFill/>
+            <a:prstDash val="solid"/>
+          </a:ln>
+          <a:effectLst/>
+        </p:spPr>
+        <p:style>
+          <a:lnRef idx="3">
+            <a:schemeClr val="lt1"/>
+          </a:lnRef>
+          <a:fillRef idx="1">
+            <a:schemeClr val="accent1"/>
+          </a:fillRef>
+          <a:effectRef idx="1">
+            <a:schemeClr val="accent1"/>
+          </a:effectRef>
+          <a:fontRef idx="minor">
+            <a:schemeClr val="lt1"/>
+          </a:fontRef>
+        </p:style>
+        <p:txBody>
+          <a:bodyPr anchor="ctr"/>
+          <a:lstStyle/>
+          <a:p>
+            <a:pPr algn="ctr" eaLnBrk="1" latinLnBrk="0" hangingPunct="1"/>
+            <a:endParaRPr kumimoji="0" lang="en-US"/>
+          </a:p>
+        </p:txBody>
+      </p:sp>
+      <p:sp useBgFill="1">
+        <p:nvSpPr>
+          <p:cNvPr id="30" name="Rounded Rectangle 29"/>
+          <p:cNvSpPr/>
+          <p:nvPr/>
+        </p:nvSpPr>
+        <p:spPr bwMode="white">
+          <a:xfrm>
+            <a:off x="5410200" y="3962400"/>
+            <a:ext cx="3063240" cy="27432"/>
+          </a:xfrm>
+          <a:prstGeom prst="roundRect">
+            <a:avLst>
+              <a:gd name="adj" fmla="val 16667"/>
+            </a:avLst>
+          </a:prstGeom>
+          <a:ln w="50800" cap="rnd" cmpd="thickThin" algn="ctr">
+            <a:noFill/>
+            <a:prstDash val="solid"/>
+          </a:ln>
+          <a:effectLst/>
+        </p:spPr>
+        <p:style>
+          <a:lnRef idx="3">
+            <a:schemeClr val="lt1"/>
+          </a:lnRef>
+          <a:fillRef idx="1">
+            <a:schemeClr val="accent1"/>
+          </a:fillRef>
+          <a:effectRef idx="1">
+            <a:schemeClr val="accent1"/>
+          </a:effectRef>
+          <a:fontRef idx="minor">
+            <a:schemeClr val="lt1"/>
+          </a:fontRef>
+        </p:style>
+        <p:txBody>
+          <a:bodyPr anchor="ctr"/>
+          <a:lstStyle/>
+          <a:p>
+            <a:pPr algn="ctr" eaLnBrk="1" latinLnBrk="0" hangingPunct="1"/>
+            <a:endParaRPr kumimoji="0" lang="en-US"/>
+          </a:p>
+        </p:txBody>
+      </p:sp>
+      <p:sp useBgFill="1">
+        <p:nvSpPr>
+          <p:cNvPr id="31" name="Rounded Rectangle 30"/>
+          <p:cNvSpPr/>
+          <p:nvPr/>
+        </p:nvSpPr>
+        <p:spPr bwMode="white">
+          <a:xfrm>
+            <a:off x="7376507" y="4060983"/>
+            <a:ext cx="1600200" cy="36576"/>
+          </a:xfrm>
+          <a:prstGeom prst="roundRect">
+            <a:avLst>
+              <a:gd name="adj" fmla="val 16667"/>
+            </a:avLst>
+          </a:prstGeom>
+          <a:ln w="50800" cap="rnd" cmpd="thickThin" algn="ctr">
+            <a:noFill/>
+            <a:prstDash val="solid"/>
+          </a:ln>
+          <a:effectLst/>
+        </p:spPr>
+        <p:style>
+          <a:lnRef idx="3">
+            <a:schemeClr val="lt1"/>
+          </a:lnRef>
+          <a:fillRef idx="1">
+            <a:schemeClr val="accent1"/>
+          </a:fillRef>
+          <a:effectRef idx="1">
+            <a:schemeClr val="accent1"/>
+          </a:effectRef>
+          <a:fontRef idx="minor">
+            <a:schemeClr val="lt1"/>
+          </a:fontRef>
+        </p:style>
+        <p:txBody>
+          <a:bodyPr anchor="ctr"/>
+          <a:lstStyle/>
+          <a:p>
+            <a:pPr algn="ctr" eaLnBrk="1" latinLnBrk="0" hangingPunct="1"/>
+            <a:endParaRPr kumimoji="0" lang="en-US"/>
+          </a:p>
+        </p:txBody>
+      </p:sp>
+      <p:sp>
+        <p:nvSpPr>
+          <p:cNvPr id="7" name="Rectangle 6"/>
+          <p:cNvSpPr/>
+          <p:nvPr/>
         </p:nvSpPr>
         <p:spPr>
           <a:xfrm>
-            <a:off x="685800" y="2130425"/>
-            <a:ext cx="7772400" cy="1470025"/>
-          </a:xfrm>
-        </p:spPr>
-        <p:txBody>
-          <a:bodyPr/>
-          <a:lstStyle/>
-          <a:p>
-            <a:r>
-              <a:rPr lang="en-US" smtClean="0"/>
-              <a:t>Click to edit Master title style</a:t>
-            </a:r>
-            <a:endParaRPr lang="en-US"/>
-          </a:p>
-        </p:txBody>
-      </p:sp>
-      <p:sp>
-        <p:nvSpPr>
-          <p:cNvPr id="3" name="Subtitle 2"/>
-          <p:cNvSpPr>
-            <a:spLocks noGrp="1"/>
-          </p:cNvSpPr>
-          <p:nvPr>
-            <p:ph type="subTitle" idx="1"/>
-          </p:nvPr>
+            <a:off x="1" y="3649662"/>
+            <a:ext cx="9144000" cy="244170"/>
+          </a:xfrm>
+          <a:prstGeom prst="rect">
+            <a:avLst/>
+          </a:prstGeom>
+          <a:solidFill>
+            <a:schemeClr val="accent2">
+              <a:alpha val="50000"/>
+            </a:schemeClr>
+          </a:solidFill>
+          <a:ln w="50800" cap="rnd" cmpd="thickThin" algn="ctr">
+            <a:noFill/>
+            <a:prstDash val="solid"/>
+          </a:ln>
+          <a:effectLst/>
+        </p:spPr>
+        <p:style>
+          <a:lnRef idx="3">
+            <a:schemeClr val="lt1"/>
+          </a:lnRef>
+          <a:fillRef idx="1">
+            <a:schemeClr val="accent1"/>
+          </a:fillRef>
+          <a:effectRef idx="1">
+            <a:schemeClr val="accent1"/>
+          </a:effectRef>
+          <a:fontRef idx="minor">
+            <a:schemeClr val="lt1"/>
+          </a:fontRef>
+        </p:style>
+        <p:txBody>
+          <a:bodyPr anchor="ctr"/>
+          <a:lstStyle/>
+          <a:p>
+            <a:pPr algn="ctr" eaLnBrk="1" latinLnBrk="0" hangingPunct="1"/>
+            <a:endParaRPr kumimoji="0" lang="en-US"/>
+          </a:p>
+        </p:txBody>
+      </p:sp>
+      <p:sp>
+        <p:nvSpPr>
+          <p:cNvPr id="10" name="Rectangle 9"/>
+          <p:cNvSpPr/>
+          <p:nvPr/>
         </p:nvSpPr>
         <p:spPr>
           <a:xfrm>
-            <a:off x="1371600" y="3886200"/>
-            <a:ext cx="6400800" cy="1752600"/>
+            <a:off x="0" y="3675527"/>
+            <a:ext cx="9144001" cy="140677"/>
+          </a:xfrm>
+          <a:prstGeom prst="rect">
+            <a:avLst/>
+          </a:prstGeom>
+          <a:solidFill>
+            <a:schemeClr val="accent2">
+              <a:alpha val="100000"/>
+            </a:schemeClr>
+          </a:solidFill>
+          <a:ln w="50800" cap="rnd" cmpd="thickThin" algn="ctr">
+            <a:noFill/>
+            <a:prstDash val="solid"/>
+          </a:ln>
+          <a:effectLst/>
+        </p:spPr>
+        <p:style>
+          <a:lnRef idx="3">
+            <a:schemeClr val="lt1"/>
+          </a:lnRef>
+          <a:fillRef idx="1">
+            <a:schemeClr val="accent1"/>
+          </a:fillRef>
+          <a:effectRef idx="1">
+            <a:schemeClr val="accent1"/>
+          </a:effectRef>
+          <a:fontRef idx="minor">
+            <a:schemeClr val="lt1"/>
+          </a:fontRef>
+        </p:style>
+        <p:txBody>
+          <a:bodyPr anchor="ctr"/>
+          <a:lstStyle/>
+          <a:p>
+            <a:pPr algn="ctr" eaLnBrk="1" latinLnBrk="0" hangingPunct="1"/>
+            <a:endParaRPr kumimoji="0" lang="en-US"/>
+          </a:p>
+        </p:txBody>
+      </p:sp>
+      <p:sp>
+        <p:nvSpPr>
+          <p:cNvPr id="11" name="Rectangle 10"/>
+          <p:cNvSpPr/>
+          <p:nvPr/>
+        </p:nvSpPr>
+        <p:spPr>
+          <a:xfrm flipV="1">
+            <a:off x="6414051" y="3643090"/>
+            <a:ext cx="2729950" cy="248432"/>
+          </a:xfrm>
+          <a:prstGeom prst="rect">
+            <a:avLst/>
+          </a:prstGeom>
+          <a:solidFill>
+            <a:schemeClr val="accent2">
+              <a:alpha val="100000"/>
+            </a:schemeClr>
+          </a:solidFill>
+          <a:ln w="50800" cap="rnd" cmpd="thickThin" algn="ctr">
+            <a:noFill/>
+            <a:prstDash val="solid"/>
+          </a:ln>
+          <a:effectLst/>
+        </p:spPr>
+        <p:style>
+          <a:lnRef idx="3">
+            <a:schemeClr val="lt1"/>
+          </a:lnRef>
+          <a:fillRef idx="1">
+            <a:schemeClr val="accent1"/>
+          </a:fillRef>
+          <a:effectRef idx="1">
+            <a:schemeClr val="accent1"/>
+          </a:effectRef>
+          <a:fontRef idx="minor">
+            <a:schemeClr val="lt1"/>
+          </a:fontRef>
+        </p:style>
+        <p:txBody>
+          <a:bodyPr anchor="ctr"/>
+          <a:lstStyle/>
+          <a:p>
+            <a:pPr algn="ctr" eaLnBrk="1" latinLnBrk="0" hangingPunct="1"/>
+            <a:endParaRPr kumimoji="0" lang="en-US"/>
+          </a:p>
+        </p:txBody>
+      </p:sp>
+      <p:sp>
+        <p:nvSpPr>
+          <p:cNvPr id="19" name="Rectangle 18"/>
+          <p:cNvSpPr/>
+          <p:nvPr/>
+        </p:nvSpPr>
+        <p:spPr>
+          <a:xfrm>
+            <a:off x="0" y="0"/>
+            <a:ext cx="9144000" cy="3701700"/>
+          </a:xfrm>
+          <a:prstGeom prst="rect">
+            <a:avLst/>
+          </a:prstGeom>
+          <a:solidFill>
+            <a:schemeClr val="tx2">
+              <a:alpha val="100000"/>
+            </a:schemeClr>
+          </a:solidFill>
+          <a:ln w="50800" cap="rnd" cmpd="thickThin" algn="ctr">
+            <a:noFill/>
+            <a:prstDash val="solid"/>
+          </a:ln>
+          <a:effectLst/>
+        </p:spPr>
+        <p:style>
+          <a:lnRef idx="3">
+            <a:schemeClr val="lt1"/>
+          </a:lnRef>
+          <a:fillRef idx="1">
+            <a:schemeClr val="accent1"/>
+          </a:fillRef>
+          <a:effectRef idx="1">
+            <a:schemeClr val="accent1"/>
+          </a:effectRef>
+          <a:fontRef idx="minor">
+            <a:schemeClr val="lt1"/>
+          </a:fontRef>
+        </p:style>
+        <p:txBody>
+          <a:bodyPr anchor="ctr"/>
+          <a:lstStyle/>
+          <a:p>
+            <a:pPr algn="ctr" eaLnBrk="1" latinLnBrk="0" hangingPunct="1"/>
+            <a:endParaRPr kumimoji="0" lang="en-US"/>
+          </a:p>
+        </p:txBody>
+      </p:sp>
+      <p:sp>
+        <p:nvSpPr>
+          <p:cNvPr id="8" name="Title 7"/>
+          <p:cNvSpPr>
+            <a:spLocks noGrp="1"/>
+          </p:cNvSpPr>
+          <p:nvPr>
+            <p:ph type="ctrTitle"/>
+          </p:nvPr>
+        </p:nvSpPr>
+        <p:spPr>
+          <a:xfrm>
+            <a:off x="457200" y="2401887"/>
+            <a:ext cx="8458200" cy="1470025"/>
+          </a:xfrm>
+        </p:spPr>
+        <p:txBody>
+          <a:bodyPr anchor="b"/>
+          <a:lstStyle>
+            <a:lvl1pPr>
+              <a:defRPr sz="4400">
+                <a:solidFill>
+                  <a:schemeClr val="bg1"/>
+                </a:solidFill>
+              </a:defRPr>
+            </a:lvl1pPr>
+          </a:lstStyle>
+          <a:p>
+            <a:r>
+              <a:rPr kumimoji="0" lang="en-US" smtClean="0"/>
+              <a:t>Click to edit Master title style</a:t>
+            </a:r>
+            <a:endParaRPr kumimoji="0" lang="en-US"/>
+          </a:p>
+        </p:txBody>
+      </p:sp>
+      <p:sp>
+        <p:nvSpPr>
+          <p:cNvPr id="9" name="Subtitle 8"/>
+          <p:cNvSpPr>
+            <a:spLocks noGrp="1"/>
+          </p:cNvSpPr>
+          <p:nvPr>
+            <p:ph type="subTitle" idx="1"/>
+          </p:nvPr>
+        </p:nvSpPr>
+        <p:spPr>
+          <a:xfrm>
+            <a:off x="457200" y="3899938"/>
+            <a:ext cx="4953000" cy="1752600"/>
           </a:xfrm>
         </p:spPr>
         <p:txBody>
           <a:bodyPr/>
           <a:lstStyle>
-            <a:lvl1pPr marL="0" indent="0" algn="ctr">
+            <a:lvl1pPr marL="64008" indent="0" algn="l">
               <a:buNone/>
-              <a:defRPr>
+              <a:defRPr sz="2400">
                 <a:solidFill>
-                  <a:schemeClr val="tx1">
-                    <a:tint val="75000"/>
-                  </a:schemeClr>
+                  <a:schemeClr val="tx2"/>
                 </a:solidFill>
               </a:defRPr>
             </a:lvl1pPr>
             <a:lvl2pPr marL="457200" indent="0" algn="ctr">
               <a:buNone/>
-              <a:defRPr>
-                <a:solidFill>
-                  <a:schemeClr val="tx1">
-                    <a:tint val="75000"/>
-                  </a:schemeClr>
-                </a:solidFill>
-              </a:defRPr>
             </a:lvl2pPr>
             <a:lvl3pPr marL="914400" indent="0" algn="ctr">
               <a:buNone/>
-              <a:defRPr>
-                <a:solidFill>
-                  <a:schemeClr val="tx1">
-                    <a:tint val="75000"/>
-                  </a:schemeClr>
-                </a:solidFill>
-              </a:defRPr>
             </a:lvl3pPr>
             <a:lvl4pPr marL="1371600" indent="0" algn="ctr">
               <a:buNone/>
-              <a:defRPr>
-                <a:solidFill>
-                  <a:schemeClr val="tx1">
-                    <a:tint val="75000"/>
-                  </a:schemeClr>
-                </a:solidFill>
-              </a:defRPr>
             </a:lvl4pPr>
             <a:lvl5pPr marL="1828800" indent="0" algn="ctr">
               <a:buNone/>
-              <a:defRPr>
-                <a:solidFill>
-                  <a:schemeClr val="tx1">
-                    <a:tint val="75000"/>
-                  </a:schemeClr>
-                </a:solidFill>
-              </a:defRPr>
             </a:lvl5pPr>
             <a:lvl6pPr marL="2286000" indent="0" algn="ctr">
               <a:buNone/>
-              <a:defRPr>
-                <a:solidFill>
-                  <a:schemeClr val="tx1">
-                    <a:tint val="75000"/>
-                  </a:schemeClr>
-                </a:solidFill>
-              </a:defRPr>
             </a:lvl6pPr>
             <a:lvl7pPr marL="2743200" indent="0" algn="ctr">
               <a:buNone/>
-              <a:defRPr>
-                <a:solidFill>
-                  <a:schemeClr val="tx1">
-                    <a:tint val="75000"/>
-                  </a:schemeClr>
-                </a:solidFill>
-              </a:defRPr>
             </a:lvl7pPr>
             <a:lvl8pPr marL="3200400" indent="0" algn="ctr">
               <a:buNone/>
-              <a:defRPr>
-                <a:solidFill>
-                  <a:schemeClr val="tx1">
-                    <a:tint val="75000"/>
-                  </a:schemeClr>
-                </a:solidFill>
-              </a:defRPr>
             </a:lvl8pPr>
             <a:lvl9pPr marL="3657600" indent="0" algn="ctr">
               <a:buNone/>
-              <a:defRPr>
-                <a:solidFill>
-                  <a:schemeClr val="tx1">
-                    <a:tint val="75000"/>
-                  </a:schemeClr>
-                </a:solidFill>
-              </a:defRPr>
             </a:lvl9pPr>
           </a:lstStyle>
           <a:p>
             <a:r>
-              <a:rPr lang="en-US" smtClean="0"/>
+              <a:rPr kumimoji="0" lang="en-US" smtClean="0"/>
               <a:t>Click to edit Master subtitle style</a:t>
             </a:r>
-            <a:endParaRPr lang="en-US"/>
-          </a:p>
-        </p:txBody>
-      </p:sp>
-      <p:sp>
-        <p:nvSpPr>
-          <p:cNvPr id="4" name="Date Placeholder 3"/>
+            <a:endParaRPr kumimoji="0" lang="en-US"/>
+          </a:p>
+        </p:txBody>
+      </p:sp>
+      <p:sp>
+        <p:nvSpPr>
+          <p:cNvPr id="28" name="Date Placeholder 27"/>
           <p:cNvSpPr>
             <a:spLocks noGrp="1"/>
           </p:cNvSpPr>
@@ -1146,7 +1630,12 @@
             <p:ph type="dt" sz="half" idx="10"/>
           </p:nvPr>
         </p:nvSpPr>
-        <p:spPr/>
+        <p:spPr>
+          <a:xfrm>
+            <a:off x="6705600" y="4206240"/>
+            <a:ext cx="960120" cy="457200"/>
+          </a:xfrm>
+        </p:spPr>
         <p:txBody>
           <a:bodyPr/>
           <a:lstStyle/>
@@ -1162,7 +1651,7 @@
       </p:sp>
       <p:sp>
         <p:nvSpPr>
-          <p:cNvPr id="5" name="Footer Placeholder 4"/>
+          <p:cNvPr id="17" name="Footer Placeholder 16"/>
           <p:cNvSpPr>
             <a:spLocks noGrp="1"/>
           </p:cNvSpPr>
@@ -1170,7 +1659,12 @@
             <p:ph type="ftr" sz="quarter" idx="11"/>
           </p:nvPr>
         </p:nvSpPr>
-        <p:spPr/>
+        <p:spPr>
+          <a:xfrm>
+            <a:off x="5410200" y="4205288"/>
+            <a:ext cx="1295400" cy="457200"/>
+          </a:xfrm>
+        </p:spPr>
         <p:txBody>
           <a:bodyPr/>
           <a:lstStyle/>
@@ -1181,7 +1675,7 @@
       </p:sp>
       <p:sp>
         <p:nvSpPr>
-          <p:cNvPr id="6" name="Slide Number Placeholder 5"/>
+          <p:cNvPr id="29" name="Slide Number Placeholder 28"/>
           <p:cNvSpPr>
             <a:spLocks noGrp="1"/>
           </p:cNvSpPr>
@@ -1189,10 +1683,23 @@
             <p:ph type="sldNum" sz="quarter" idx="12"/>
           </p:nvPr>
         </p:nvSpPr>
-        <p:spPr/>
+        <p:spPr>
+          <a:xfrm>
+            <a:off x="8320088" y="1136"/>
+            <a:ext cx="747712" cy="365760"/>
+          </a:xfrm>
+        </p:spPr>
         <p:txBody>
           <a:bodyPr/>
-          <a:lstStyle/>
+          <a:lstStyle>
+            <a:lvl1pPr algn="r">
+              <a:defRPr sz="1800">
+                <a:solidFill>
+                  <a:schemeClr val="bg1"/>
+                </a:solidFill>
+              </a:defRPr>
+            </a:lvl1pPr>
+          </a:lstStyle>
           <a:p>
             <a:fld id="{EDCE0834-E210-4CDD-86AF-D36262A444C4}" type="slidenum">
               <a:rPr lang="en-US" smtClean="0"/>
@@ -1244,10 +1751,10 @@
           <a:lstStyle/>
           <a:p>
             <a:r>
-              <a:rPr lang="en-US" smtClean="0"/>
+              <a:rPr kumimoji="0" lang="en-US" smtClean="0"/>
               <a:t>Click to edit Master title style</a:t>
             </a:r>
-            <a:endParaRPr lang="en-US"/>
+            <a:endParaRPr kumimoji="0" lang="en-US"/>
           </a:p>
         </p:txBody>
       </p:sp>
@@ -1266,40 +1773,40 @@
           <a:bodyPr vert="eaVert"/>
           <a:lstStyle/>
           <a:p>
-            <a:pPr lvl="0"/>
+            <a:pPr lvl="0" eaLnBrk="1" latinLnBrk="0" hangingPunct="1"/>
             <a:r>
               <a:rPr lang="en-US" smtClean="0"/>
               <a:t>Click to edit Master text styles</a:t>
             </a:r>
           </a:p>
           <a:p>
-            <a:pPr lvl="1"/>
+            <a:pPr lvl="1" eaLnBrk="1" latinLnBrk="0" hangingPunct="1"/>
             <a:r>
               <a:rPr lang="en-US" smtClean="0"/>
               <a:t>Second level</a:t>
             </a:r>
           </a:p>
           <a:p>
-            <a:pPr lvl="2"/>
+            <a:pPr lvl="2" eaLnBrk="1" latinLnBrk="0" hangingPunct="1"/>
             <a:r>
               <a:rPr lang="en-US" smtClean="0"/>
               <a:t>Third level</a:t>
             </a:r>
           </a:p>
           <a:p>
-            <a:pPr lvl="3"/>
+            <a:pPr lvl="3" eaLnBrk="1" latinLnBrk="0" hangingPunct="1"/>
             <a:r>
               <a:rPr lang="en-US" smtClean="0"/>
               <a:t>Fourth level</a:t>
             </a:r>
           </a:p>
           <a:p>
-            <a:pPr lvl="4"/>
+            <a:pPr lvl="4" eaLnBrk="1" latinLnBrk="0" hangingPunct="1"/>
             <a:r>
               <a:rPr lang="en-US" smtClean="0"/>
               <a:t>Fifth level</a:t>
             </a:r>
-            <a:endParaRPr lang="en-US"/>
+            <a:endParaRPr kumimoji="0" lang="en-US"/>
           </a:p>
         </p:txBody>
       </p:sp>
@@ -1407,8 +1914,8 @@
         </p:nvSpPr>
         <p:spPr>
           <a:xfrm>
-            <a:off x="6629400" y="274638"/>
-            <a:ext cx="2057400" cy="5851525"/>
+            <a:off x="6781800" y="1143000"/>
+            <a:ext cx="1905000" cy="5486400"/>
           </a:xfrm>
         </p:spPr>
         <p:txBody>
@@ -1416,10 +1923,10 @@
           <a:lstStyle/>
           <a:p>
             <a:r>
-              <a:rPr lang="en-US" smtClean="0"/>
+              <a:rPr kumimoji="0" lang="en-US" smtClean="0"/>
               <a:t>Click to edit Master title style</a:t>
             </a:r>
-            <a:endParaRPr lang="en-US"/>
+            <a:endParaRPr kumimoji="0" lang="en-US"/>
           </a:p>
         </p:txBody>
       </p:sp>
@@ -1435,48 +1942,48 @@
         </p:nvSpPr>
         <p:spPr>
           <a:xfrm>
-            <a:off x="457200" y="274638"/>
-            <a:ext cx="6019800" cy="5851525"/>
+            <a:off x="457200" y="1143000"/>
+            <a:ext cx="6248400" cy="5486400"/>
           </a:xfrm>
         </p:spPr>
         <p:txBody>
           <a:bodyPr vert="eaVert"/>
           <a:lstStyle/>
           <a:p>
-            <a:pPr lvl="0"/>
+            <a:pPr lvl="0" eaLnBrk="1" latinLnBrk="0" hangingPunct="1"/>
             <a:r>
               <a:rPr lang="en-US" smtClean="0"/>
               <a:t>Click to edit Master text styles</a:t>
             </a:r>
           </a:p>
           <a:p>
-            <a:pPr lvl="1"/>
+            <a:pPr lvl="1" eaLnBrk="1" latinLnBrk="0" hangingPunct="1"/>
             <a:r>
               <a:rPr lang="en-US" smtClean="0"/>
               <a:t>Second level</a:t>
             </a:r>
           </a:p>
           <a:p>
-            <a:pPr lvl="2"/>
+            <a:pPr lvl="2" eaLnBrk="1" latinLnBrk="0" hangingPunct="1"/>
             <a:r>
               <a:rPr lang="en-US" smtClean="0"/>
               <a:t>Third level</a:t>
             </a:r>
           </a:p>
           <a:p>
-            <a:pPr lvl="3"/>
+            <a:pPr lvl="3" eaLnBrk="1" latinLnBrk="0" hangingPunct="1"/>
             <a:r>
               <a:rPr lang="en-US" smtClean="0"/>
               <a:t>Fourth level</a:t>
             </a:r>
           </a:p>
           <a:p>
-            <a:pPr lvl="4"/>
+            <a:pPr lvl="4" eaLnBrk="1" latinLnBrk="0" hangingPunct="1"/>
             <a:r>
               <a:rPr lang="en-US" smtClean="0"/>
               <a:t>Fifth level</a:t>
             </a:r>
-            <a:endParaRPr lang="en-US"/>
+            <a:endParaRPr kumimoji="0" lang="en-US"/>
           </a:p>
         </p:txBody>
       </p:sp>
@@ -1588,10 +2095,10 @@
           <a:lstStyle/>
           <a:p>
             <a:r>
-              <a:rPr lang="en-US" smtClean="0"/>
+              <a:rPr kumimoji="0" lang="en-US" smtClean="0"/>
               <a:t>Click to edit Master title style</a:t>
             </a:r>
-            <a:endParaRPr lang="en-US"/>
+            <a:endParaRPr kumimoji="0" lang="en-US"/>
           </a:p>
         </p:txBody>
       </p:sp>
@@ -1610,40 +2117,40 @@
           <a:bodyPr/>
           <a:lstStyle/>
           <a:p>
-            <a:pPr lvl="0"/>
+            <a:pPr lvl="0" eaLnBrk="1" latinLnBrk="0" hangingPunct="1"/>
             <a:r>
               <a:rPr lang="en-US" smtClean="0"/>
               <a:t>Click to edit Master text styles</a:t>
             </a:r>
           </a:p>
           <a:p>
-            <a:pPr lvl="1"/>
+            <a:pPr lvl="1" eaLnBrk="1" latinLnBrk="0" hangingPunct="1"/>
             <a:r>
               <a:rPr lang="en-US" smtClean="0"/>
               <a:t>Second level</a:t>
             </a:r>
           </a:p>
           <a:p>
-            <a:pPr lvl="2"/>
+            <a:pPr lvl="2" eaLnBrk="1" latinLnBrk="0" hangingPunct="1"/>
             <a:r>
               <a:rPr lang="en-US" smtClean="0"/>
               <a:t>Third level</a:t>
             </a:r>
           </a:p>
           <a:p>
-            <a:pPr lvl="3"/>
+            <a:pPr lvl="3" eaLnBrk="1" latinLnBrk="0" hangingPunct="1"/>
             <a:r>
               <a:rPr lang="en-US" smtClean="0"/>
               <a:t>Fourth level</a:t>
             </a:r>
           </a:p>
           <a:p>
-            <a:pPr lvl="4"/>
+            <a:pPr lvl="4" eaLnBrk="1" latinLnBrk="0" hangingPunct="1"/>
             <a:r>
               <a:rPr lang="en-US" smtClean="0"/>
               <a:t>Fifth level</a:t>
             </a:r>
-            <a:endParaRPr lang="en-US"/>
+            <a:endParaRPr kumimoji="0" lang="en-US"/>
           </a:p>
         </p:txBody>
       </p:sp>
@@ -1751,56 +2258,76 @@
         </p:nvSpPr>
         <p:spPr>
           <a:xfrm>
-            <a:off x="722313" y="4406900"/>
+            <a:off x="722313" y="1981200"/>
             <a:ext cx="7772400" cy="1362075"/>
+          </a:xfrm>
+        </p:spPr>
+        <p:txBody>
+          <a:bodyPr anchor="b">
+            <a:noAutofit/>
+          </a:bodyPr>
+          <a:lstStyle>
+            <a:lvl1pPr algn="l">
+              <a:buNone/>
+              <a:defRPr sz="4300" b="1" cap="none" baseline="0">
+                <a:ln w="12700">
+                  <a:solidFill>
+                    <a:schemeClr val="accent2">
+                      <a:shade val="90000"/>
+                      <a:satMod val="150000"/>
+                    </a:schemeClr>
+                  </a:solidFill>
+                </a:ln>
+                <a:solidFill>
+                  <a:srgbClr val="FFFFFF"/>
+                </a:solidFill>
+                <a:effectLst>
+                  <a:outerShdw blurRad="38100" dist="38100" dir="5400000" algn="tl" rotWithShape="0">
+                    <a:srgbClr val="000000">
+                      <a:alpha val="25000"/>
+                    </a:srgbClr>
+                  </a:outerShdw>
+                </a:effectLst>
+              </a:defRPr>
+            </a:lvl1pPr>
+          </a:lstStyle>
+          <a:p>
+            <a:r>
+              <a:rPr kumimoji="0" lang="en-US" smtClean="0"/>
+              <a:t>Click to edit Master title style</a:t>
+            </a:r>
+            <a:endParaRPr kumimoji="0" lang="en-US"/>
+          </a:p>
+        </p:txBody>
+      </p:sp>
+      <p:sp>
+        <p:nvSpPr>
+          <p:cNvPr id="3" name="Text Placeholder 2"/>
+          <p:cNvSpPr>
+            <a:spLocks noGrp="1"/>
+          </p:cNvSpPr>
+          <p:nvPr>
+            <p:ph type="body" idx="1"/>
+          </p:nvPr>
+        </p:nvSpPr>
+        <p:spPr>
+          <a:xfrm>
+            <a:off x="722313" y="3367088"/>
+            <a:ext cx="7772400" cy="1509712"/>
           </a:xfrm>
         </p:spPr>
         <p:txBody>
           <a:bodyPr anchor="t"/>
           <a:lstStyle>
-            <a:lvl1pPr algn="l">
-              <a:defRPr sz="4000" b="1" cap="all"/>
-            </a:lvl1pPr>
-          </a:lstStyle>
-          <a:p>
-            <a:r>
-              <a:rPr lang="en-US" smtClean="0"/>
-              <a:t>Click to edit Master title style</a:t>
-            </a:r>
-            <a:endParaRPr lang="en-US"/>
-          </a:p>
-        </p:txBody>
-      </p:sp>
-      <p:sp>
-        <p:nvSpPr>
-          <p:cNvPr id="3" name="Text Placeholder 2"/>
-          <p:cNvSpPr>
-            <a:spLocks noGrp="1"/>
-          </p:cNvSpPr>
-          <p:nvPr>
-            <p:ph type="body" idx="1"/>
-          </p:nvPr>
-        </p:nvSpPr>
-        <p:spPr>
-          <a:xfrm>
-            <a:off x="722313" y="2906713"/>
-            <a:ext cx="7772400" cy="1500187"/>
-          </a:xfrm>
-        </p:spPr>
-        <p:txBody>
-          <a:bodyPr anchor="b"/>
-          <a:lstStyle>
-            <a:lvl1pPr marL="0" indent="0">
+            <a:lvl1pPr marL="45720" indent="0">
               <a:buNone/>
-              <a:defRPr sz="2000">
+              <a:defRPr sz="2100" b="0">
                 <a:solidFill>
-                  <a:schemeClr val="tx1">
-                    <a:tint val="75000"/>
-                  </a:schemeClr>
+                  <a:schemeClr val="tx2"/>
                 </a:solidFill>
               </a:defRPr>
             </a:lvl1pPr>
-            <a:lvl2pPr marL="457200" indent="0">
+            <a:lvl2pPr>
               <a:buNone/>
               <a:defRPr sz="1800">
                 <a:solidFill>
@@ -1810,7 +2337,7 @@
                 </a:solidFill>
               </a:defRPr>
             </a:lvl2pPr>
-            <a:lvl3pPr marL="914400" indent="0">
+            <a:lvl3pPr>
               <a:buNone/>
               <a:defRPr sz="1600">
                 <a:solidFill>
@@ -1820,7 +2347,7 @@
                 </a:solidFill>
               </a:defRPr>
             </a:lvl3pPr>
-            <a:lvl4pPr marL="1371600" indent="0">
+            <a:lvl4pPr>
               <a:buNone/>
               <a:defRPr sz="1400">
                 <a:solidFill>
@@ -1830,7 +2357,7 @@
                 </a:solidFill>
               </a:defRPr>
             </a:lvl4pPr>
-            <a:lvl5pPr marL="1828800" indent="0">
+            <a:lvl5pPr>
               <a:buNone/>
               <a:defRPr sz="1400">
                 <a:solidFill>
@@ -1840,51 +2367,11 @@
                 </a:solidFill>
               </a:defRPr>
             </a:lvl5pPr>
-            <a:lvl6pPr marL="2286000" indent="0">
-              <a:buNone/>
-              <a:defRPr sz="1400">
-                <a:solidFill>
-                  <a:schemeClr val="tx1">
-                    <a:tint val="75000"/>
-                  </a:schemeClr>
-                </a:solidFill>
-              </a:defRPr>
-            </a:lvl6pPr>
-            <a:lvl7pPr marL="2743200" indent="0">
-              <a:buNone/>
-              <a:defRPr sz="1400">
-                <a:solidFill>
-                  <a:schemeClr val="tx1">
-                    <a:tint val="75000"/>
-                  </a:schemeClr>
-                </a:solidFill>
-              </a:defRPr>
-            </a:lvl7pPr>
-            <a:lvl8pPr marL="3200400" indent="0">
-              <a:buNone/>
-              <a:defRPr sz="1400">
-                <a:solidFill>
-                  <a:schemeClr val="tx1">
-                    <a:tint val="75000"/>
-                  </a:schemeClr>
-                </a:solidFill>
-              </a:defRPr>
-            </a:lvl8pPr>
-            <a:lvl9pPr marL="3657600" indent="0">
-              <a:buNone/>
-              <a:defRPr sz="1400">
-                <a:solidFill>
-                  <a:schemeClr val="tx1">
-                    <a:tint val="75000"/>
-                  </a:schemeClr>
-                </a:solidFill>
-              </a:defRPr>
-            </a:lvl9pPr>
           </a:lstStyle>
           <a:p>
-            <a:pPr lvl="0"/>
-            <a:r>
-              <a:rPr lang="en-US" smtClean="0"/>
+            <a:pPr lvl="0" eaLnBrk="1" latinLnBrk="0" hangingPunct="1"/>
+            <a:r>
+              <a:rPr kumimoji="0" lang="en-US" smtClean="0"/>
               <a:t>Click to edit Master text styles</a:t>
             </a:r>
           </a:p>
@@ -1998,10 +2485,10 @@
           <a:lstStyle/>
           <a:p>
             <a:r>
-              <a:rPr lang="en-US" smtClean="0"/>
+              <a:rPr kumimoji="0" lang="en-US" smtClean="0"/>
               <a:t>Click to edit Master title style</a:t>
             </a:r>
-            <a:endParaRPr lang="en-US"/>
+            <a:endParaRPr kumimoji="0" lang="en-US"/>
           </a:p>
         </p:txBody>
       </p:sp>
@@ -2017,7 +2504,7 @@
         </p:nvSpPr>
         <p:spPr>
           <a:xfrm>
-            <a:off x="457200" y="1600200"/>
+            <a:off x="457200" y="2249424"/>
             <a:ext cx="4038600" cy="4525963"/>
           </a:xfrm>
         </p:spPr>
@@ -2025,13 +2512,13 @@
           <a:bodyPr/>
           <a:lstStyle>
             <a:lvl1pPr>
-              <a:defRPr sz="2800"/>
+              <a:defRPr sz="2000"/>
             </a:lvl1pPr>
             <a:lvl2pPr>
-              <a:defRPr sz="2400"/>
+              <a:defRPr sz="1900"/>
             </a:lvl2pPr>
             <a:lvl3pPr>
-              <a:defRPr sz="2000"/>
+              <a:defRPr sz="1800"/>
             </a:lvl3pPr>
             <a:lvl4pPr>
               <a:defRPr sz="1800"/>
@@ -2039,54 +2526,42 @@
             <a:lvl5pPr>
               <a:defRPr sz="1800"/>
             </a:lvl5pPr>
-            <a:lvl6pPr>
-              <a:defRPr sz="1800"/>
-            </a:lvl6pPr>
-            <a:lvl7pPr>
-              <a:defRPr sz="1800"/>
-            </a:lvl7pPr>
-            <a:lvl8pPr>
-              <a:defRPr sz="1800"/>
-            </a:lvl8pPr>
-            <a:lvl9pPr>
-              <a:defRPr sz="1800"/>
-            </a:lvl9pPr>
           </a:lstStyle>
           <a:p>
-            <a:pPr lvl="0"/>
+            <a:pPr lvl="0" eaLnBrk="1" latinLnBrk="0" hangingPunct="1"/>
             <a:r>
               <a:rPr lang="en-US" smtClean="0"/>
               <a:t>Click to edit Master text styles</a:t>
             </a:r>
           </a:p>
           <a:p>
-            <a:pPr lvl="1"/>
+            <a:pPr lvl="1" eaLnBrk="1" latinLnBrk="0" hangingPunct="1"/>
             <a:r>
               <a:rPr lang="en-US" smtClean="0"/>
               <a:t>Second level</a:t>
             </a:r>
           </a:p>
           <a:p>
-            <a:pPr lvl="2"/>
+            <a:pPr lvl="2" eaLnBrk="1" latinLnBrk="0" hangingPunct="1"/>
             <a:r>
               <a:rPr lang="en-US" smtClean="0"/>
               <a:t>Third level</a:t>
             </a:r>
           </a:p>
           <a:p>
-            <a:pPr lvl="3"/>
+            <a:pPr lvl="3" eaLnBrk="1" latinLnBrk="0" hangingPunct="1"/>
             <a:r>
               <a:rPr lang="en-US" smtClean="0"/>
               <a:t>Fourth level</a:t>
             </a:r>
           </a:p>
           <a:p>
-            <a:pPr lvl="4"/>
+            <a:pPr lvl="4" eaLnBrk="1" latinLnBrk="0" hangingPunct="1"/>
             <a:r>
               <a:rPr lang="en-US" smtClean="0"/>
               <a:t>Fifth level</a:t>
             </a:r>
-            <a:endParaRPr lang="en-US"/>
+            <a:endParaRPr kumimoji="0" lang="en-US"/>
           </a:p>
         </p:txBody>
       </p:sp>
@@ -2102,7 +2577,7 @@
         </p:nvSpPr>
         <p:spPr>
           <a:xfrm>
-            <a:off x="4648200" y="1600200"/>
+            <a:off x="4648200" y="2249424"/>
             <a:ext cx="4038600" cy="4525963"/>
           </a:xfrm>
         </p:spPr>
@@ -2110,13 +2585,13 @@
           <a:bodyPr/>
           <a:lstStyle>
             <a:lvl1pPr>
-              <a:defRPr sz="2800"/>
+              <a:defRPr sz="2000"/>
             </a:lvl1pPr>
             <a:lvl2pPr>
-              <a:defRPr sz="2400"/>
+              <a:defRPr sz="1900"/>
             </a:lvl2pPr>
             <a:lvl3pPr>
-              <a:defRPr sz="2000"/>
+              <a:defRPr sz="1800"/>
             </a:lvl3pPr>
             <a:lvl4pPr>
               <a:defRPr sz="1800"/>
@@ -2124,54 +2599,42 @@
             <a:lvl5pPr>
               <a:defRPr sz="1800"/>
             </a:lvl5pPr>
-            <a:lvl6pPr>
-              <a:defRPr sz="1800"/>
-            </a:lvl6pPr>
-            <a:lvl7pPr>
-              <a:defRPr sz="1800"/>
-            </a:lvl7pPr>
-            <a:lvl8pPr>
-              <a:defRPr sz="1800"/>
-            </a:lvl8pPr>
-            <a:lvl9pPr>
-              <a:defRPr sz="1800"/>
-            </a:lvl9pPr>
           </a:lstStyle>
           <a:p>
-            <a:pPr lvl="0"/>
+            <a:pPr lvl="0" eaLnBrk="1" latinLnBrk="0" hangingPunct="1"/>
             <a:r>
               <a:rPr lang="en-US" smtClean="0"/>
               <a:t>Click to edit Master text styles</a:t>
             </a:r>
           </a:p>
           <a:p>
-            <a:pPr lvl="1"/>
+            <a:pPr lvl="1" eaLnBrk="1" latinLnBrk="0" hangingPunct="1"/>
             <a:r>
               <a:rPr lang="en-US" smtClean="0"/>
               <a:t>Second level</a:t>
             </a:r>
           </a:p>
           <a:p>
-            <a:pPr lvl="2"/>
+            <a:pPr lvl="2" eaLnBrk="1" latinLnBrk="0" hangingPunct="1"/>
             <a:r>
               <a:rPr lang="en-US" smtClean="0"/>
               <a:t>Third level</a:t>
             </a:r>
           </a:p>
           <a:p>
-            <a:pPr lvl="3"/>
+            <a:pPr lvl="3" eaLnBrk="1" latinLnBrk="0" hangingPunct="1"/>
             <a:r>
               <a:rPr lang="en-US" smtClean="0"/>
               <a:t>Fourth level</a:t>
             </a:r>
           </a:p>
           <a:p>
-            <a:pPr lvl="4"/>
+            <a:pPr lvl="4" eaLnBrk="1" latinLnBrk="0" hangingPunct="1"/>
             <a:r>
               <a:rPr lang="en-US" smtClean="0"/>
               <a:t>Fifth level</a:t>
             </a:r>
-            <a:endParaRPr lang="en-US"/>
+            <a:endParaRPr kumimoji="0" lang="en-US"/>
           </a:p>
         </p:txBody>
       </p:sp>
@@ -2277,109 +2740,185 @@
             <p:ph type="title"/>
           </p:nvPr>
         </p:nvSpPr>
-        <p:spPr/>
+        <p:spPr>
+          <a:xfrm>
+            <a:off x="381000" y="1143000"/>
+            <a:ext cx="8382000" cy="1069848"/>
+          </a:xfrm>
+        </p:spPr>
+        <p:txBody>
+          <a:bodyPr anchor="ctr"/>
+          <a:lstStyle>
+            <a:lvl1pPr>
+              <a:defRPr sz="4000" b="0" i="0" cap="none" baseline="0"/>
+            </a:lvl1pPr>
+          </a:lstStyle>
+          <a:p>
+            <a:r>
+              <a:rPr kumimoji="0" lang="en-US" smtClean="0"/>
+              <a:t>Click to edit Master title style</a:t>
+            </a:r>
+            <a:endParaRPr kumimoji="0" lang="en-US"/>
+          </a:p>
+        </p:txBody>
+      </p:sp>
+      <p:sp>
+        <p:nvSpPr>
+          <p:cNvPr id="3" name="Text Placeholder 2"/>
+          <p:cNvSpPr>
+            <a:spLocks noGrp="1"/>
+          </p:cNvSpPr>
+          <p:nvPr>
+            <p:ph type="body" idx="1"/>
+          </p:nvPr>
+        </p:nvSpPr>
+        <p:spPr>
+          <a:xfrm>
+            <a:off x="381000" y="2244970"/>
+            <a:ext cx="4041648" cy="457200"/>
+          </a:xfrm>
+          <a:solidFill>
+            <a:schemeClr val="accent2">
+              <a:satMod val="150000"/>
+              <a:alpha val="25000"/>
+            </a:schemeClr>
+          </a:solidFill>
+          <a:ln w="12700">
+            <a:solidFill>
+              <a:schemeClr val="accent2"/>
+            </a:solidFill>
+          </a:ln>
+        </p:spPr>
+        <p:txBody>
+          <a:bodyPr anchor="ctr">
+            <a:noAutofit/>
+          </a:bodyPr>
+          <a:lstStyle>
+            <a:lvl1pPr marL="45720" indent="0">
+              <a:buNone/>
+              <a:defRPr sz="1900" b="1">
+                <a:solidFill>
+                  <a:schemeClr val="tx1">
+                    <a:tint val="95000"/>
+                  </a:schemeClr>
+                </a:solidFill>
+              </a:defRPr>
+            </a:lvl1pPr>
+            <a:lvl2pPr>
+              <a:buNone/>
+              <a:defRPr sz="2000" b="1"/>
+            </a:lvl2pPr>
+            <a:lvl3pPr>
+              <a:buNone/>
+              <a:defRPr sz="1800" b="1"/>
+            </a:lvl3pPr>
+            <a:lvl4pPr>
+              <a:buNone/>
+              <a:defRPr sz="1600" b="1"/>
+            </a:lvl4pPr>
+            <a:lvl5pPr>
+              <a:buNone/>
+              <a:defRPr sz="1600" b="1"/>
+            </a:lvl5pPr>
+          </a:lstStyle>
+          <a:p>
+            <a:pPr lvl="0" eaLnBrk="1" latinLnBrk="0" hangingPunct="1"/>
+            <a:r>
+              <a:rPr kumimoji="0" lang="en-US" smtClean="0"/>
+              <a:t>Click to edit Master text styles</a:t>
+            </a:r>
+          </a:p>
+        </p:txBody>
+      </p:sp>
+      <p:sp>
+        <p:nvSpPr>
+          <p:cNvPr id="4" name="Text Placeholder 3"/>
+          <p:cNvSpPr>
+            <a:spLocks noGrp="1"/>
+          </p:cNvSpPr>
+          <p:nvPr>
+            <p:ph type="body" sz="half" idx="3"/>
+          </p:nvPr>
+        </p:nvSpPr>
+        <p:spPr>
+          <a:xfrm>
+            <a:off x="4721225" y="2244970"/>
+            <a:ext cx="4041775" cy="457200"/>
+          </a:xfrm>
+          <a:solidFill>
+            <a:schemeClr val="accent2">
+              <a:satMod val="150000"/>
+              <a:alpha val="25000"/>
+            </a:schemeClr>
+          </a:solidFill>
+          <a:ln w="12700">
+            <a:solidFill>
+              <a:schemeClr val="accent2"/>
+            </a:solidFill>
+          </a:ln>
+        </p:spPr>
+        <p:txBody>
+          <a:bodyPr anchor="ctr">
+            <a:noAutofit/>
+          </a:bodyPr>
+          <a:lstStyle>
+            <a:lvl1pPr marL="45720" indent="0">
+              <a:buNone/>
+              <a:defRPr sz="1900" b="1">
+                <a:solidFill>
+                  <a:schemeClr val="tx1">
+                    <a:tint val="95000"/>
+                  </a:schemeClr>
+                </a:solidFill>
+              </a:defRPr>
+            </a:lvl1pPr>
+            <a:lvl2pPr>
+              <a:buNone/>
+              <a:defRPr sz="2000" b="1"/>
+            </a:lvl2pPr>
+            <a:lvl3pPr>
+              <a:buNone/>
+              <a:defRPr sz="1800" b="1"/>
+            </a:lvl3pPr>
+            <a:lvl4pPr>
+              <a:buNone/>
+              <a:defRPr sz="1600" b="1"/>
+            </a:lvl4pPr>
+            <a:lvl5pPr>
+              <a:buNone/>
+              <a:defRPr sz="1600" b="1"/>
+            </a:lvl5pPr>
+          </a:lstStyle>
+          <a:p>
+            <a:pPr lvl="0" eaLnBrk="1" latinLnBrk="0" hangingPunct="1"/>
+            <a:r>
+              <a:rPr kumimoji="0" lang="en-US" smtClean="0"/>
+              <a:t>Click to edit Master text styles</a:t>
+            </a:r>
+          </a:p>
+        </p:txBody>
+      </p:sp>
+      <p:sp>
+        <p:nvSpPr>
+          <p:cNvPr id="5" name="Content Placeholder 4"/>
+          <p:cNvSpPr>
+            <a:spLocks noGrp="1"/>
+          </p:cNvSpPr>
+          <p:nvPr>
+            <p:ph sz="quarter" idx="2"/>
+          </p:nvPr>
+        </p:nvSpPr>
+        <p:spPr>
+          <a:xfrm>
+            <a:off x="381000" y="2708519"/>
+            <a:ext cx="4041648" cy="3886200"/>
+          </a:xfrm>
+        </p:spPr>
         <p:txBody>
           <a:bodyPr/>
           <a:lstStyle>
             <a:lvl1pPr>
-              <a:defRPr/>
-            </a:lvl1pPr>
-          </a:lstStyle>
-          <a:p>
-            <a:r>
-              <a:rPr lang="en-US" smtClean="0"/>
-              <a:t>Click to edit Master title style</a:t>
-            </a:r>
-            <a:endParaRPr lang="en-US"/>
-          </a:p>
-        </p:txBody>
-      </p:sp>
-      <p:sp>
-        <p:nvSpPr>
-          <p:cNvPr id="3" name="Text Placeholder 2"/>
-          <p:cNvSpPr>
-            <a:spLocks noGrp="1"/>
-          </p:cNvSpPr>
-          <p:nvPr>
-            <p:ph type="body" idx="1"/>
-          </p:nvPr>
-        </p:nvSpPr>
-        <p:spPr>
-          <a:xfrm>
-            <a:off x="457200" y="1535113"/>
-            <a:ext cx="4040188" cy="639762"/>
-          </a:xfrm>
-        </p:spPr>
-        <p:txBody>
-          <a:bodyPr anchor="b"/>
-          <a:lstStyle>
-            <a:lvl1pPr marL="0" indent="0">
-              <a:buNone/>
-              <a:defRPr sz="2400" b="1"/>
-            </a:lvl1pPr>
-            <a:lvl2pPr marL="457200" indent="0">
-              <a:buNone/>
-              <a:defRPr sz="2000" b="1"/>
-            </a:lvl2pPr>
-            <a:lvl3pPr marL="914400" indent="0">
-              <a:buNone/>
-              <a:defRPr sz="1800" b="1"/>
-            </a:lvl3pPr>
-            <a:lvl4pPr marL="1371600" indent="0">
-              <a:buNone/>
-              <a:defRPr sz="1600" b="1"/>
-            </a:lvl4pPr>
-            <a:lvl5pPr marL="1828800" indent="0">
-              <a:buNone/>
-              <a:defRPr sz="1600" b="1"/>
-            </a:lvl5pPr>
-            <a:lvl6pPr marL="2286000" indent="0">
-              <a:buNone/>
-              <a:defRPr sz="1600" b="1"/>
-            </a:lvl6pPr>
-            <a:lvl7pPr marL="2743200" indent="0">
-              <a:buNone/>
-              <a:defRPr sz="1600" b="1"/>
-            </a:lvl7pPr>
-            <a:lvl8pPr marL="3200400" indent="0">
-              <a:buNone/>
-              <a:defRPr sz="1600" b="1"/>
-            </a:lvl8pPr>
-            <a:lvl9pPr marL="3657600" indent="0">
-              <a:buNone/>
-              <a:defRPr sz="1600" b="1"/>
-            </a:lvl9pPr>
-          </a:lstStyle>
-          <a:p>
-            <a:pPr lvl="0"/>
-            <a:r>
-              <a:rPr lang="en-US" smtClean="0"/>
-              <a:t>Click to edit Master text styles</a:t>
-            </a:r>
-          </a:p>
-        </p:txBody>
-      </p:sp>
-      <p:sp>
-        <p:nvSpPr>
-          <p:cNvPr id="4" name="Content Placeholder 3"/>
-          <p:cNvSpPr>
-            <a:spLocks noGrp="1"/>
-          </p:cNvSpPr>
-          <p:nvPr>
-            <p:ph sz="half" idx="2"/>
-          </p:nvPr>
-        </p:nvSpPr>
-        <p:spPr>
-          <a:xfrm>
-            <a:off x="457200" y="2174875"/>
-            <a:ext cx="4040188" cy="3951288"/>
-          </a:xfrm>
-        </p:spPr>
-        <p:txBody>
-          <a:bodyPr/>
-          <a:lstStyle>
-            <a:lvl1pPr>
-              <a:defRPr sz="2400"/>
+              <a:defRPr sz="2000"/>
             </a:lvl1pPr>
             <a:lvl2pPr>
               <a:defRPr sz="2000"/>
@@ -2393,143 +2932,66 @@
             <a:lvl5pPr>
               <a:defRPr sz="1600"/>
             </a:lvl5pPr>
-            <a:lvl6pPr>
-              <a:defRPr sz="1600"/>
-            </a:lvl6pPr>
-            <a:lvl7pPr>
-              <a:defRPr sz="1600"/>
-            </a:lvl7pPr>
-            <a:lvl8pPr>
-              <a:defRPr sz="1600"/>
-            </a:lvl8pPr>
-            <a:lvl9pPr>
-              <a:defRPr sz="1600"/>
-            </a:lvl9pPr>
           </a:lstStyle>
           <a:p>
-            <a:pPr lvl="0"/>
+            <a:pPr lvl="0" eaLnBrk="1" latinLnBrk="0" hangingPunct="1"/>
             <a:r>
               <a:rPr lang="en-US" smtClean="0"/>
               <a:t>Click to edit Master text styles</a:t>
             </a:r>
           </a:p>
           <a:p>
-            <a:pPr lvl="1"/>
+            <a:pPr lvl="1" eaLnBrk="1" latinLnBrk="0" hangingPunct="1"/>
             <a:r>
               <a:rPr lang="en-US" smtClean="0"/>
               <a:t>Second level</a:t>
             </a:r>
           </a:p>
           <a:p>
-            <a:pPr lvl="2"/>
+            <a:pPr lvl="2" eaLnBrk="1" latinLnBrk="0" hangingPunct="1"/>
             <a:r>
               <a:rPr lang="en-US" smtClean="0"/>
               <a:t>Third level</a:t>
             </a:r>
           </a:p>
           <a:p>
-            <a:pPr lvl="3"/>
+            <a:pPr lvl="3" eaLnBrk="1" latinLnBrk="0" hangingPunct="1"/>
             <a:r>
               <a:rPr lang="en-US" smtClean="0"/>
               <a:t>Fourth level</a:t>
             </a:r>
           </a:p>
           <a:p>
-            <a:pPr lvl="4"/>
+            <a:pPr lvl="4" eaLnBrk="1" latinLnBrk="0" hangingPunct="1"/>
             <a:r>
               <a:rPr lang="en-US" smtClean="0"/>
               <a:t>Fifth level</a:t>
             </a:r>
-            <a:endParaRPr lang="en-US"/>
-          </a:p>
-        </p:txBody>
-      </p:sp>
-      <p:sp>
-        <p:nvSpPr>
-          <p:cNvPr id="5" name="Text Placeholder 4"/>
-          <p:cNvSpPr>
-            <a:spLocks noGrp="1"/>
-          </p:cNvSpPr>
-          <p:nvPr>
-            <p:ph type="body" sz="quarter" idx="3"/>
+            <a:endParaRPr kumimoji="0" lang="en-US"/>
+          </a:p>
+        </p:txBody>
+      </p:sp>
+      <p:sp>
+        <p:nvSpPr>
+          <p:cNvPr id="6" name="Content Placeholder 5"/>
+          <p:cNvSpPr>
+            <a:spLocks noGrp="1"/>
+          </p:cNvSpPr>
+          <p:nvPr>
+            <p:ph sz="quarter" idx="4"/>
           </p:nvPr>
         </p:nvSpPr>
         <p:spPr>
           <a:xfrm>
-            <a:off x="4645025" y="1535113"/>
-            <a:ext cx="4041775" cy="639762"/>
-          </a:xfrm>
-        </p:spPr>
-        <p:txBody>
-          <a:bodyPr anchor="b"/>
-          <a:lstStyle>
-            <a:lvl1pPr marL="0" indent="0">
-              <a:buNone/>
-              <a:defRPr sz="2400" b="1"/>
-            </a:lvl1pPr>
-            <a:lvl2pPr marL="457200" indent="0">
-              <a:buNone/>
-              <a:defRPr sz="2000" b="1"/>
-            </a:lvl2pPr>
-            <a:lvl3pPr marL="914400" indent="0">
-              <a:buNone/>
-              <a:defRPr sz="1800" b="1"/>
-            </a:lvl3pPr>
-            <a:lvl4pPr marL="1371600" indent="0">
-              <a:buNone/>
-              <a:defRPr sz="1600" b="1"/>
-            </a:lvl4pPr>
-            <a:lvl5pPr marL="1828800" indent="0">
-              <a:buNone/>
-              <a:defRPr sz="1600" b="1"/>
-            </a:lvl5pPr>
-            <a:lvl6pPr marL="2286000" indent="0">
-              <a:buNone/>
-              <a:defRPr sz="1600" b="1"/>
-            </a:lvl6pPr>
-            <a:lvl7pPr marL="2743200" indent="0">
-              <a:buNone/>
-              <a:defRPr sz="1600" b="1"/>
-            </a:lvl7pPr>
-            <a:lvl8pPr marL="3200400" indent="0">
-              <a:buNone/>
-              <a:defRPr sz="1600" b="1"/>
-            </a:lvl8pPr>
-            <a:lvl9pPr marL="3657600" indent="0">
-              <a:buNone/>
-              <a:defRPr sz="1600" b="1"/>
-            </a:lvl9pPr>
-          </a:lstStyle>
-          <a:p>
-            <a:pPr lvl="0"/>
-            <a:r>
-              <a:rPr lang="en-US" smtClean="0"/>
-              <a:t>Click to edit Master text styles</a:t>
-            </a:r>
-          </a:p>
-        </p:txBody>
-      </p:sp>
-      <p:sp>
-        <p:nvSpPr>
-          <p:cNvPr id="6" name="Content Placeholder 5"/>
-          <p:cNvSpPr>
-            <a:spLocks noGrp="1"/>
-          </p:cNvSpPr>
-          <p:nvPr>
-            <p:ph sz="quarter" idx="4"/>
-          </p:nvPr>
-        </p:nvSpPr>
-        <p:spPr>
-          <a:xfrm>
-            <a:off x="4645025" y="2174875"/>
-            <a:ext cx="4041775" cy="3951288"/>
+            <a:off x="4718304" y="2708519"/>
+            <a:ext cx="4041775" cy="3886200"/>
           </a:xfrm>
         </p:spPr>
         <p:txBody>
           <a:bodyPr/>
           <a:lstStyle>
             <a:lvl1pPr>
-              <a:defRPr sz="2400"/>
+              <a:defRPr sz="2000"/>
             </a:lvl1pPr>
             <a:lvl2pPr>
               <a:defRPr sz="2000"/>
@@ -2543,60 +3005,48 @@
             <a:lvl5pPr>
               <a:defRPr sz="1600"/>
             </a:lvl5pPr>
-            <a:lvl6pPr>
-              <a:defRPr sz="1600"/>
-            </a:lvl6pPr>
-            <a:lvl7pPr>
-              <a:defRPr sz="1600"/>
-            </a:lvl7pPr>
-            <a:lvl8pPr>
-              <a:defRPr sz="1600"/>
-            </a:lvl8pPr>
-            <a:lvl9pPr>
-              <a:defRPr sz="1600"/>
-            </a:lvl9pPr>
           </a:lstStyle>
           <a:p>
-            <a:pPr lvl="0"/>
+            <a:pPr lvl="0" eaLnBrk="1" latinLnBrk="0" hangingPunct="1"/>
             <a:r>
               <a:rPr lang="en-US" smtClean="0"/>
               <a:t>Click to edit Master text styles</a:t>
             </a:r>
           </a:p>
           <a:p>
-            <a:pPr lvl="1"/>
+            <a:pPr lvl="1" eaLnBrk="1" latinLnBrk="0" hangingPunct="1"/>
             <a:r>
               <a:rPr lang="en-US" smtClean="0"/>
               <a:t>Second level</a:t>
             </a:r>
           </a:p>
           <a:p>
-            <a:pPr lvl="2"/>
+            <a:pPr lvl="2" eaLnBrk="1" latinLnBrk="0" hangingPunct="1"/>
             <a:r>
               <a:rPr lang="en-US" smtClean="0"/>
               <a:t>Third level</a:t>
             </a:r>
           </a:p>
           <a:p>
-            <a:pPr lvl="3"/>
+            <a:pPr lvl="3" eaLnBrk="1" latinLnBrk="0" hangingPunct="1"/>
             <a:r>
               <a:rPr lang="en-US" smtClean="0"/>
               <a:t>Fourth level</a:t>
             </a:r>
           </a:p>
           <a:p>
-            <a:pPr lvl="4"/>
+            <a:pPr lvl="4" eaLnBrk="1" latinLnBrk="0" hangingPunct="1"/>
             <a:r>
               <a:rPr lang="en-US" smtClean="0"/>
               <a:t>Fifth level</a:t>
             </a:r>
-            <a:endParaRPr lang="en-US"/>
-          </a:p>
-        </p:txBody>
-      </p:sp>
-      <p:sp>
-        <p:nvSpPr>
-          <p:cNvPr id="7" name="Date Placeholder 6"/>
+            <a:endParaRPr kumimoji="0" lang="en-US"/>
+          </a:p>
+        </p:txBody>
+      </p:sp>
+      <p:sp>
+        <p:nvSpPr>
+          <p:cNvPr id="26" name="Date Placeholder 25"/>
           <p:cNvSpPr>
             <a:spLocks noGrp="1"/>
           </p:cNvSpPr>
@@ -2606,7 +3056,7 @@
         </p:nvSpPr>
         <p:spPr/>
         <p:txBody>
-          <a:bodyPr/>
+          <a:bodyPr rtlCol="0"/>
           <a:lstStyle/>
           <a:p>
             <a:fld id="{71D0AA3E-8602-44A9-948B-E976CF1A0C25}" type="datetimeFigureOut">
@@ -2620,36 +3070,17 @@
       </p:sp>
       <p:sp>
         <p:nvSpPr>
-          <p:cNvPr id="8" name="Footer Placeholder 7"/>
-          <p:cNvSpPr>
-            <a:spLocks noGrp="1"/>
-          </p:cNvSpPr>
-          <p:nvPr>
-            <p:ph type="ftr" sz="quarter" idx="11"/>
+          <p:cNvPr id="27" name="Slide Number Placeholder 26"/>
+          <p:cNvSpPr>
+            <a:spLocks noGrp="1"/>
+          </p:cNvSpPr>
+          <p:nvPr>
+            <p:ph type="sldNum" sz="quarter" idx="11"/>
           </p:nvPr>
         </p:nvSpPr>
         <p:spPr/>
         <p:txBody>
-          <a:bodyPr/>
-          <a:lstStyle/>
-          <a:p>
-            <a:endParaRPr lang="en-US"/>
-          </a:p>
-        </p:txBody>
-      </p:sp>
-      <p:sp>
-        <p:nvSpPr>
-          <p:cNvPr id="9" name="Slide Number Placeholder 8"/>
-          <p:cNvSpPr>
-            <a:spLocks noGrp="1"/>
-          </p:cNvSpPr>
-          <p:nvPr>
-            <p:ph type="sldNum" sz="quarter" idx="12"/>
-          </p:nvPr>
-        </p:nvSpPr>
-        <p:spPr/>
-        <p:txBody>
-          <a:bodyPr/>
+          <a:bodyPr rtlCol="0"/>
           <a:lstStyle/>
           <a:p>
             <a:fld id="{EDCE0834-E210-4CDD-86AF-D36262A444C4}" type="slidenum">
@@ -2657,6 +3088,25 @@
               <a:pPr/>
               <a:t>‹#›</a:t>
             </a:fld>
+            <a:endParaRPr lang="en-US"/>
+          </a:p>
+        </p:txBody>
+      </p:sp>
+      <p:sp>
+        <p:nvSpPr>
+          <p:cNvPr id="28" name="Footer Placeholder 27"/>
+          <p:cNvSpPr>
+            <a:spLocks noGrp="1"/>
+          </p:cNvSpPr>
+          <p:nvPr>
+            <p:ph type="ftr" sz="quarter" idx="12"/>
+          </p:nvPr>
+        </p:nvSpPr>
+        <p:spPr/>
+        <p:txBody>
+          <a:bodyPr rtlCol="0"/>
+          <a:lstStyle/>
+          <a:p>
             <a:endParaRPr lang="en-US"/>
           </a:p>
         </p:txBody>
@@ -2696,16 +3146,29 @@
             <p:ph type="title"/>
           </p:nvPr>
         </p:nvSpPr>
-        <p:spPr/>
-        <p:txBody>
-          <a:bodyPr/>
-          <a:lstStyle/>
-          <a:p>
-            <a:r>
-              <a:rPr lang="en-US" smtClean="0"/>
+        <p:spPr>
+          <a:xfrm>
+            <a:off x="457200" y="1143000"/>
+            <a:ext cx="8229600" cy="1069848"/>
+          </a:xfrm>
+        </p:spPr>
+        <p:txBody>
+          <a:bodyPr anchor="ctr"/>
+          <a:lstStyle>
+            <a:lvl1pPr>
+              <a:defRPr sz="4000">
+                <a:solidFill>
+                  <a:schemeClr val="tx2"/>
+                </a:solidFill>
+              </a:defRPr>
+            </a:lvl1pPr>
+          </a:lstStyle>
+          <a:p>
+            <a:r>
+              <a:rPr kumimoji="0" lang="en-US" smtClean="0"/>
               <a:t>Click to edit Master title style</a:t>
             </a:r>
-            <a:endParaRPr lang="en-US"/>
+            <a:endParaRPr kumimoji="0" lang="en-US"/>
           </a:p>
         </p:txBody>
       </p:sp>
@@ -2719,7 +3182,12 @@
             <p:ph type="dt" sz="half" idx="10"/>
           </p:nvPr>
         </p:nvSpPr>
-        <p:spPr/>
+        <p:spPr>
+          <a:xfrm>
+            <a:off x="6583680" y="612648"/>
+            <a:ext cx="957264" cy="457200"/>
+          </a:xfrm>
+        </p:spPr>
         <p:txBody>
           <a:bodyPr/>
           <a:lstStyle/>
@@ -2743,7 +3211,12 @@
             <p:ph type="ftr" sz="quarter" idx="11"/>
           </p:nvPr>
         </p:nvSpPr>
-        <p:spPr/>
+        <p:spPr>
+          <a:xfrm>
+            <a:off x="5257800" y="612648"/>
+            <a:ext cx="1325880" cy="457200"/>
+          </a:xfrm>
+        </p:spPr>
         <p:txBody>
           <a:bodyPr/>
           <a:lstStyle/>
@@ -2762,7 +3235,12 @@
             <p:ph type="sldNum" sz="quarter" idx="12"/>
           </p:nvPr>
         </p:nvSpPr>
-        <p:spPr/>
+        <p:spPr>
+          <a:xfrm>
+            <a:off x="8174736" y="2272"/>
+            <a:ext cx="762000" cy="365760"/>
+          </a:xfrm>
+        </p:spPr>
         <p:txBody>
           <a:bodyPr/>
           <a:lstStyle/>
@@ -2905,40 +3383,90 @@
         </p:nvSpPr>
         <p:spPr>
           <a:xfrm>
-            <a:off x="457200" y="273050"/>
-            <a:ext cx="3008313" cy="1162050"/>
+            <a:off x="5353496" y="1101970"/>
+            <a:ext cx="3383280" cy="877824"/>
           </a:xfrm>
         </p:spPr>
         <p:txBody>
           <a:bodyPr anchor="b"/>
           <a:lstStyle>
             <a:lvl1pPr algn="l">
-              <a:defRPr sz="2000" b="1"/>
+              <a:buNone/>
+              <a:defRPr sz="1800" b="1"/>
             </a:lvl1pPr>
           </a:lstStyle>
           <a:p>
             <a:r>
-              <a:rPr lang="en-US" smtClean="0"/>
+              <a:rPr kumimoji="0" lang="en-US" smtClean="0"/>
               <a:t>Click to edit Master title style</a:t>
             </a:r>
-            <a:endParaRPr lang="en-US"/>
-          </a:p>
-        </p:txBody>
-      </p:sp>
-      <p:sp>
-        <p:nvSpPr>
-          <p:cNvPr id="3" name="Content Placeholder 2"/>
-          <p:cNvSpPr>
-            <a:spLocks noGrp="1"/>
-          </p:cNvSpPr>
-          <p:nvPr>
-            <p:ph idx="1"/>
+            <a:endParaRPr kumimoji="0" lang="en-US"/>
+          </a:p>
+        </p:txBody>
+      </p:sp>
+      <p:sp>
+        <p:nvSpPr>
+          <p:cNvPr id="3" name="Text Placeholder 2"/>
+          <p:cNvSpPr>
+            <a:spLocks noGrp="1"/>
+          </p:cNvSpPr>
+          <p:nvPr>
+            <p:ph type="body" idx="2"/>
           </p:nvPr>
         </p:nvSpPr>
         <p:spPr>
           <a:xfrm>
-            <a:off x="3575050" y="273050"/>
-            <a:ext cx="5111750" cy="5853113"/>
+            <a:off x="5353496" y="2010727"/>
+            <a:ext cx="3383280" cy="4617720"/>
+          </a:xfrm>
+        </p:spPr>
+        <p:txBody>
+          <a:bodyPr/>
+          <a:lstStyle>
+            <a:lvl1pPr marL="9144" indent="0">
+              <a:buNone/>
+              <a:defRPr sz="1400"/>
+            </a:lvl1pPr>
+            <a:lvl2pPr>
+              <a:buNone/>
+              <a:defRPr sz="1200"/>
+            </a:lvl2pPr>
+            <a:lvl3pPr>
+              <a:buNone/>
+              <a:defRPr sz="1000"/>
+            </a:lvl3pPr>
+            <a:lvl4pPr>
+              <a:buNone/>
+              <a:defRPr sz="900"/>
+            </a:lvl4pPr>
+            <a:lvl5pPr>
+              <a:buNone/>
+              <a:defRPr sz="900"/>
+            </a:lvl5pPr>
+          </a:lstStyle>
+          <a:p>
+            <a:pPr lvl="0" eaLnBrk="1" latinLnBrk="0" hangingPunct="1"/>
+            <a:r>
+              <a:rPr kumimoji="0" lang="en-US" smtClean="0"/>
+              <a:t>Click to edit Master text styles</a:t>
+            </a:r>
+          </a:p>
+        </p:txBody>
+      </p:sp>
+      <p:sp>
+        <p:nvSpPr>
+          <p:cNvPr id="4" name="Content Placeholder 3"/>
+          <p:cNvSpPr>
+            <a:spLocks noGrp="1"/>
+          </p:cNvSpPr>
+          <p:nvPr>
+            <p:ph sz="half" idx="1"/>
+          </p:nvPr>
+        </p:nvSpPr>
+        <p:spPr>
+          <a:xfrm>
+            <a:off x="152400" y="776287"/>
+            <a:ext cx="5102352" cy="5852160"/>
           </a:xfrm>
         </p:spPr>
         <p:txBody>
@@ -2959,119 +3487,42 @@
             <a:lvl5pPr>
               <a:defRPr sz="2000"/>
             </a:lvl5pPr>
-            <a:lvl6pPr>
-              <a:defRPr sz="2000"/>
-            </a:lvl6pPr>
-            <a:lvl7pPr>
-              <a:defRPr sz="2000"/>
-            </a:lvl7pPr>
-            <a:lvl8pPr>
-              <a:defRPr sz="2000"/>
-            </a:lvl8pPr>
-            <a:lvl9pPr>
-              <a:defRPr sz="2000"/>
-            </a:lvl9pPr>
           </a:lstStyle>
           <a:p>
-            <a:pPr lvl="0"/>
+            <a:pPr lvl="0" eaLnBrk="1" latinLnBrk="0" hangingPunct="1"/>
             <a:r>
               <a:rPr lang="en-US" smtClean="0"/>
               <a:t>Click to edit Master text styles</a:t>
             </a:r>
           </a:p>
           <a:p>
-            <a:pPr lvl="1"/>
+            <a:pPr lvl="1" eaLnBrk="1" latinLnBrk="0" hangingPunct="1"/>
             <a:r>
               <a:rPr lang="en-US" smtClean="0"/>
               <a:t>Second level</a:t>
             </a:r>
           </a:p>
           <a:p>
-            <a:pPr lvl="2"/>
+            <a:pPr lvl="2" eaLnBrk="1" latinLnBrk="0" hangingPunct="1"/>
             <a:r>
               <a:rPr lang="en-US" smtClean="0"/>
               <a:t>Third level</a:t>
             </a:r>
           </a:p>
           <a:p>
-            <a:pPr lvl="3"/>
+            <a:pPr lvl="3" eaLnBrk="1" latinLnBrk="0" hangingPunct="1"/>
             <a:r>
               <a:rPr lang="en-US" smtClean="0"/>
               <a:t>Fourth level</a:t>
             </a:r>
           </a:p>
           <a:p>
-            <a:pPr lvl="4"/>
+            <a:pPr lvl="4" eaLnBrk="1" latinLnBrk="0" hangingPunct="1"/>
             <a:r>
               <a:rPr lang="en-US" smtClean="0"/>
               <a:t>Fifth level</a:t>
             </a:r>
-            <a:endParaRPr lang="en-US"/>
-          </a:p>
-        </p:txBody>
-      </p:sp>
-      <p:sp>
-        <p:nvSpPr>
-          <p:cNvPr id="4" name="Text Placeholder 3"/>
-          <p:cNvSpPr>
-            <a:spLocks noGrp="1"/>
-          </p:cNvSpPr>
-          <p:nvPr>
-            <p:ph type="body" sz="half" idx="2"/>
-          </p:nvPr>
-        </p:nvSpPr>
-        <p:spPr>
-          <a:xfrm>
-            <a:off x="457200" y="1435100"/>
-            <a:ext cx="3008313" cy="4691063"/>
-          </a:xfrm>
-        </p:spPr>
-        <p:txBody>
-          <a:bodyPr/>
-          <a:lstStyle>
-            <a:lvl1pPr marL="0" indent="0">
-              <a:buNone/>
-              <a:defRPr sz="1400"/>
-            </a:lvl1pPr>
-            <a:lvl2pPr marL="457200" indent="0">
-              <a:buNone/>
-              <a:defRPr sz="1200"/>
-            </a:lvl2pPr>
-            <a:lvl3pPr marL="914400" indent="0">
-              <a:buNone/>
-              <a:defRPr sz="1000"/>
-            </a:lvl3pPr>
-            <a:lvl4pPr marL="1371600" indent="0">
-              <a:buNone/>
-              <a:defRPr sz="900"/>
-            </a:lvl4pPr>
-            <a:lvl5pPr marL="1828800" indent="0">
-              <a:buNone/>
-              <a:defRPr sz="900"/>
-            </a:lvl5pPr>
-            <a:lvl6pPr marL="2286000" indent="0">
-              <a:buNone/>
-              <a:defRPr sz="900"/>
-            </a:lvl6pPr>
-            <a:lvl7pPr marL="2743200" indent="0">
-              <a:buNone/>
-              <a:defRPr sz="900"/>
-            </a:lvl7pPr>
-            <a:lvl8pPr marL="3200400" indent="0">
-              <a:buNone/>
-              <a:defRPr sz="900"/>
-            </a:lvl8pPr>
-            <a:lvl9pPr marL="3657600" indent="0">
-              <a:buNone/>
-              <a:defRPr sz="900"/>
-            </a:lvl9pPr>
-          </a:lstStyle>
-          <a:p>
-            <a:pPr lvl="0"/>
-            <a:r>
-              <a:rPr lang="en-US" smtClean="0"/>
-              <a:t>Click to edit Master text styles</a:t>
-            </a:r>
+            <a:endParaRPr kumimoji="0" lang="en-US"/>
           </a:p>
         </p:txBody>
       </p:sp>
@@ -3179,23 +3630,24 @@
         </p:nvSpPr>
         <p:spPr>
           <a:xfrm>
-            <a:off x="1792288" y="4800600"/>
-            <a:ext cx="5486400" cy="566738"/>
-          </a:xfrm>
-        </p:spPr>
-        <p:txBody>
-          <a:bodyPr anchor="b"/>
+            <a:off x="5440434" y="1109160"/>
+            <a:ext cx="586803" cy="4681637"/>
+          </a:xfrm>
+        </p:spPr>
+        <p:txBody>
+          <a:bodyPr vert="vert270" lIns="45720" tIns="0" rIns="45720" anchor="t"/>
           <a:lstStyle>
-            <a:lvl1pPr algn="l">
+            <a:lvl1pPr algn="ctr">
+              <a:buNone/>
               <a:defRPr sz="2000" b="1"/>
             </a:lvl1pPr>
           </a:lstStyle>
           <a:p>
             <a:r>
-              <a:rPr lang="en-US" smtClean="0"/>
+              <a:rPr kumimoji="0" lang="en-US" smtClean="0"/>
               <a:t>Click to edit Master title style</a:t>
             </a:r>
-            <a:endParaRPr lang="en-US"/>
+            <a:endParaRPr kumimoji="0" lang="en-US"/>
           </a:p>
         </p:txBody>
       </p:sp>
@@ -3211,9 +3663,37 @@
         </p:nvSpPr>
         <p:spPr>
           <a:xfrm>
-            <a:off x="1792288" y="612775"/>
-            <a:ext cx="5486400" cy="4114800"/>
-          </a:xfrm>
+            <a:off x="403671" y="1143000"/>
+            <a:ext cx="4572000" cy="4572000"/>
+          </a:xfrm>
+          <a:solidFill>
+            <a:srgbClr val="EAEAEA"/>
+          </a:solidFill>
+          <a:ln w="50800">
+            <a:solidFill>
+              <a:srgbClr val="FFFFFF"/>
+            </a:solidFill>
+            <a:miter lim="800000"/>
+          </a:ln>
+          <a:effectLst>
+            <a:outerShdw blurRad="57150" dist="31750" dir="4800000" algn="tl" rotWithShape="0">
+              <a:srgbClr val="000000">
+                <a:alpha val="25000"/>
+              </a:srgbClr>
+            </a:outerShdw>
+          </a:effectLst>
+          <a:scene3d>
+            <a:camera prst="orthographicFront"/>
+            <a:lightRig rig="twoPt" dir="t">
+              <a:rot lat="0" lon="0" rev="7200000"/>
+            </a:lightRig>
+          </a:scene3d>
+          <a:sp3d contourW="2540">
+            <a:bevelT w="25400" h="19050"/>
+            <a:contourClr>
+              <a:srgbClr val="AEAEAE"/>
+            </a:contourClr>
+          </a:sp3d>
         </p:spPr>
         <p:txBody>
           <a:bodyPr/>
@@ -3222,41 +3702,13 @@
               <a:buNone/>
               <a:defRPr sz="3200"/>
             </a:lvl1pPr>
-            <a:lvl2pPr marL="457200" indent="0">
-              <a:buNone/>
-              <a:defRPr sz="2800"/>
-            </a:lvl2pPr>
-            <a:lvl3pPr marL="914400" indent="0">
-              <a:buNone/>
-              <a:defRPr sz="2400"/>
-            </a:lvl3pPr>
-            <a:lvl4pPr marL="1371600" indent="0">
-              <a:buNone/>
-              <a:defRPr sz="2000"/>
-            </a:lvl4pPr>
-            <a:lvl5pPr marL="1828800" indent="0">
-              <a:buNone/>
-              <a:defRPr sz="2000"/>
-            </a:lvl5pPr>
-            <a:lvl6pPr marL="2286000" indent="0">
-              <a:buNone/>
-              <a:defRPr sz="2000"/>
-            </a:lvl6pPr>
-            <a:lvl7pPr marL="2743200" indent="0">
-              <a:buNone/>
-              <a:defRPr sz="2000"/>
-            </a:lvl7pPr>
-            <a:lvl8pPr marL="3200400" indent="0">
-              <a:buNone/>
-              <a:defRPr sz="2000"/>
-            </a:lvl8pPr>
-            <a:lvl9pPr marL="3657600" indent="0">
-              <a:buNone/>
-              <a:defRPr sz="2000"/>
-            </a:lvl9pPr>
           </a:lstStyle>
           <a:p>
-            <a:endParaRPr lang="en-US"/>
+            <a:r>
+              <a:rPr kumimoji="0" lang="en-US" smtClean="0"/>
+              <a:t>Click icon to add picture</a:t>
+            </a:r>
+            <a:endParaRPr kumimoji="0" lang="en-US" dirty="0"/>
           </a:p>
         </p:txBody>
       </p:sp>
@@ -3272,54 +3724,49 @@
         </p:nvSpPr>
         <p:spPr>
           <a:xfrm>
-            <a:off x="1792288" y="5367338"/>
-            <a:ext cx="5486400" cy="804862"/>
-          </a:xfrm>
-        </p:spPr>
-        <p:txBody>
-          <a:bodyPr/>
+            <a:off x="6088443" y="3274308"/>
+            <a:ext cx="2590800" cy="2516489"/>
+          </a:xfrm>
+        </p:spPr>
+        <p:txBody>
+          <a:bodyPr lIns="0" tIns="0" rIns="45720" anchor="t"/>
           <a:lstStyle>
             <a:lvl1pPr marL="0" indent="0">
+              <a:lnSpc>
+                <a:spcPct val="100000"/>
+              </a:lnSpc>
+              <a:spcBef>
+                <a:spcPts val="0"/>
+              </a:spcBef>
+              <a:buFontTx/>
               <a:buNone/>
-              <a:defRPr sz="1400"/>
+              <a:defRPr sz="1300"/>
             </a:lvl1pPr>
-            <a:lvl2pPr marL="457200" indent="0">
+            <a:lvl2pPr>
+              <a:buFontTx/>
               <a:buNone/>
               <a:defRPr sz="1200"/>
             </a:lvl2pPr>
-            <a:lvl3pPr marL="914400" indent="0">
+            <a:lvl3pPr>
+              <a:buFontTx/>
               <a:buNone/>
               <a:defRPr sz="1000"/>
             </a:lvl3pPr>
-            <a:lvl4pPr marL="1371600" indent="0">
+            <a:lvl4pPr>
+              <a:buFontTx/>
               <a:buNone/>
               <a:defRPr sz="900"/>
             </a:lvl4pPr>
-            <a:lvl5pPr marL="1828800" indent="0">
+            <a:lvl5pPr>
+              <a:buFontTx/>
               <a:buNone/>
               <a:defRPr sz="900"/>
             </a:lvl5pPr>
-            <a:lvl6pPr marL="2286000" indent="0">
-              <a:buNone/>
-              <a:defRPr sz="900"/>
-            </a:lvl6pPr>
-            <a:lvl7pPr marL="2743200" indent="0">
-              <a:buNone/>
-              <a:defRPr sz="900"/>
-            </a:lvl7pPr>
-            <a:lvl8pPr marL="3200400" indent="0">
-              <a:buNone/>
-              <a:defRPr sz="900"/>
-            </a:lvl8pPr>
-            <a:lvl9pPr marL="3657600" indent="0">
-              <a:buNone/>
-              <a:defRPr sz="900"/>
-            </a:lvl9pPr>
           </a:lstStyle>
           <a:p>
-            <a:pPr lvl="0"/>
-            <a:r>
-              <a:rPr lang="en-US" smtClean="0"/>
+            <a:pPr lvl="0" eaLnBrk="1" latinLnBrk="0" hangingPunct="1"/>
+            <a:r>
+              <a:rPr kumimoji="0" lang="en-US" smtClean="0"/>
               <a:t>Click to edit Master text styles</a:t>
             </a:r>
           </a:p>
@@ -3424,127 +3871,743 @@
       </p:grpSpPr>
       <p:sp>
         <p:nvSpPr>
-          <p:cNvPr id="2" name="Title Placeholder 1"/>
-          <p:cNvSpPr>
-            <a:spLocks noGrp="1"/>
-          </p:cNvSpPr>
-          <p:nvPr>
-            <p:ph type="title"/>
-          </p:nvPr>
+          <p:cNvPr id="28" name="Rectangle 27"/>
+          <p:cNvSpPr/>
+          <p:nvPr/>
         </p:nvSpPr>
         <p:spPr>
           <a:xfrm>
-            <a:off x="457200" y="274638"/>
-            <a:ext cx="8229600" cy="1143000"/>
+            <a:off x="1" y="366818"/>
+            <a:ext cx="9144000" cy="84407"/>
           </a:xfrm>
           <a:prstGeom prst="rect">
             <a:avLst/>
           </a:prstGeom>
-        </p:spPr>
-        <p:txBody>
-          <a:bodyPr vert="horz" lIns="91440" tIns="45720" rIns="91440" bIns="45720" rtlCol="0" anchor="ctr">
-            <a:normAutofit/>
-          </a:bodyPr>
-          <a:lstStyle/>
-          <a:p>
-            <a:r>
-              <a:rPr lang="en-US" smtClean="0"/>
-              <a:t>Click to edit Master title style</a:t>
-            </a:r>
-            <a:endParaRPr lang="en-US"/>
-          </a:p>
-        </p:txBody>
-      </p:sp>
-      <p:sp>
-        <p:nvSpPr>
-          <p:cNvPr id="3" name="Text Placeholder 2"/>
-          <p:cNvSpPr>
-            <a:spLocks noGrp="1"/>
-          </p:cNvSpPr>
-          <p:nvPr>
-            <p:ph type="body" idx="1"/>
-          </p:nvPr>
+          <a:solidFill>
+            <a:schemeClr val="accent2">
+              <a:alpha val="50000"/>
+            </a:schemeClr>
+          </a:solidFill>
+          <a:ln w="50800" cap="rnd" cmpd="thickThin" algn="ctr">
+            <a:noFill/>
+            <a:prstDash val="solid"/>
+          </a:ln>
+          <a:effectLst/>
+        </p:spPr>
+        <p:style>
+          <a:lnRef idx="3">
+            <a:schemeClr val="lt1"/>
+          </a:lnRef>
+          <a:fillRef idx="1">
+            <a:schemeClr val="accent1"/>
+          </a:fillRef>
+          <a:effectRef idx="1">
+            <a:schemeClr val="accent1"/>
+          </a:effectRef>
+          <a:fontRef idx="minor">
+            <a:schemeClr val="lt1"/>
+          </a:fontRef>
+        </p:style>
+        <p:txBody>
+          <a:bodyPr anchor="ctr"/>
+          <a:lstStyle/>
+          <a:p>
+            <a:pPr algn="ctr" eaLnBrk="1" latinLnBrk="0" hangingPunct="1"/>
+            <a:endParaRPr kumimoji="0" lang="en-US"/>
+          </a:p>
+        </p:txBody>
+      </p:sp>
+      <p:sp>
+        <p:nvSpPr>
+          <p:cNvPr id="29" name="Rectangle 28"/>
+          <p:cNvSpPr/>
+          <p:nvPr/>
         </p:nvSpPr>
         <p:spPr>
           <a:xfrm>
-            <a:off x="457200" y="1600200"/>
-            <a:ext cx="8229600" cy="4525963"/>
+            <a:off x="0" y="-1"/>
+            <a:ext cx="9144000" cy="310663"/>
           </a:xfrm>
           <a:prstGeom prst="rect">
             <a:avLst/>
           </a:prstGeom>
-        </p:spPr>
-        <p:txBody>
-          <a:bodyPr vert="horz" lIns="91440" tIns="45720" rIns="91440" bIns="45720" rtlCol="0">
-            <a:normAutofit/>
-          </a:bodyPr>
-          <a:lstStyle/>
-          <a:p>
-            <a:pPr lvl="0"/>
-            <a:r>
-              <a:rPr lang="en-US" smtClean="0"/>
-              <a:t>Click to edit Master text styles</a:t>
-            </a:r>
-          </a:p>
-          <a:p>
-            <a:pPr lvl="1"/>
-            <a:r>
-              <a:rPr lang="en-US" smtClean="0"/>
-              <a:t>Second level</a:t>
-            </a:r>
-          </a:p>
-          <a:p>
-            <a:pPr lvl="2"/>
-            <a:r>
-              <a:rPr lang="en-US" smtClean="0"/>
-              <a:t>Third level</a:t>
-            </a:r>
-          </a:p>
-          <a:p>
-            <a:pPr lvl="3"/>
-            <a:r>
-              <a:rPr lang="en-US" smtClean="0"/>
-              <a:t>Fourth level</a:t>
-            </a:r>
-          </a:p>
-          <a:p>
-            <a:pPr lvl="4"/>
-            <a:r>
-              <a:rPr lang="en-US" smtClean="0"/>
-              <a:t>Fifth level</a:t>
-            </a:r>
-            <a:endParaRPr lang="en-US"/>
-          </a:p>
-        </p:txBody>
-      </p:sp>
-      <p:sp>
-        <p:nvSpPr>
-          <p:cNvPr id="4" name="Date Placeholder 3"/>
-          <p:cNvSpPr>
-            <a:spLocks noGrp="1"/>
-          </p:cNvSpPr>
-          <p:nvPr>
-            <p:ph type="dt" sz="half" idx="2"/>
-          </p:nvPr>
+          <a:solidFill>
+            <a:schemeClr val="tx2">
+              <a:alpha val="100000"/>
+            </a:schemeClr>
+          </a:solidFill>
+          <a:ln w="50800" cap="rnd" cmpd="thickThin" algn="ctr">
+            <a:noFill/>
+            <a:prstDash val="solid"/>
+          </a:ln>
+          <a:effectLst/>
+        </p:spPr>
+        <p:style>
+          <a:lnRef idx="3">
+            <a:schemeClr val="lt1"/>
+          </a:lnRef>
+          <a:fillRef idx="1">
+            <a:schemeClr val="accent1"/>
+          </a:fillRef>
+          <a:effectRef idx="1">
+            <a:schemeClr val="accent1"/>
+          </a:effectRef>
+          <a:fontRef idx="minor">
+            <a:schemeClr val="lt1"/>
+          </a:fontRef>
+        </p:style>
+        <p:txBody>
+          <a:bodyPr anchor="ctr"/>
+          <a:lstStyle/>
+          <a:p>
+            <a:pPr algn="ctr" eaLnBrk="1" latinLnBrk="0" hangingPunct="1"/>
+            <a:endParaRPr kumimoji="0" lang="en-US"/>
+          </a:p>
+        </p:txBody>
+      </p:sp>
+      <p:sp>
+        <p:nvSpPr>
+          <p:cNvPr id="30" name="Rectangle 29"/>
+          <p:cNvSpPr/>
+          <p:nvPr/>
         </p:nvSpPr>
         <p:spPr>
           <a:xfrm>
-            <a:off x="457200" y="6356350"/>
-            <a:ext cx="2133600" cy="365125"/>
+            <a:off x="0" y="308276"/>
+            <a:ext cx="9144001" cy="91441"/>
           </a:xfrm>
           <a:prstGeom prst="rect">
             <a:avLst/>
           </a:prstGeom>
-        </p:spPr>
-        <p:txBody>
-          <a:bodyPr vert="horz" lIns="91440" tIns="45720" rIns="91440" bIns="45720" rtlCol="0" anchor="ctr"/>
+          <a:solidFill>
+            <a:schemeClr val="accent2">
+              <a:alpha val="100000"/>
+            </a:schemeClr>
+          </a:solidFill>
+          <a:ln w="50800" cap="rnd" cmpd="thickThin" algn="ctr">
+            <a:noFill/>
+            <a:prstDash val="solid"/>
+          </a:ln>
+          <a:effectLst/>
+        </p:spPr>
+        <p:style>
+          <a:lnRef idx="3">
+            <a:schemeClr val="lt1"/>
+          </a:lnRef>
+          <a:fillRef idx="1">
+            <a:schemeClr val="accent1"/>
+          </a:fillRef>
+          <a:effectRef idx="1">
+            <a:schemeClr val="accent1"/>
+          </a:effectRef>
+          <a:fontRef idx="minor">
+            <a:schemeClr val="lt1"/>
+          </a:fontRef>
+        </p:style>
+        <p:txBody>
+          <a:bodyPr anchor="ctr"/>
+          <a:lstStyle/>
+          <a:p>
+            <a:pPr algn="ctr" eaLnBrk="1" latinLnBrk="0" hangingPunct="1"/>
+            <a:endParaRPr kumimoji="0" lang="en-US"/>
+          </a:p>
+        </p:txBody>
+      </p:sp>
+      <p:sp>
+        <p:nvSpPr>
+          <p:cNvPr id="31" name="Rectangle 30"/>
+          <p:cNvSpPr/>
+          <p:nvPr/>
+        </p:nvSpPr>
+        <p:spPr>
+          <a:xfrm flipV="1">
+            <a:off x="5410182" y="360246"/>
+            <a:ext cx="3733819" cy="91087"/>
+          </a:xfrm>
+          <a:prstGeom prst="rect">
+            <a:avLst/>
+          </a:prstGeom>
+          <a:solidFill>
+            <a:schemeClr val="accent2">
+              <a:alpha val="100000"/>
+            </a:schemeClr>
+          </a:solidFill>
+          <a:ln w="50800" cap="rnd" cmpd="thickThin" algn="ctr">
+            <a:noFill/>
+            <a:prstDash val="solid"/>
+          </a:ln>
+          <a:effectLst/>
+        </p:spPr>
+        <p:style>
+          <a:lnRef idx="3">
+            <a:schemeClr val="lt1"/>
+          </a:lnRef>
+          <a:fillRef idx="1">
+            <a:schemeClr val="accent1"/>
+          </a:fillRef>
+          <a:effectRef idx="1">
+            <a:schemeClr val="accent1"/>
+          </a:effectRef>
+          <a:fontRef idx="minor">
+            <a:schemeClr val="lt1"/>
+          </a:fontRef>
+        </p:style>
+        <p:txBody>
+          <a:bodyPr anchor="ctr"/>
+          <a:lstStyle/>
+          <a:p>
+            <a:pPr algn="ctr" eaLnBrk="1" latinLnBrk="0" hangingPunct="1"/>
+            <a:endParaRPr kumimoji="0" lang="en-US"/>
+          </a:p>
+        </p:txBody>
+      </p:sp>
+      <p:sp>
+        <p:nvSpPr>
+          <p:cNvPr id="32" name="Rectangle 31"/>
+          <p:cNvSpPr/>
+          <p:nvPr/>
+        </p:nvSpPr>
+        <p:spPr>
+          <a:xfrm flipV="1">
+            <a:off x="5410200" y="440112"/>
+            <a:ext cx="3733801" cy="180035"/>
+          </a:xfrm>
+          <a:prstGeom prst="rect">
+            <a:avLst/>
+          </a:prstGeom>
+          <a:solidFill>
+            <a:schemeClr val="accent2">
+              <a:alpha val="50000"/>
+            </a:schemeClr>
+          </a:solidFill>
+          <a:ln w="50800" cap="rnd" cmpd="thickThin" algn="ctr">
+            <a:noFill/>
+            <a:prstDash val="solid"/>
+          </a:ln>
+          <a:effectLst/>
+        </p:spPr>
+        <p:style>
+          <a:lnRef idx="3">
+            <a:schemeClr val="lt1"/>
+          </a:lnRef>
+          <a:fillRef idx="1">
+            <a:schemeClr val="accent1"/>
+          </a:fillRef>
+          <a:effectRef idx="1">
+            <a:schemeClr val="accent1"/>
+          </a:effectRef>
+          <a:fontRef idx="minor">
+            <a:schemeClr val="lt1"/>
+          </a:fontRef>
+        </p:style>
+        <p:txBody>
+          <a:bodyPr anchor="ctr"/>
+          <a:lstStyle/>
+          <a:p>
+            <a:pPr algn="ctr" eaLnBrk="1" latinLnBrk="0" hangingPunct="1"/>
+            <a:endParaRPr kumimoji="0" lang="en-US"/>
+          </a:p>
+        </p:txBody>
+      </p:sp>
+      <p:sp useBgFill="1">
+        <p:nvSpPr>
+          <p:cNvPr id="33" name="Rounded Rectangle 32"/>
+          <p:cNvSpPr/>
+          <p:nvPr/>
+        </p:nvSpPr>
+        <p:spPr bwMode="white">
+          <a:xfrm>
+            <a:off x="5407339" y="497504"/>
+            <a:ext cx="3063240" cy="27432"/>
+          </a:xfrm>
+          <a:prstGeom prst="roundRect">
+            <a:avLst>
+              <a:gd name="adj" fmla="val 16667"/>
+            </a:avLst>
+          </a:prstGeom>
+          <a:ln w="50800" cap="rnd" cmpd="thickThin" algn="ctr">
+            <a:noFill/>
+            <a:prstDash val="solid"/>
+          </a:ln>
+          <a:effectLst/>
+        </p:spPr>
+        <p:style>
+          <a:lnRef idx="3">
+            <a:schemeClr val="lt1"/>
+          </a:lnRef>
+          <a:fillRef idx="1">
+            <a:schemeClr val="accent1"/>
+          </a:fillRef>
+          <a:effectRef idx="1">
+            <a:schemeClr val="accent1"/>
+          </a:effectRef>
+          <a:fontRef idx="minor">
+            <a:schemeClr val="lt1"/>
+          </a:fontRef>
+        </p:style>
+        <p:txBody>
+          <a:bodyPr anchor="ctr"/>
+          <a:lstStyle/>
+          <a:p>
+            <a:pPr algn="ctr" eaLnBrk="1" latinLnBrk="0" hangingPunct="1"/>
+            <a:endParaRPr kumimoji="0" lang="en-US"/>
+          </a:p>
+        </p:txBody>
+      </p:sp>
+      <p:sp useBgFill="1">
+        <p:nvSpPr>
+          <p:cNvPr id="34" name="Rounded Rectangle 33"/>
+          <p:cNvSpPr/>
+          <p:nvPr/>
+        </p:nvSpPr>
+        <p:spPr bwMode="white">
+          <a:xfrm>
+            <a:off x="7373646" y="588943"/>
+            <a:ext cx="1600200" cy="36576"/>
+          </a:xfrm>
+          <a:prstGeom prst="roundRect">
+            <a:avLst>
+              <a:gd name="adj" fmla="val 16667"/>
+            </a:avLst>
+          </a:prstGeom>
+          <a:ln w="50800" cap="rnd" cmpd="thickThin" algn="ctr">
+            <a:noFill/>
+            <a:prstDash val="solid"/>
+          </a:ln>
+          <a:effectLst/>
+        </p:spPr>
+        <p:style>
+          <a:lnRef idx="3">
+            <a:schemeClr val="lt1"/>
+          </a:lnRef>
+          <a:fillRef idx="1">
+            <a:schemeClr val="accent1"/>
+          </a:fillRef>
+          <a:effectRef idx="1">
+            <a:schemeClr val="accent1"/>
+          </a:effectRef>
+          <a:fontRef idx="minor">
+            <a:schemeClr val="lt1"/>
+          </a:fontRef>
+        </p:style>
+        <p:txBody>
+          <a:bodyPr anchor="ctr"/>
+          <a:lstStyle/>
+          <a:p>
+            <a:pPr algn="ctr" eaLnBrk="1" latinLnBrk="0" hangingPunct="1"/>
+            <a:endParaRPr kumimoji="0" lang="en-US"/>
+          </a:p>
+        </p:txBody>
+      </p:sp>
+      <p:sp>
+        <p:nvSpPr>
+          <p:cNvPr id="35" name="Rectangle 34"/>
+          <p:cNvSpPr/>
+          <p:nvPr/>
+        </p:nvSpPr>
+        <p:spPr bwMode="invGray">
+          <a:xfrm>
+            <a:off x="9084966" y="-2001"/>
+            <a:ext cx="57626" cy="621792"/>
+          </a:xfrm>
+          <a:prstGeom prst="rect">
+            <a:avLst/>
+          </a:prstGeom>
+          <a:solidFill>
+            <a:srgbClr val="FFFFFF">
+              <a:alpha val="65098"/>
+            </a:srgbClr>
+          </a:solidFill>
+          <a:ln w="50800" cap="rnd" cmpd="thickThin" algn="ctr">
+            <a:noFill/>
+            <a:prstDash val="solid"/>
+          </a:ln>
+          <a:effectLst/>
+        </p:spPr>
+        <p:style>
+          <a:lnRef idx="3">
+            <a:schemeClr val="lt1"/>
+          </a:lnRef>
+          <a:fillRef idx="1">
+            <a:schemeClr val="accent1"/>
+          </a:fillRef>
+          <a:effectRef idx="1">
+            <a:schemeClr val="accent1"/>
+          </a:effectRef>
+          <a:fontRef idx="minor">
+            <a:schemeClr val="lt1"/>
+          </a:fontRef>
+        </p:style>
+        <p:txBody>
+          <a:bodyPr anchor="ctr"/>
+          <a:lstStyle/>
+          <a:p>
+            <a:pPr algn="ctr" eaLnBrk="1" latinLnBrk="0" hangingPunct="1"/>
+            <a:endParaRPr kumimoji="0" lang="en-US" dirty="0"/>
+          </a:p>
+        </p:txBody>
+      </p:sp>
+      <p:sp>
+        <p:nvSpPr>
+          <p:cNvPr id="36" name="Rectangle 35"/>
+          <p:cNvSpPr/>
+          <p:nvPr/>
+        </p:nvSpPr>
+        <p:spPr bwMode="invGray">
+          <a:xfrm>
+            <a:off x="9044481" y="-2001"/>
+            <a:ext cx="27432" cy="621792"/>
+          </a:xfrm>
+          <a:prstGeom prst="rect">
+            <a:avLst/>
+          </a:prstGeom>
+          <a:solidFill>
+            <a:srgbClr val="FFFFFF">
+              <a:alpha val="65098"/>
+            </a:srgbClr>
+          </a:solidFill>
+          <a:ln w="50800" cap="rnd" cmpd="thickThin" algn="ctr">
+            <a:noFill/>
+            <a:prstDash val="solid"/>
+          </a:ln>
+          <a:effectLst/>
+        </p:spPr>
+        <p:style>
+          <a:lnRef idx="3">
+            <a:schemeClr val="lt1"/>
+          </a:lnRef>
+          <a:fillRef idx="1">
+            <a:schemeClr val="accent1"/>
+          </a:fillRef>
+          <a:effectRef idx="1">
+            <a:schemeClr val="accent1"/>
+          </a:effectRef>
+          <a:fontRef idx="minor">
+            <a:schemeClr val="lt1"/>
+          </a:fontRef>
+        </p:style>
+        <p:txBody>
+          <a:bodyPr anchor="ctr"/>
+          <a:lstStyle/>
+          <a:p>
+            <a:pPr algn="ctr" eaLnBrk="1" latinLnBrk="0" hangingPunct="1"/>
+            <a:endParaRPr kumimoji="0" lang="en-US" dirty="0"/>
+          </a:p>
+        </p:txBody>
+      </p:sp>
+      <p:sp>
+        <p:nvSpPr>
+          <p:cNvPr id="37" name="Rectangle 36"/>
+          <p:cNvSpPr/>
+          <p:nvPr/>
+        </p:nvSpPr>
+        <p:spPr bwMode="invGray">
+          <a:xfrm>
+            <a:off x="9025428" y="-2001"/>
+            <a:ext cx="9144" cy="621792"/>
+          </a:xfrm>
+          <a:prstGeom prst="rect">
+            <a:avLst/>
+          </a:prstGeom>
+          <a:solidFill>
+            <a:srgbClr val="FFFFFF">
+              <a:alpha val="60000"/>
+            </a:srgbClr>
+          </a:solidFill>
+          <a:ln w="50800" cap="rnd" cmpd="thickThin" algn="ctr">
+            <a:noFill/>
+            <a:prstDash val="solid"/>
+          </a:ln>
+          <a:effectLst/>
+        </p:spPr>
+        <p:style>
+          <a:lnRef idx="3">
+            <a:schemeClr val="lt1"/>
+          </a:lnRef>
+          <a:fillRef idx="1">
+            <a:schemeClr val="accent1"/>
+          </a:fillRef>
+          <a:effectRef idx="1">
+            <a:schemeClr val="accent1"/>
+          </a:effectRef>
+          <a:fontRef idx="minor">
+            <a:schemeClr val="lt1"/>
+          </a:fontRef>
+        </p:style>
+        <p:txBody>
+          <a:bodyPr anchor="ctr"/>
+          <a:lstStyle/>
+          <a:p>
+            <a:pPr algn="ctr" eaLnBrk="1" latinLnBrk="0" hangingPunct="1"/>
+            <a:endParaRPr kumimoji="0" lang="en-US"/>
+          </a:p>
+        </p:txBody>
+      </p:sp>
+      <p:sp>
+        <p:nvSpPr>
+          <p:cNvPr id="38" name="Rectangle 37"/>
+          <p:cNvSpPr/>
+          <p:nvPr/>
+        </p:nvSpPr>
+        <p:spPr bwMode="invGray">
+          <a:xfrm>
+            <a:off x="8975423" y="-2001"/>
+            <a:ext cx="27432" cy="621792"/>
+          </a:xfrm>
+          <a:prstGeom prst="rect">
+            <a:avLst/>
+          </a:prstGeom>
+          <a:solidFill>
+            <a:srgbClr val="FFFFFF">
+              <a:alpha val="40000"/>
+            </a:srgbClr>
+          </a:solidFill>
+          <a:ln w="50800" cap="rnd" cmpd="thickThin" algn="ctr">
+            <a:noFill/>
+            <a:prstDash val="solid"/>
+          </a:ln>
+          <a:effectLst/>
+        </p:spPr>
+        <p:style>
+          <a:lnRef idx="3">
+            <a:schemeClr val="lt1"/>
+          </a:lnRef>
+          <a:fillRef idx="1">
+            <a:schemeClr val="accent1"/>
+          </a:fillRef>
+          <a:effectRef idx="1">
+            <a:schemeClr val="accent1"/>
+          </a:effectRef>
+          <a:fontRef idx="minor">
+            <a:schemeClr val="lt1"/>
+          </a:fontRef>
+        </p:style>
+        <p:txBody>
+          <a:bodyPr anchor="ctr"/>
+          <a:lstStyle/>
+          <a:p>
+            <a:pPr algn="ctr" eaLnBrk="1" latinLnBrk="0" hangingPunct="1"/>
+            <a:endParaRPr kumimoji="0" lang="en-US"/>
+          </a:p>
+        </p:txBody>
+      </p:sp>
+      <p:sp>
+        <p:nvSpPr>
+          <p:cNvPr id="39" name="Rectangle 38"/>
+          <p:cNvSpPr/>
+          <p:nvPr/>
+        </p:nvSpPr>
+        <p:spPr bwMode="invGray">
+          <a:xfrm>
+            <a:off x="8915677" y="380"/>
+            <a:ext cx="54864" cy="585216"/>
+          </a:xfrm>
+          <a:prstGeom prst="rect">
+            <a:avLst/>
+          </a:prstGeom>
+          <a:solidFill>
+            <a:srgbClr val="FFFFFF">
+              <a:alpha val="20000"/>
+            </a:srgbClr>
+          </a:solidFill>
+          <a:ln w="50800" cap="rnd" cmpd="thickThin" algn="ctr">
+            <a:noFill/>
+            <a:prstDash val="solid"/>
+          </a:ln>
+          <a:effectLst/>
+        </p:spPr>
+        <p:style>
+          <a:lnRef idx="3">
+            <a:schemeClr val="lt1"/>
+          </a:lnRef>
+          <a:fillRef idx="1">
+            <a:schemeClr val="accent1"/>
+          </a:fillRef>
+          <a:effectRef idx="1">
+            <a:schemeClr val="accent1"/>
+          </a:effectRef>
+          <a:fontRef idx="minor">
+            <a:schemeClr val="lt1"/>
+          </a:fontRef>
+        </p:style>
+        <p:txBody>
+          <a:bodyPr anchor="ctr"/>
+          <a:lstStyle/>
+          <a:p>
+            <a:pPr algn="ctr" eaLnBrk="1" latinLnBrk="0" hangingPunct="1"/>
+            <a:endParaRPr kumimoji="0" lang="en-US"/>
+          </a:p>
+        </p:txBody>
+      </p:sp>
+      <p:sp>
+        <p:nvSpPr>
+          <p:cNvPr id="40" name="Rectangle 39"/>
+          <p:cNvSpPr/>
+          <p:nvPr/>
+        </p:nvSpPr>
+        <p:spPr bwMode="invGray">
+          <a:xfrm>
+            <a:off x="8873475" y="380"/>
+            <a:ext cx="9144" cy="585216"/>
+          </a:xfrm>
+          <a:prstGeom prst="rect">
+            <a:avLst/>
+          </a:prstGeom>
+          <a:solidFill>
+            <a:srgbClr val="FFFFFF">
+              <a:alpha val="30196"/>
+            </a:srgbClr>
+          </a:solidFill>
+          <a:ln w="50800" cap="rnd" cmpd="thickThin" algn="ctr">
+            <a:noFill/>
+            <a:prstDash val="solid"/>
+          </a:ln>
+          <a:effectLst/>
+        </p:spPr>
+        <p:style>
+          <a:lnRef idx="3">
+            <a:schemeClr val="lt1"/>
+          </a:lnRef>
+          <a:fillRef idx="1">
+            <a:schemeClr val="accent1"/>
+          </a:fillRef>
+          <a:effectRef idx="1">
+            <a:schemeClr val="accent1"/>
+          </a:effectRef>
+          <a:fontRef idx="minor">
+            <a:schemeClr val="lt1"/>
+          </a:fontRef>
+        </p:style>
+        <p:txBody>
+          <a:bodyPr anchor="ctr"/>
+          <a:lstStyle/>
+          <a:p>
+            <a:pPr algn="ctr" eaLnBrk="1" latinLnBrk="0" hangingPunct="1"/>
+            <a:endParaRPr kumimoji="0" lang="en-US" dirty="0"/>
+          </a:p>
+        </p:txBody>
+      </p:sp>
+      <p:sp>
+        <p:nvSpPr>
+          <p:cNvPr id="22" name="Title Placeholder 21"/>
+          <p:cNvSpPr>
+            <a:spLocks noGrp="1"/>
+          </p:cNvSpPr>
+          <p:nvPr>
+            <p:ph type="title"/>
+          </p:nvPr>
+        </p:nvSpPr>
+        <p:spPr>
+          <a:xfrm>
+            <a:off x="457200" y="1143000"/>
+            <a:ext cx="8229600" cy="1066800"/>
+          </a:xfrm>
+          <a:prstGeom prst="rect">
+            <a:avLst/>
+          </a:prstGeom>
+        </p:spPr>
+        <p:txBody>
+          <a:bodyPr vert="horz" anchor="ctr">
+            <a:normAutofit/>
+          </a:bodyPr>
+          <a:lstStyle/>
+          <a:p>
+            <a:r>
+              <a:rPr kumimoji="0" lang="en-US" smtClean="0"/>
+              <a:t>Click to edit Master title style</a:t>
+            </a:r>
+            <a:endParaRPr kumimoji="0" lang="en-US"/>
+          </a:p>
+        </p:txBody>
+      </p:sp>
+      <p:sp>
+        <p:nvSpPr>
+          <p:cNvPr id="13" name="Text Placeholder 12"/>
+          <p:cNvSpPr>
+            <a:spLocks noGrp="1"/>
+          </p:cNvSpPr>
+          <p:nvPr>
+            <p:ph type="body" idx="1"/>
+          </p:nvPr>
+        </p:nvSpPr>
+        <p:spPr>
+          <a:xfrm>
+            <a:off x="457200" y="2249424"/>
+            <a:ext cx="8229600" cy="4325112"/>
+          </a:xfrm>
+          <a:prstGeom prst="rect">
+            <a:avLst/>
+          </a:prstGeom>
+        </p:spPr>
+        <p:txBody>
+          <a:bodyPr vert="horz">
+            <a:normAutofit/>
+          </a:bodyPr>
+          <a:lstStyle/>
+          <a:p>
+            <a:pPr lvl="0" eaLnBrk="1" latinLnBrk="0" hangingPunct="1"/>
+            <a:r>
+              <a:rPr kumimoji="0" lang="en-US" smtClean="0"/>
+              <a:t>Click to edit Master text styles</a:t>
+            </a:r>
+          </a:p>
+          <a:p>
+            <a:pPr lvl="1" eaLnBrk="1" latinLnBrk="0" hangingPunct="1"/>
+            <a:r>
+              <a:rPr kumimoji="0" lang="en-US" smtClean="0"/>
+              <a:t>Second level</a:t>
+            </a:r>
+          </a:p>
+          <a:p>
+            <a:pPr lvl="2" eaLnBrk="1" latinLnBrk="0" hangingPunct="1"/>
+            <a:r>
+              <a:rPr kumimoji="0" lang="en-US" smtClean="0"/>
+              <a:t>Third level</a:t>
+            </a:r>
+          </a:p>
+          <a:p>
+            <a:pPr lvl="3" eaLnBrk="1" latinLnBrk="0" hangingPunct="1"/>
+            <a:r>
+              <a:rPr kumimoji="0" lang="en-US" smtClean="0"/>
+              <a:t>Fourth level</a:t>
+            </a:r>
+          </a:p>
+          <a:p>
+            <a:pPr lvl="4" eaLnBrk="1" latinLnBrk="0" hangingPunct="1"/>
+            <a:r>
+              <a:rPr kumimoji="0" lang="en-US" smtClean="0"/>
+              <a:t>Fifth level</a:t>
+            </a:r>
+            <a:endParaRPr kumimoji="0" lang="en-US"/>
+          </a:p>
+        </p:txBody>
+      </p:sp>
+      <p:sp>
+        <p:nvSpPr>
+          <p:cNvPr id="14" name="Date Placeholder 13"/>
+          <p:cNvSpPr>
+            <a:spLocks noGrp="1"/>
+          </p:cNvSpPr>
+          <p:nvPr>
+            <p:ph type="dt" sz="half" idx="2"/>
+          </p:nvPr>
+        </p:nvSpPr>
+        <p:spPr>
+          <a:xfrm>
+            <a:off x="6586536" y="612648"/>
+            <a:ext cx="957264" cy="457200"/>
+          </a:xfrm>
+          <a:prstGeom prst="rect">
+            <a:avLst/>
+          </a:prstGeom>
+        </p:spPr>
+        <p:txBody>
+          <a:bodyPr vert="horz"/>
           <a:lstStyle>
-            <a:lvl1pPr algn="l">
-              <a:defRPr sz="1200">
+            <a:lvl1pPr algn="l" eaLnBrk="1" latinLnBrk="0" hangingPunct="1">
+              <a:defRPr kumimoji="0" sz="800">
                 <a:solidFill>
-                  <a:schemeClr val="tx1">
-                    <a:tint val="75000"/>
-                  </a:schemeClr>
+                  <a:schemeClr val="accent2"/>
                 </a:solidFill>
               </a:defRPr>
             </a:lvl1pPr>
@@ -3561,7 +4624,7 @@
       </p:sp>
       <p:sp>
         <p:nvSpPr>
-          <p:cNvPr id="5" name="Footer Placeholder 4"/>
+          <p:cNvPr id="3" name="Footer Placeholder 2"/>
           <p:cNvSpPr>
             <a:spLocks noGrp="1"/>
           </p:cNvSpPr>
@@ -3571,22 +4634,20 @@
         </p:nvSpPr>
         <p:spPr>
           <a:xfrm>
-            <a:off x="3124200" y="6356350"/>
-            <a:ext cx="2895600" cy="365125"/>
+            <a:off x="5257800" y="612648"/>
+            <a:ext cx="1325880" cy="457200"/>
           </a:xfrm>
           <a:prstGeom prst="rect">
             <a:avLst/>
           </a:prstGeom>
         </p:spPr>
         <p:txBody>
-          <a:bodyPr vert="horz" lIns="91440" tIns="45720" rIns="91440" bIns="45720" rtlCol="0" anchor="ctr"/>
+          <a:bodyPr vert="horz"/>
           <a:lstStyle>
-            <a:lvl1pPr algn="ctr">
-              <a:defRPr sz="1200">
+            <a:lvl1pPr algn="r" eaLnBrk="1" latinLnBrk="0" hangingPunct="1">
+              <a:defRPr kumimoji="0" sz="800">
                 <a:solidFill>
-                  <a:schemeClr val="tx1">
-                    <a:tint val="75000"/>
-                  </a:schemeClr>
+                  <a:schemeClr val="accent2"/>
                 </a:solidFill>
               </a:defRPr>
             </a:lvl1pPr>
@@ -3598,7 +4659,7 @@
       </p:sp>
       <p:sp>
         <p:nvSpPr>
-          <p:cNvPr id="6" name="Slide Number Placeholder 5"/>
+          <p:cNvPr id="23" name="Slide Number Placeholder 22"/>
           <p:cNvSpPr>
             <a:spLocks noGrp="1"/>
           </p:cNvSpPr>
@@ -3608,22 +4669,20 @@
         </p:nvSpPr>
         <p:spPr>
           <a:xfrm>
-            <a:off x="6553200" y="6356350"/>
-            <a:ext cx="2133600" cy="365125"/>
+            <a:off x="8174736" y="2272"/>
+            <a:ext cx="762000" cy="365760"/>
           </a:xfrm>
           <a:prstGeom prst="rect">
             <a:avLst/>
           </a:prstGeom>
         </p:spPr>
         <p:txBody>
-          <a:bodyPr vert="horz" lIns="91440" tIns="45720" rIns="91440" bIns="45720" rtlCol="0" anchor="ctr"/>
+          <a:bodyPr vert="horz" anchor="b"/>
           <a:lstStyle>
-            <a:lvl1pPr algn="r">
-              <a:defRPr sz="1200">
+            <a:lvl1pPr algn="r" eaLnBrk="1" latinLnBrk="0" hangingPunct="1">
+              <a:defRPr kumimoji="0" sz="1800">
                 <a:solidFill>
-                  <a:schemeClr val="tx1">
-                    <a:tint val="75000"/>
-                  </a:schemeClr>
+                  <a:srgbClr val="FFFFFF"/>
                 </a:solidFill>
               </a:defRPr>
             </a:lvl1pPr>
@@ -3642,28 +4701,28 @@
   </p:cSld>
   <p:clrMap bg1="lt1" tx1="dk1" bg2="lt2" tx2="dk2" accent1="accent1" accent2="accent2" accent3="accent3" accent4="accent4" accent5="accent5" accent6="accent6" hlink="hlink" folHlink="folHlink"/>
   <p:sldLayoutIdLst>
-    <p:sldLayoutId id="2147483649" r:id="rId1"/>
-    <p:sldLayoutId id="2147483650" r:id="rId2"/>
-    <p:sldLayoutId id="2147483651" r:id="rId3"/>
-    <p:sldLayoutId id="2147483652" r:id="rId4"/>
-    <p:sldLayoutId id="2147483653" r:id="rId5"/>
-    <p:sldLayoutId id="2147483654" r:id="rId6"/>
-    <p:sldLayoutId id="2147483655" r:id="rId7"/>
-    <p:sldLayoutId id="2147483656" r:id="rId8"/>
-    <p:sldLayoutId id="2147483657" r:id="rId9"/>
-    <p:sldLayoutId id="2147483658" r:id="rId10"/>
-    <p:sldLayoutId id="2147483659" r:id="rId11"/>
+    <p:sldLayoutId id="2147483949" r:id="rId1"/>
+    <p:sldLayoutId id="2147483950" r:id="rId2"/>
+    <p:sldLayoutId id="2147483951" r:id="rId3"/>
+    <p:sldLayoutId id="2147483952" r:id="rId4"/>
+    <p:sldLayoutId id="2147483953" r:id="rId5"/>
+    <p:sldLayoutId id="2147483954" r:id="rId6"/>
+    <p:sldLayoutId id="2147483955" r:id="rId7"/>
+    <p:sldLayoutId id="2147483956" r:id="rId8"/>
+    <p:sldLayoutId id="2147483957" r:id="rId9"/>
+    <p:sldLayoutId id="2147483958" r:id="rId10"/>
+    <p:sldLayoutId id="2147483959" r:id="rId11"/>
   </p:sldLayoutIdLst>
   <p:txStyles>
     <p:titleStyle>
-      <a:lvl1pPr algn="ctr" defTabSz="914400" rtl="0" eaLnBrk="1" latinLnBrk="0" hangingPunct="1">
+      <a:lvl1pPr algn="l" rtl="0" eaLnBrk="1" latinLnBrk="0" hangingPunct="1">
         <a:spcBef>
           <a:spcPct val="0"/>
         </a:spcBef>
         <a:buNone/>
-        <a:defRPr sz="4400" kern="1200">
+        <a:defRPr kumimoji="0" sz="4000" kern="1200">
           <a:solidFill>
-            <a:schemeClr val="tx1"/>
+            <a:schemeClr val="tx2"/>
           </a:solidFill>
           <a:latin typeface="+mj-lt"/>
           <a:ea typeface="+mj-ea"/>
@@ -3672,13 +4731,16 @@
       </a:lvl1pPr>
     </p:titleStyle>
     <p:bodyStyle>
-      <a:lvl1pPr marL="342900" indent="-342900" algn="l" defTabSz="914400" rtl="0" eaLnBrk="1" latinLnBrk="0" hangingPunct="1">
+      <a:lvl1pPr marL="365760" indent="-256032" algn="l" rtl="0" eaLnBrk="1" latinLnBrk="0" hangingPunct="1">
         <a:spcBef>
-          <a:spcPct val="20000"/>
+          <a:spcPts val="300"/>
         </a:spcBef>
-        <a:buFont typeface="Arial" pitchFamily="34" charset="0"/>
+        <a:buClr>
+          <a:schemeClr val="accent3"/>
+        </a:buClr>
+        <a:buFont typeface="Georgia"/>
         <a:buChar char="•"/>
-        <a:defRPr sz="3200" kern="1200">
+        <a:defRPr kumimoji="0" sz="2800" kern="1200">
           <a:solidFill>
             <a:schemeClr val="tx1"/>
           </a:solidFill>
@@ -3687,13 +4749,164 @@
           <a:cs typeface="+mn-cs"/>
         </a:defRPr>
       </a:lvl1pPr>
-      <a:lvl2pPr marL="742950" indent="-285750" algn="l" defTabSz="914400" rtl="0" eaLnBrk="1" latinLnBrk="0" hangingPunct="1">
+      <a:lvl2pPr marL="658368" indent="-246888" algn="l" rtl="0" eaLnBrk="1" latinLnBrk="0" hangingPunct="1">
         <a:spcBef>
-          <a:spcPct val="20000"/>
+          <a:spcPts val="300"/>
         </a:spcBef>
-        <a:buFont typeface="Arial" pitchFamily="34" charset="0"/>
-        <a:buChar char="–"/>
-        <a:defRPr sz="2800" kern="1200">
+        <a:buClr>
+          <a:schemeClr val="accent2"/>
+        </a:buClr>
+        <a:buFont typeface="Georgia"/>
+        <a:buChar char="▫"/>
+        <a:defRPr kumimoji="0" sz="2600" kern="1200">
+          <a:solidFill>
+            <a:schemeClr val="accent2"/>
+          </a:solidFill>
+          <a:latin typeface="+mn-lt"/>
+          <a:ea typeface="+mn-ea"/>
+          <a:cs typeface="+mn-cs"/>
+        </a:defRPr>
+      </a:lvl2pPr>
+      <a:lvl3pPr marL="923544" indent="-219456" algn="l" rtl="0" eaLnBrk="1" latinLnBrk="0" hangingPunct="1">
+        <a:spcBef>
+          <a:spcPts val="300"/>
+        </a:spcBef>
+        <a:buClr>
+          <a:schemeClr val="accent1"/>
+        </a:buClr>
+        <a:buFont typeface="Wingdings 2"/>
+        <a:buChar char=""/>
+        <a:defRPr kumimoji="0" sz="2400" kern="1200">
+          <a:solidFill>
+            <a:schemeClr val="accent1"/>
+          </a:solidFill>
+          <a:latin typeface="+mn-lt"/>
+          <a:ea typeface="+mn-ea"/>
+          <a:cs typeface="+mn-cs"/>
+        </a:defRPr>
+      </a:lvl3pPr>
+      <a:lvl4pPr marL="1179576" indent="-201168" algn="l" rtl="0" eaLnBrk="1" latinLnBrk="0" hangingPunct="1">
+        <a:spcBef>
+          <a:spcPts val="300"/>
+        </a:spcBef>
+        <a:buClr>
+          <a:schemeClr val="accent1"/>
+        </a:buClr>
+        <a:buFont typeface="Wingdings 2"/>
+        <a:buChar char=""/>
+        <a:defRPr kumimoji="0" sz="2200" kern="1200">
+          <a:solidFill>
+            <a:schemeClr val="accent1"/>
+          </a:solidFill>
+          <a:latin typeface="+mn-lt"/>
+          <a:ea typeface="+mn-ea"/>
+          <a:cs typeface="+mn-cs"/>
+        </a:defRPr>
+      </a:lvl4pPr>
+      <a:lvl5pPr marL="1389888" indent="-182880" algn="l" rtl="0" eaLnBrk="1" latinLnBrk="0" hangingPunct="1">
+        <a:spcBef>
+          <a:spcPts val="300"/>
+        </a:spcBef>
+        <a:buClr>
+          <a:schemeClr val="accent3"/>
+        </a:buClr>
+        <a:buFont typeface="Georgia"/>
+        <a:buChar char="▫"/>
+        <a:defRPr kumimoji="0" sz="2000" kern="1200">
+          <a:solidFill>
+            <a:schemeClr val="accent3"/>
+          </a:solidFill>
+          <a:latin typeface="+mn-lt"/>
+          <a:ea typeface="+mn-ea"/>
+          <a:cs typeface="+mn-cs"/>
+        </a:defRPr>
+      </a:lvl5pPr>
+      <a:lvl6pPr marL="1609344" indent="-182880" algn="l" rtl="0" eaLnBrk="1" latinLnBrk="0" hangingPunct="1">
+        <a:spcBef>
+          <a:spcPts val="300"/>
+        </a:spcBef>
+        <a:buClr>
+          <a:schemeClr val="accent3"/>
+        </a:buClr>
+        <a:buFont typeface="Georgia"/>
+        <a:buChar char="▫"/>
+        <a:defRPr kumimoji="0" sz="1800" kern="1200">
+          <a:solidFill>
+            <a:schemeClr val="accent3"/>
+          </a:solidFill>
+          <a:latin typeface="+mn-lt"/>
+          <a:ea typeface="+mn-ea"/>
+          <a:cs typeface="+mn-cs"/>
+        </a:defRPr>
+      </a:lvl6pPr>
+      <a:lvl7pPr marL="1828800" indent="-182880" algn="l" rtl="0" eaLnBrk="1" latinLnBrk="0" hangingPunct="1">
+        <a:spcBef>
+          <a:spcPts val="300"/>
+        </a:spcBef>
+        <a:buClr>
+          <a:schemeClr val="accent3"/>
+        </a:buClr>
+        <a:buFont typeface="Georgia"/>
+        <a:buChar char="▫"/>
+        <a:defRPr kumimoji="0" sz="1600" kern="1200">
+          <a:solidFill>
+            <a:schemeClr val="accent3"/>
+          </a:solidFill>
+          <a:latin typeface="+mn-lt"/>
+          <a:ea typeface="+mn-ea"/>
+          <a:cs typeface="+mn-cs"/>
+        </a:defRPr>
+      </a:lvl7pPr>
+      <a:lvl8pPr marL="2029968" indent="-182880" algn="l" rtl="0" eaLnBrk="1" latinLnBrk="0" hangingPunct="1">
+        <a:spcBef>
+          <a:spcPts val="300"/>
+        </a:spcBef>
+        <a:buClr>
+          <a:schemeClr val="accent3"/>
+        </a:buClr>
+        <a:buFont typeface="Georgia"/>
+        <a:buChar char="◦"/>
+        <a:defRPr kumimoji="0" sz="1500" kern="1200">
+          <a:solidFill>
+            <a:schemeClr val="accent3"/>
+          </a:solidFill>
+          <a:latin typeface="+mn-lt"/>
+          <a:ea typeface="+mn-ea"/>
+          <a:cs typeface="+mn-cs"/>
+        </a:defRPr>
+      </a:lvl8pPr>
+      <a:lvl9pPr marL="2240280" indent="-182880" algn="l" rtl="0" eaLnBrk="1" latinLnBrk="0" hangingPunct="1">
+        <a:spcBef>
+          <a:spcPts val="300"/>
+        </a:spcBef>
+        <a:buClr>
+          <a:schemeClr val="accent3"/>
+        </a:buClr>
+        <a:buFont typeface="Georgia"/>
+        <a:buChar char="◦"/>
+        <a:defRPr kumimoji="0" sz="1400" kern="1200" baseline="0">
+          <a:solidFill>
+            <a:schemeClr val="accent3"/>
+          </a:solidFill>
+          <a:latin typeface="+mn-lt"/>
+          <a:ea typeface="+mn-ea"/>
+          <a:cs typeface="+mn-cs"/>
+        </a:defRPr>
+      </a:lvl9pPr>
+    </p:bodyStyle>
+    <p:otherStyle>
+      <a:lvl1pPr marL="0" algn="l" rtl="0" eaLnBrk="1" latinLnBrk="0" hangingPunct="1">
+        <a:defRPr kumimoji="0" kern="1200">
+          <a:solidFill>
+            <a:schemeClr val="tx1"/>
+          </a:solidFill>
+          <a:latin typeface="+mn-lt"/>
+          <a:ea typeface="+mn-ea"/>
+          <a:cs typeface="+mn-cs"/>
+        </a:defRPr>
+      </a:lvl1pPr>
+      <a:lvl2pPr marL="457200" algn="l" rtl="0" eaLnBrk="1" latinLnBrk="0" hangingPunct="1">
+        <a:defRPr kumimoji="0" kern="1200">
           <a:solidFill>
             <a:schemeClr val="tx1"/>
           </a:solidFill>
@@ -3702,13 +4915,8 @@
           <a:cs typeface="+mn-cs"/>
         </a:defRPr>
       </a:lvl2pPr>
-      <a:lvl3pPr marL="1143000" indent="-228600" algn="l" defTabSz="914400" rtl="0" eaLnBrk="1" latinLnBrk="0" hangingPunct="1">
-        <a:spcBef>
-          <a:spcPct val="20000"/>
-        </a:spcBef>
-        <a:buFont typeface="Arial" pitchFamily="34" charset="0"/>
-        <a:buChar char="•"/>
-        <a:defRPr sz="2400" kern="1200">
+      <a:lvl3pPr marL="914400" algn="l" rtl="0" eaLnBrk="1" latinLnBrk="0" hangingPunct="1">
+        <a:defRPr kumimoji="0" kern="1200">
           <a:solidFill>
             <a:schemeClr val="tx1"/>
           </a:solidFill>
@@ -3717,13 +4925,8 @@
           <a:cs typeface="+mn-cs"/>
         </a:defRPr>
       </a:lvl3pPr>
-      <a:lvl4pPr marL="1600200" indent="-228600" algn="l" defTabSz="914400" rtl="0" eaLnBrk="1" latinLnBrk="0" hangingPunct="1">
-        <a:spcBef>
-          <a:spcPct val="20000"/>
-        </a:spcBef>
-        <a:buFont typeface="Arial" pitchFamily="34" charset="0"/>
-        <a:buChar char="–"/>
-        <a:defRPr sz="2000" kern="1200">
+      <a:lvl4pPr marL="1371600" algn="l" rtl="0" eaLnBrk="1" latinLnBrk="0" hangingPunct="1">
+        <a:defRPr kumimoji="0" kern="1200">
           <a:solidFill>
             <a:schemeClr val="tx1"/>
           </a:solidFill>
@@ -3732,13 +4935,8 @@
           <a:cs typeface="+mn-cs"/>
         </a:defRPr>
       </a:lvl4pPr>
-      <a:lvl5pPr marL="2057400" indent="-228600" algn="l" defTabSz="914400" rtl="0" eaLnBrk="1" latinLnBrk="0" hangingPunct="1">
-        <a:spcBef>
-          <a:spcPct val="20000"/>
-        </a:spcBef>
-        <a:buFont typeface="Arial" pitchFamily="34" charset="0"/>
-        <a:buChar char="»"/>
-        <a:defRPr sz="2000" kern="1200">
+      <a:lvl5pPr marL="1828800" algn="l" rtl="0" eaLnBrk="1" latinLnBrk="0" hangingPunct="1">
+        <a:defRPr kumimoji="0" kern="1200">
           <a:solidFill>
             <a:schemeClr val="tx1"/>
           </a:solidFill>
@@ -3747,13 +4945,8 @@
           <a:cs typeface="+mn-cs"/>
         </a:defRPr>
       </a:lvl5pPr>
-      <a:lvl6pPr marL="2514600" indent="-228600" algn="l" defTabSz="914400" rtl="0" eaLnBrk="1" latinLnBrk="0" hangingPunct="1">
-        <a:spcBef>
-          <a:spcPct val="20000"/>
-        </a:spcBef>
-        <a:buFont typeface="Arial" pitchFamily="34" charset="0"/>
-        <a:buChar char="•"/>
-        <a:defRPr sz="2000" kern="1200">
+      <a:lvl6pPr marL="2286000" algn="l" rtl="0" eaLnBrk="1" latinLnBrk="0" hangingPunct="1">
+        <a:defRPr kumimoji="0" kern="1200">
           <a:solidFill>
             <a:schemeClr val="tx1"/>
           </a:solidFill>
@@ -3762,13 +4955,8 @@
           <a:cs typeface="+mn-cs"/>
         </a:defRPr>
       </a:lvl6pPr>
-      <a:lvl7pPr marL="2971800" indent="-228600" algn="l" defTabSz="914400" rtl="0" eaLnBrk="1" latinLnBrk="0" hangingPunct="1">
-        <a:spcBef>
-          <a:spcPct val="20000"/>
-        </a:spcBef>
-        <a:buFont typeface="Arial" pitchFamily="34" charset="0"/>
-        <a:buChar char="•"/>
-        <a:defRPr sz="2000" kern="1200">
+      <a:lvl7pPr marL="2743200" algn="l" rtl="0" eaLnBrk="1" latinLnBrk="0" hangingPunct="1">
+        <a:defRPr kumimoji="0" kern="1200">
           <a:solidFill>
             <a:schemeClr val="tx1"/>
           </a:solidFill>
@@ -3777,13 +4965,8 @@
           <a:cs typeface="+mn-cs"/>
         </a:defRPr>
       </a:lvl7pPr>
-      <a:lvl8pPr marL="3429000" indent="-228600" algn="l" defTabSz="914400" rtl="0" eaLnBrk="1" latinLnBrk="0" hangingPunct="1">
-        <a:spcBef>
-          <a:spcPct val="20000"/>
-        </a:spcBef>
-        <a:buFont typeface="Arial" pitchFamily="34" charset="0"/>
-        <a:buChar char="•"/>
-        <a:defRPr sz="2000" kern="1200">
+      <a:lvl8pPr marL="3200400" algn="l" rtl="0" eaLnBrk="1" latinLnBrk="0" hangingPunct="1">
+        <a:defRPr kumimoji="0" kern="1200">
           <a:solidFill>
             <a:schemeClr val="tx1"/>
           </a:solidFill>
@@ -3792,108 +4975,8 @@
           <a:cs typeface="+mn-cs"/>
         </a:defRPr>
       </a:lvl8pPr>
-      <a:lvl9pPr marL="3886200" indent="-228600" algn="l" defTabSz="914400" rtl="0" eaLnBrk="1" latinLnBrk="0" hangingPunct="1">
-        <a:spcBef>
-          <a:spcPct val="20000"/>
-        </a:spcBef>
-        <a:buFont typeface="Arial" pitchFamily="34" charset="0"/>
-        <a:buChar char="•"/>
-        <a:defRPr sz="2000" kern="1200">
-          <a:solidFill>
-            <a:schemeClr val="tx1"/>
-          </a:solidFill>
-          <a:latin typeface="+mn-lt"/>
-          <a:ea typeface="+mn-ea"/>
-          <a:cs typeface="+mn-cs"/>
-        </a:defRPr>
-      </a:lvl9pPr>
-    </p:bodyStyle>
-    <p:otherStyle>
-      <a:defPPr>
-        <a:defRPr lang="en-US"/>
-      </a:defPPr>
-      <a:lvl1pPr marL="0" algn="l" defTabSz="914400" rtl="0" eaLnBrk="1" latinLnBrk="0" hangingPunct="1">
-        <a:defRPr sz="1800" kern="1200">
-          <a:solidFill>
-            <a:schemeClr val="tx1"/>
-          </a:solidFill>
-          <a:latin typeface="+mn-lt"/>
-          <a:ea typeface="+mn-ea"/>
-          <a:cs typeface="+mn-cs"/>
-        </a:defRPr>
-      </a:lvl1pPr>
-      <a:lvl2pPr marL="457200" algn="l" defTabSz="914400" rtl="0" eaLnBrk="1" latinLnBrk="0" hangingPunct="1">
-        <a:defRPr sz="1800" kern="1200">
-          <a:solidFill>
-            <a:schemeClr val="tx1"/>
-          </a:solidFill>
-          <a:latin typeface="+mn-lt"/>
-          <a:ea typeface="+mn-ea"/>
-          <a:cs typeface="+mn-cs"/>
-        </a:defRPr>
-      </a:lvl2pPr>
-      <a:lvl3pPr marL="914400" algn="l" defTabSz="914400" rtl="0" eaLnBrk="1" latinLnBrk="0" hangingPunct="1">
-        <a:defRPr sz="1800" kern="1200">
-          <a:solidFill>
-            <a:schemeClr val="tx1"/>
-          </a:solidFill>
-          <a:latin typeface="+mn-lt"/>
-          <a:ea typeface="+mn-ea"/>
-          <a:cs typeface="+mn-cs"/>
-        </a:defRPr>
-      </a:lvl3pPr>
-      <a:lvl4pPr marL="1371600" algn="l" defTabSz="914400" rtl="0" eaLnBrk="1" latinLnBrk="0" hangingPunct="1">
-        <a:defRPr sz="1800" kern="1200">
-          <a:solidFill>
-            <a:schemeClr val="tx1"/>
-          </a:solidFill>
-          <a:latin typeface="+mn-lt"/>
-          <a:ea typeface="+mn-ea"/>
-          <a:cs typeface="+mn-cs"/>
-        </a:defRPr>
-      </a:lvl4pPr>
-      <a:lvl5pPr marL="1828800" algn="l" defTabSz="914400" rtl="0" eaLnBrk="1" latinLnBrk="0" hangingPunct="1">
-        <a:defRPr sz="1800" kern="1200">
-          <a:solidFill>
-            <a:schemeClr val="tx1"/>
-          </a:solidFill>
-          <a:latin typeface="+mn-lt"/>
-          <a:ea typeface="+mn-ea"/>
-          <a:cs typeface="+mn-cs"/>
-        </a:defRPr>
-      </a:lvl5pPr>
-      <a:lvl6pPr marL="2286000" algn="l" defTabSz="914400" rtl="0" eaLnBrk="1" latinLnBrk="0" hangingPunct="1">
-        <a:defRPr sz="1800" kern="1200">
-          <a:solidFill>
-            <a:schemeClr val="tx1"/>
-          </a:solidFill>
-          <a:latin typeface="+mn-lt"/>
-          <a:ea typeface="+mn-ea"/>
-          <a:cs typeface="+mn-cs"/>
-        </a:defRPr>
-      </a:lvl6pPr>
-      <a:lvl7pPr marL="2743200" algn="l" defTabSz="914400" rtl="0" eaLnBrk="1" latinLnBrk="0" hangingPunct="1">
-        <a:defRPr sz="1800" kern="1200">
-          <a:solidFill>
-            <a:schemeClr val="tx1"/>
-          </a:solidFill>
-          <a:latin typeface="+mn-lt"/>
-          <a:ea typeface="+mn-ea"/>
-          <a:cs typeface="+mn-cs"/>
-        </a:defRPr>
-      </a:lvl7pPr>
-      <a:lvl8pPr marL="3200400" algn="l" defTabSz="914400" rtl="0" eaLnBrk="1" latinLnBrk="0" hangingPunct="1">
-        <a:defRPr sz="1800" kern="1200">
-          <a:solidFill>
-            <a:schemeClr val="tx1"/>
-          </a:solidFill>
-          <a:latin typeface="+mn-lt"/>
-          <a:ea typeface="+mn-ea"/>
-          <a:cs typeface="+mn-cs"/>
-        </a:defRPr>
-      </a:lvl8pPr>
-      <a:lvl9pPr marL="3657600" algn="l" defTabSz="914400" rtl="0" eaLnBrk="1" latinLnBrk="0" hangingPunct="1">
-        <a:defRPr sz="1800" kern="1200">
+      <a:lvl9pPr marL="3657600" algn="l" rtl="0" eaLnBrk="1" latinLnBrk="0" hangingPunct="1">
+        <a:defRPr kumimoji="0" kern="1200">
           <a:solidFill>
             <a:schemeClr val="tx1"/>
           </a:solidFill>
@@ -3937,15 +5020,15 @@
         <p:spPr/>
         <p:txBody>
           <a:bodyPr>
-            <a:normAutofit/>
+            <a:noAutofit/>
           </a:bodyPr>
           <a:lstStyle/>
           <a:p>
             <a:r>
-              <a:rPr lang="en-US" sz="7200" dirty="0" smtClean="0"/>
+              <a:rPr lang="en-US" sz="9600" dirty="0" smtClean="0"/>
               <a:t>Touch 22</a:t>
             </a:r>
-            <a:endParaRPr lang="en-US" sz="7200" dirty="0"/>
+            <a:endParaRPr lang="en-US" sz="9600" dirty="0"/>
           </a:p>
         </p:txBody>
       </p:sp>
@@ -3961,7 +5044,7 @@
         </p:nvSpPr>
         <p:spPr>
           <a:xfrm>
-            <a:off x="1371600" y="3886200"/>
+            <a:off x="1219200" y="3886200"/>
             <a:ext cx="6400800" cy="2362200"/>
           </a:xfrm>
         </p:spPr>
@@ -3972,16 +5055,283 @@
           <a:lstStyle/>
           <a:p>
             <a:r>
-              <a:rPr lang="en-US" sz="2800" dirty="0" smtClean="0"/>
+              <a:rPr lang="en-US" sz="3200" dirty="0" smtClean="0"/>
               <a:t>Multi-touch Screen</a:t>
             </a:r>
           </a:p>
           <a:p>
             <a:r>
-              <a:rPr lang="en-US" sz="2800" dirty="0" smtClean="0"/>
+              <a:rPr lang="en-US" sz="3200" dirty="0" smtClean="0"/>
               <a:t>And Painting Canvas</a:t>
             </a:r>
-            <a:endParaRPr lang="en-US" sz="2800" dirty="0"/>
+            <a:endParaRPr lang="en-US" sz="3200" dirty="0"/>
+          </a:p>
+        </p:txBody>
+      </p:sp>
+    </p:spTree>
+  </p:cSld>
+  <p:clrMapOvr>
+    <a:masterClrMapping/>
+  </p:clrMapOvr>
+</p:sld>
+</file>
+
+<file path=ppt/slides/slide10.xml><?xml version="1.0" encoding="utf-8"?>
+<p:sld xmlns:a="http://schemas.openxmlformats.org/drawingml/2006/main" xmlns:r="http://schemas.openxmlformats.org/officeDocument/2006/relationships" xmlns:p="http://schemas.openxmlformats.org/presentationml/2006/main">
+  <p:cSld>
+    <p:spTree>
+      <p:nvGrpSpPr>
+        <p:cNvPr id="1" name=""/>
+        <p:cNvGrpSpPr/>
+        <p:nvPr/>
+      </p:nvGrpSpPr>
+      <p:grpSpPr>
+        <a:xfrm>
+          <a:off x="0" y="0"/>
+          <a:ext cx="0" cy="0"/>
+          <a:chOff x="0" y="0"/>
+          <a:chExt cx="0" cy="0"/>
+        </a:xfrm>
+      </p:grpSpPr>
+      <p:sp>
+        <p:nvSpPr>
+          <p:cNvPr id="2" name="Title 1"/>
+          <p:cNvSpPr>
+            <a:spLocks noGrp="1"/>
+          </p:cNvSpPr>
+          <p:nvPr>
+            <p:ph type="title"/>
+          </p:nvPr>
+        </p:nvSpPr>
+        <p:spPr/>
+        <p:txBody>
+          <a:bodyPr/>
+          <a:lstStyle/>
+          <a:p>
+            <a:r>
+              <a:rPr lang="en-US" dirty="0" smtClean="0"/>
+              <a:t>Development Software</a:t>
+            </a:r>
+            <a:endParaRPr lang="en-US" dirty="0"/>
+          </a:p>
+        </p:txBody>
+      </p:sp>
+      <p:sp>
+        <p:nvSpPr>
+          <p:cNvPr id="3" name="Content Placeholder 2"/>
+          <p:cNvSpPr>
+            <a:spLocks noGrp="1"/>
+          </p:cNvSpPr>
+          <p:nvPr>
+            <p:ph idx="1"/>
+          </p:nvPr>
+        </p:nvSpPr>
+        <p:spPr/>
+        <p:txBody>
+          <a:bodyPr/>
+          <a:lstStyle/>
+          <a:p>
+            <a:r>
+              <a:rPr lang="en-US" dirty="0" err="1" smtClean="0"/>
+              <a:t>TouchLib</a:t>
+            </a:r>
+            <a:endParaRPr lang="en-US" dirty="0" smtClean="0"/>
+          </a:p>
+          <a:p>
+            <a:pPr lvl="1"/>
+            <a:r>
+              <a:rPr lang="en-US" dirty="0" smtClean="0">
+                <a:hlinkClick r:id="rId3"/>
+              </a:rPr>
+              <a:t>www.touchlib.com</a:t>
+            </a:r>
+            <a:r>
+              <a:rPr lang="en-US" dirty="0" smtClean="0"/>
+              <a:t>	</a:t>
+            </a:r>
+          </a:p>
+          <a:p>
+            <a:r>
+              <a:rPr lang="en-US" dirty="0" err="1" smtClean="0"/>
+              <a:t>TuioSimulator</a:t>
+            </a:r>
+            <a:endParaRPr lang="en-US" dirty="0" smtClean="0"/>
+          </a:p>
+          <a:p>
+            <a:pPr lvl="1"/>
+            <a:r>
+              <a:rPr lang="en-US" dirty="0" smtClean="0">
+                <a:hlinkClick r:id="rId4"/>
+              </a:rPr>
+              <a:t>http://reactable.iua.upf.edu/?software</a:t>
+            </a:r>
+            <a:r>
+              <a:rPr lang="en-US" dirty="0" smtClean="0"/>
+              <a:t>	</a:t>
+            </a:r>
+          </a:p>
+          <a:p>
+            <a:r>
+              <a:rPr lang="en-US" dirty="0" smtClean="0"/>
+              <a:t>Adobe Flash Creative Suite 3</a:t>
+            </a:r>
+          </a:p>
+          <a:p>
+            <a:pPr lvl="1"/>
+            <a:r>
+              <a:rPr lang="en-US" dirty="0" smtClean="0">
+                <a:hlinkClick r:id="rId5"/>
+              </a:rPr>
+              <a:t>http://www.adobe.com/products/flash/</a:t>
+            </a:r>
+            <a:r>
+              <a:rPr lang="en-US" dirty="0" smtClean="0"/>
+              <a:t>	</a:t>
+            </a:r>
+            <a:endParaRPr lang="en-US" dirty="0"/>
+          </a:p>
+        </p:txBody>
+      </p:sp>
+    </p:spTree>
+  </p:cSld>
+  <p:clrMapOvr>
+    <a:masterClrMapping/>
+  </p:clrMapOvr>
+</p:sld>
+</file>
+
+<file path=ppt/slides/slide11.xml><?xml version="1.0" encoding="utf-8"?>
+<p:sld xmlns:a="http://schemas.openxmlformats.org/drawingml/2006/main" xmlns:r="http://schemas.openxmlformats.org/officeDocument/2006/relationships" xmlns:p="http://schemas.openxmlformats.org/presentationml/2006/main">
+  <p:cSld>
+    <p:spTree>
+      <p:nvGrpSpPr>
+        <p:cNvPr id="1" name=""/>
+        <p:cNvGrpSpPr/>
+        <p:nvPr/>
+      </p:nvGrpSpPr>
+      <p:grpSpPr>
+        <a:xfrm>
+          <a:off x="0" y="0"/>
+          <a:ext cx="0" cy="0"/>
+          <a:chOff x="0" y="0"/>
+          <a:chExt cx="0" cy="0"/>
+        </a:xfrm>
+      </p:grpSpPr>
+      <p:sp>
+        <p:nvSpPr>
+          <p:cNvPr id="2" name="Title 1"/>
+          <p:cNvSpPr>
+            <a:spLocks noGrp="1"/>
+          </p:cNvSpPr>
+          <p:nvPr>
+            <p:ph type="title"/>
+          </p:nvPr>
+        </p:nvSpPr>
+        <p:spPr/>
+        <p:txBody>
+          <a:bodyPr/>
+          <a:lstStyle/>
+          <a:p>
+            <a:r>
+              <a:rPr lang="en-US" dirty="0" smtClean="0"/>
+              <a:t>References</a:t>
+            </a:r>
+            <a:endParaRPr lang="en-US" dirty="0"/>
+          </a:p>
+        </p:txBody>
+      </p:sp>
+      <p:sp>
+        <p:nvSpPr>
+          <p:cNvPr id="3" name="Content Placeholder 2"/>
+          <p:cNvSpPr>
+            <a:spLocks noGrp="1"/>
+          </p:cNvSpPr>
+          <p:nvPr>
+            <p:ph idx="1"/>
+          </p:nvPr>
+        </p:nvSpPr>
+        <p:spPr/>
+        <p:txBody>
+          <a:bodyPr/>
+          <a:lstStyle/>
+          <a:p>
+            <a:pPr marL="514350" indent="-514350">
+              <a:buFont typeface="+mj-lt"/>
+              <a:buAutoNum type="arabicPeriod"/>
+            </a:pPr>
+            <a:r>
+              <a:rPr lang="en-US" dirty="0" smtClean="0"/>
+              <a:t>NUI Group </a:t>
+            </a:r>
+            <a:r>
+              <a:rPr lang="en-US" dirty="0" err="1" smtClean="0"/>
+              <a:t>TouchLib</a:t>
+            </a:r>
+            <a:r>
+              <a:rPr lang="en-US" dirty="0" smtClean="0"/>
+              <a:t> Forums</a:t>
+            </a:r>
+          </a:p>
+          <a:p>
+            <a:pPr marL="971550" lvl="1" indent="-514350"/>
+            <a:r>
+              <a:rPr lang="en-US" dirty="0" smtClean="0">
+                <a:hlinkClick r:id="rId3"/>
+              </a:rPr>
+              <a:t>http://nuigroup.com/forums/viewforum/27/</a:t>
+            </a:r>
+            <a:endParaRPr lang="en-US" dirty="0" smtClean="0"/>
+          </a:p>
+          <a:p>
+            <a:pPr marL="514350" indent="-514350">
+              <a:buFont typeface="+mj-lt"/>
+              <a:buAutoNum type="arabicPeriod"/>
+            </a:pPr>
+            <a:r>
+              <a:rPr lang="en-US" dirty="0" smtClean="0"/>
+              <a:t>Google Code</a:t>
+            </a:r>
+          </a:p>
+          <a:p>
+            <a:pPr marL="971550" lvl="1" indent="-514350"/>
+            <a:r>
+              <a:rPr lang="en-US" dirty="0" smtClean="0">
+                <a:hlinkClick r:id="rId4"/>
+              </a:rPr>
+              <a:t>http://code.google.com/p/touch-22/</a:t>
+            </a:r>
+            <a:r>
+              <a:rPr lang="en-US" dirty="0" smtClean="0"/>
+              <a:t> </a:t>
+            </a:r>
+          </a:p>
+          <a:p>
+            <a:pPr marL="514350" indent="-514350">
+              <a:buFont typeface="+mj-lt"/>
+              <a:buAutoNum type="arabicPeriod"/>
+            </a:pPr>
+            <a:r>
+              <a:rPr lang="en-US" dirty="0" smtClean="0"/>
+              <a:t>Touch 22 </a:t>
+            </a:r>
+            <a:r>
+              <a:rPr lang="en-US" dirty="0" err="1" smtClean="0"/>
+              <a:t>WikiDot</a:t>
+            </a:r>
+            <a:endParaRPr lang="en-US" dirty="0" smtClean="0"/>
+          </a:p>
+          <a:p>
+            <a:pPr marL="971550" lvl="1" indent="-514350"/>
+            <a:r>
+              <a:rPr lang="en-US" dirty="0" smtClean="0">
+                <a:hlinkClick r:id="rId5"/>
+              </a:rPr>
+              <a:t>http://touch22.wikidot.com/</a:t>
+            </a:r>
+            <a:r>
+              <a:rPr lang="en-US" dirty="0" smtClean="0"/>
+              <a:t> </a:t>
+            </a:r>
           </a:p>
         </p:txBody>
       </p:sp>
@@ -4020,7 +5370,12 @@
             <p:ph type="title"/>
           </p:nvPr>
         </p:nvSpPr>
-        <p:spPr/>
+        <p:spPr>
+          <a:xfrm>
+            <a:off x="457200" y="762000"/>
+            <a:ext cx="8229600" cy="1066800"/>
+          </a:xfrm>
+        </p:spPr>
         <p:txBody>
           <a:bodyPr/>
           <a:lstStyle/>
@@ -4043,34 +5398,125 @@
             <p:ph idx="1"/>
           </p:nvPr>
         </p:nvSpPr>
-        <p:spPr/>
-        <p:txBody>
-          <a:bodyPr/>
-          <a:lstStyle/>
-          <a:p>
-            <a:r>
-              <a:rPr lang="en-US" dirty="0" smtClean="0"/>
-              <a:t>Made with easy to get materials; </a:t>
-            </a:r>
-            <a:r>
-              <a:rPr lang="en-US" dirty="0" err="1" smtClean="0"/>
+        <p:spPr>
+          <a:xfrm>
+            <a:off x="457200" y="1828800"/>
+            <a:ext cx="8229600" cy="4648200"/>
+          </a:xfrm>
+        </p:spPr>
+        <p:txBody>
+          <a:bodyPr>
+            <a:normAutofit/>
+          </a:bodyPr>
+          <a:lstStyle/>
+          <a:p>
+            <a:r>
+              <a:rPr lang="en-US" dirty="0" smtClean="0">
+                <a:latin typeface="Cambria" pitchFamily="18" charset="0"/>
+              </a:rPr>
+              <a:t>Made with </a:t>
+            </a:r>
+            <a:r>
+              <a:rPr lang="en-US" dirty="0" smtClean="0">
+                <a:latin typeface="Cambria" pitchFamily="18" charset="0"/>
+              </a:rPr>
+              <a:t>easily obtainable materials: </a:t>
+            </a:r>
+            <a:r>
+              <a:rPr lang="en-US" dirty="0" err="1" smtClean="0">
+                <a:latin typeface="Cambria" pitchFamily="18" charset="0"/>
+              </a:rPr>
               <a:t>plexiglass</a:t>
             </a:r>
             <a:r>
-              <a:rPr lang="en-US" dirty="0" smtClean="0"/>
-              <a:t>, LEDs, wire, transistors, aluminum, and a </a:t>
-            </a:r>
-            <a:r>
-              <a:rPr lang="en-US" dirty="0" smtClean="0"/>
-              <a:t>webcam</a:t>
-            </a:r>
-          </a:p>
-          <a:p>
-            <a:r>
-              <a:rPr lang="en-US" dirty="0" smtClean="0"/>
-              <a:t>[ How it works. ]</a:t>
-            </a:r>
-            <a:endParaRPr lang="en-US" dirty="0" smtClean="0"/>
+              <a:rPr lang="en-US" dirty="0" smtClean="0">
+                <a:latin typeface="Cambria" pitchFamily="18" charset="0"/>
+              </a:rPr>
+              <a:t>, LEDs, </a:t>
+            </a:r>
+            <a:r>
+              <a:rPr lang="en-US" dirty="0" smtClean="0">
+                <a:latin typeface="Cambria" pitchFamily="18" charset="0"/>
+              </a:rPr>
+              <a:t>electrical wire</a:t>
+            </a:r>
+            <a:r>
+              <a:rPr lang="en-US" dirty="0" smtClean="0">
+                <a:latin typeface="Cambria" pitchFamily="18" charset="0"/>
+              </a:rPr>
+              <a:t>, transistors, aluminum, and a </a:t>
+            </a:r>
+            <a:r>
+              <a:rPr lang="en-US" dirty="0" smtClean="0">
+                <a:latin typeface="Cambria" pitchFamily="18" charset="0"/>
+              </a:rPr>
+              <a:t>webcam.</a:t>
+            </a:r>
+            <a:endParaRPr lang="en-US" dirty="0" smtClean="0">
+              <a:latin typeface="Cambria" pitchFamily="18" charset="0"/>
+            </a:endParaRPr>
+          </a:p>
+          <a:p>
+            <a:r>
+              <a:rPr lang="en-US" dirty="0" smtClean="0">
+                <a:latin typeface="Cambria" pitchFamily="18" charset="0"/>
+              </a:rPr>
+              <a:t>How </a:t>
+            </a:r>
+            <a:r>
+              <a:rPr lang="en-US" dirty="0" smtClean="0">
+                <a:latin typeface="Cambria" pitchFamily="18" charset="0"/>
+              </a:rPr>
+              <a:t>it </a:t>
+            </a:r>
+            <a:r>
+              <a:rPr lang="en-US" dirty="0" smtClean="0">
+                <a:latin typeface="Cambria" pitchFamily="18" charset="0"/>
+              </a:rPr>
+              <a:t>works:</a:t>
+            </a:r>
+          </a:p>
+          <a:p>
+            <a:pPr lvl="1"/>
+            <a:r>
+              <a:rPr lang="en-US" dirty="0" smtClean="0">
+                <a:solidFill>
+                  <a:schemeClr val="tx1"/>
+                </a:solidFill>
+                <a:latin typeface="Cambria" pitchFamily="18" charset="0"/>
+              </a:rPr>
+              <a:t>Infrared LEDs’ light bounces through the glass.</a:t>
+            </a:r>
+          </a:p>
+          <a:p>
+            <a:pPr lvl="1"/>
+            <a:r>
+              <a:rPr lang="en-US" dirty="0" smtClean="0">
+                <a:solidFill>
+                  <a:schemeClr val="tx1"/>
+                </a:solidFill>
+                <a:latin typeface="Cambria" pitchFamily="18" charset="0"/>
+              </a:rPr>
+              <a:t>When the surface is touched, some of the IR light is redirected to the webcam.</a:t>
+            </a:r>
+          </a:p>
+          <a:p>
+            <a:pPr lvl="1"/>
+            <a:r>
+              <a:rPr lang="en-US" dirty="0" smtClean="0">
+                <a:solidFill>
+                  <a:schemeClr val="tx1"/>
+                </a:solidFill>
+                <a:latin typeface="Cambria" pitchFamily="18" charset="0"/>
+              </a:rPr>
+              <a:t>The computer interprets the webcam vision into touches. Very sophisticated and very cool.</a:t>
+            </a:r>
+            <a:endParaRPr lang="en-US" dirty="0" smtClean="0">
+              <a:solidFill>
+                <a:schemeClr val="tx1"/>
+              </a:solidFill>
+              <a:latin typeface="Cambria" pitchFamily="18" charset="0"/>
+            </a:endParaRPr>
           </a:p>
         </p:txBody>
       </p:sp>
@@ -4109,91 +5555,53 @@
             <p:ph type="title"/>
           </p:nvPr>
         </p:nvSpPr>
-        <p:spPr/>
-        <p:txBody>
-          <a:bodyPr/>
-          <a:lstStyle/>
-          <a:p>
-            <a:r>
-              <a:rPr lang="en-US" dirty="0" smtClean="0"/>
-              <a:t>“</a:t>
-            </a:r>
-            <a:r>
-              <a:rPr lang="en-US" dirty="0" err="1" smtClean="0"/>
-              <a:t>uTouch</a:t>
-            </a:r>
-            <a:r>
-              <a:rPr lang="en-US" dirty="0" smtClean="0"/>
-              <a:t>” Painting Program</a:t>
-            </a:r>
-            <a:endParaRPr lang="en-US" dirty="0"/>
-          </a:p>
-        </p:txBody>
-      </p:sp>
-      <p:sp>
-        <p:nvSpPr>
-          <p:cNvPr id="3" name="Content Placeholder 2"/>
-          <p:cNvSpPr>
-            <a:spLocks noGrp="1"/>
-          </p:cNvSpPr>
-          <p:nvPr>
-            <p:ph idx="1"/>
-          </p:nvPr>
-        </p:nvSpPr>
         <p:spPr>
           <a:xfrm>
-            <a:off x="457200" y="1676400"/>
-            <a:ext cx="8229600" cy="4449763"/>
+            <a:off x="914400" y="5257800"/>
+            <a:ext cx="7315200" cy="1143000"/>
           </a:xfrm>
         </p:spPr>
         <p:txBody>
           <a:bodyPr>
-            <a:normAutofit lnSpcReduction="10000"/>
+            <a:normAutofit fontScale="90000"/>
           </a:bodyPr>
           <a:lstStyle/>
           <a:p>
             <a:r>
-              <a:rPr lang="en-US" dirty="0" smtClean="0"/>
-              <a:t>Very simple painting program</a:t>
-            </a:r>
-          </a:p>
-          <a:p>
-            <a:r>
-              <a:rPr lang="en-US" dirty="0" smtClean="0"/>
-              <a:t>Features are activated and deactivated by touching the corresponding button on the screen</a:t>
-            </a:r>
-          </a:p>
-          <a:p>
-            <a:r>
-              <a:rPr lang="en-US" dirty="0" smtClean="0"/>
-              <a:t>These features include color select, brush size select, lines, color fill, color sampling</a:t>
-            </a:r>
-            <a:r>
-              <a:rPr lang="en-US" smtClean="0"/>
-              <a:t>, clear\erase\undo, save\load, </a:t>
-            </a:r>
-            <a:r>
-              <a:rPr lang="en-US" dirty="0" smtClean="0"/>
-              <a:t>and shape stamps, as well as basic painting</a:t>
-            </a:r>
-          </a:p>
-          <a:p>
-            <a:r>
-              <a:rPr lang="en-US" dirty="0" smtClean="0"/>
-              <a:t>Like finger painting!</a:t>
-            </a:r>
-          </a:p>
-          <a:p>
-            <a:endParaRPr lang="en-US" dirty="0" smtClean="0"/>
-          </a:p>
-          <a:p>
-            <a:endParaRPr lang="en-US" dirty="0" smtClean="0"/>
-          </a:p>
-          <a:p>
-            <a:endParaRPr lang="en-US" dirty="0"/>
-          </a:p>
-        </p:txBody>
-      </p:sp>
+              <a:rPr lang="en-US" sz="3200" dirty="0" smtClean="0"/>
+              <a:t>Dan is testing out the screen. The camera is just two feet away, watching, waiting.</a:t>
+            </a:r>
+            <a:r>
+              <a:rPr lang="en-US" sz="3200" baseline="30000" dirty="0" smtClean="0"/>
+              <a:t>3</a:t>
+            </a:r>
+            <a:endParaRPr lang="en-US" sz="3200" baseline="30000" dirty="0"/>
+          </a:p>
+        </p:txBody>
+      </p:sp>
+      <p:pic>
+        <p:nvPicPr>
+          <p:cNvPr id="4" name="Content Placeholder 3" descr="CIMG3482.JPG"/>
+          <p:cNvPicPr>
+            <a:picLocks noGrp="1" noChangeAspect="1"/>
+          </p:cNvPicPr>
+          <p:nvPr>
+            <p:ph idx="1"/>
+          </p:nvPr>
+        </p:nvPicPr>
+        <p:blipFill>
+          <a:blip r:embed="rId2" cstate="print"/>
+          <a:stretch>
+            <a:fillRect/>
+          </a:stretch>
+        </p:blipFill>
+        <p:spPr>
+          <a:xfrm>
+            <a:off x="1554691" y="685800"/>
+            <a:ext cx="6034617" cy="4525962"/>
+          </a:xfrm>
+        </p:spPr>
+      </p:pic>
     </p:spTree>
   </p:cSld>
   <p:clrMapOvr>
@@ -4229,18 +5637,27 @@
             <p:ph type="title"/>
           </p:nvPr>
         </p:nvSpPr>
-        <p:spPr/>
+        <p:spPr>
+          <a:xfrm>
+            <a:off x="457200" y="762000"/>
+            <a:ext cx="8229600" cy="1066800"/>
+          </a:xfrm>
+        </p:spPr>
         <p:txBody>
           <a:bodyPr/>
           <a:lstStyle/>
           <a:p>
             <a:r>
               <a:rPr lang="en-US" dirty="0" smtClean="0"/>
-              <a:t>Why Multi-Touch</a:t>
+              <a:t>“</a:t>
+            </a:r>
+            <a:r>
+              <a:rPr lang="en-US" dirty="0" err="1" smtClean="0"/>
+              <a:t>uTouch</a:t>
             </a:r>
             <a:r>
               <a:rPr lang="en-US" dirty="0" smtClean="0"/>
-              <a:t>?</a:t>
+              <a:t>” Painting Program</a:t>
             </a:r>
             <a:endParaRPr lang="en-US" dirty="0"/>
           </a:p>
@@ -4256,24 +5673,137 @@
             <p:ph idx="1"/>
           </p:nvPr>
         </p:nvSpPr>
-        <p:spPr/>
-        <p:txBody>
-          <a:bodyPr/>
-          <a:lstStyle/>
-          <a:p>
-            <a:r>
-              <a:rPr lang="en-US" dirty="0" smtClean="0"/>
-              <a:t>Multi touch allows for multiple points of interaction with the screen</a:t>
-            </a:r>
-          </a:p>
-          <a:p>
-            <a:r>
-              <a:rPr lang="en-US" dirty="0" smtClean="0"/>
-              <a:t>It also provides the ability to support multiple users simultaneously. </a:t>
-            </a:r>
-          </a:p>
-          <a:p>
-            <a:endParaRPr lang="en-US" dirty="0"/>
+        <p:spPr>
+          <a:xfrm>
+            <a:off x="457200" y="1905000"/>
+            <a:ext cx="8229600" cy="5105400"/>
+          </a:xfrm>
+        </p:spPr>
+        <p:txBody>
+          <a:bodyPr>
+            <a:normAutofit/>
+          </a:bodyPr>
+          <a:lstStyle/>
+          <a:p>
+            <a:r>
+              <a:rPr lang="en-US" dirty="0" smtClean="0">
+                <a:latin typeface="Cambria" pitchFamily="18" charset="0"/>
+              </a:rPr>
+              <a:t>Very simple painting </a:t>
+            </a:r>
+            <a:r>
+              <a:rPr lang="en-US" dirty="0" smtClean="0">
+                <a:latin typeface="Cambria" pitchFamily="18" charset="0"/>
+              </a:rPr>
+              <a:t>program.</a:t>
+            </a:r>
+            <a:endParaRPr lang="en-US" dirty="0" smtClean="0">
+              <a:latin typeface="Cambria" pitchFamily="18" charset="0"/>
+            </a:endParaRPr>
+          </a:p>
+          <a:p>
+            <a:r>
+              <a:rPr lang="en-US" dirty="0" smtClean="0">
+                <a:latin typeface="Cambria" pitchFamily="18" charset="0"/>
+              </a:rPr>
+              <a:t>Features are activated and deactivated by touching the </a:t>
+            </a:r>
+            <a:r>
+              <a:rPr lang="en-US" dirty="0" smtClean="0">
+                <a:latin typeface="Cambria" pitchFamily="18" charset="0"/>
+              </a:rPr>
+              <a:t>button </a:t>
+            </a:r>
+            <a:r>
+              <a:rPr lang="en-US" dirty="0" smtClean="0">
+                <a:latin typeface="Cambria" pitchFamily="18" charset="0"/>
+              </a:rPr>
+              <a:t>on the </a:t>
+            </a:r>
+            <a:r>
+              <a:rPr lang="en-US" dirty="0" smtClean="0">
+                <a:latin typeface="Cambria" pitchFamily="18" charset="0"/>
+              </a:rPr>
+              <a:t>screen.</a:t>
+            </a:r>
+            <a:endParaRPr lang="en-US" dirty="0" smtClean="0">
+              <a:latin typeface="Cambria" pitchFamily="18" charset="0"/>
+            </a:endParaRPr>
+          </a:p>
+          <a:p>
+            <a:r>
+              <a:rPr lang="en-US" dirty="0" smtClean="0">
+                <a:latin typeface="Cambria" pitchFamily="18" charset="0"/>
+              </a:rPr>
+              <a:t>These features include color select, brush size select, lines, color fill, color sampling, clear\erase\undo, save\load, and shape stamps, as well as basic </a:t>
+            </a:r>
+            <a:r>
+              <a:rPr lang="en-US" dirty="0" smtClean="0">
+                <a:latin typeface="Cambria" pitchFamily="18" charset="0"/>
+              </a:rPr>
+              <a:t>painting.</a:t>
+            </a:r>
+            <a:endParaRPr lang="en-US" dirty="0" smtClean="0">
+              <a:latin typeface="Cambria" pitchFamily="18" charset="0"/>
+            </a:endParaRPr>
+          </a:p>
+          <a:p>
+            <a:r>
+              <a:rPr lang="en-US" dirty="0" smtClean="0">
+                <a:latin typeface="Cambria" pitchFamily="18" charset="0"/>
+              </a:rPr>
+              <a:t>Like finger </a:t>
+            </a:r>
+            <a:r>
+              <a:rPr lang="en-US" dirty="0" smtClean="0">
+                <a:latin typeface="Cambria" pitchFamily="18" charset="0"/>
+              </a:rPr>
+              <a:t>painting</a:t>
+            </a:r>
+            <a:r>
+              <a:rPr lang="en-US" dirty="0" smtClean="0">
+                <a:latin typeface="Cambria" pitchFamily="18" charset="0"/>
+              </a:rPr>
+              <a:t>!</a:t>
+            </a:r>
+          </a:p>
+          <a:p>
+            <a:endParaRPr lang="en-US" sz="2400" dirty="0" smtClean="0">
+              <a:latin typeface="Cambria" pitchFamily="18" charset="0"/>
+            </a:endParaRPr>
+          </a:p>
+          <a:p>
+            <a:pPr lvl="1"/>
+            <a:r>
+              <a:rPr lang="en-US" dirty="0" smtClean="0">
+                <a:latin typeface="Cambria" pitchFamily="18" charset="0"/>
+              </a:rPr>
+              <a:t>Download uTouch.</a:t>
+            </a:r>
+            <a:r>
+              <a:rPr lang="en-US" baseline="30000" dirty="0" smtClean="0">
+                <a:latin typeface="Cambria" pitchFamily="18" charset="0"/>
+              </a:rPr>
+              <a:t>2</a:t>
+            </a:r>
+            <a:endParaRPr lang="en-US" baseline="30000" dirty="0" smtClean="0">
+              <a:latin typeface="Cambria" pitchFamily="18" charset="0"/>
+            </a:endParaRPr>
+          </a:p>
+          <a:p>
+            <a:endParaRPr lang="en-US" dirty="0" smtClean="0">
+              <a:latin typeface="Cambria" pitchFamily="18" charset="0"/>
+            </a:endParaRPr>
+          </a:p>
+          <a:p>
+            <a:endParaRPr lang="en-US" dirty="0" smtClean="0">
+              <a:latin typeface="Cambria" pitchFamily="18" charset="0"/>
+            </a:endParaRPr>
+          </a:p>
+          <a:p>
+            <a:endParaRPr lang="en-US" dirty="0">
+              <a:latin typeface="Cambria" pitchFamily="18" charset="0"/>
+            </a:endParaRPr>
           </a:p>
         </p:txBody>
       </p:sp>
@@ -4302,59 +5832,165 @@
           <a:chExt cx="0" cy="0"/>
         </a:xfrm>
       </p:grpSpPr>
-      <p:sp>
-        <p:nvSpPr>
-          <p:cNvPr id="2" name="Title 1"/>
-          <p:cNvSpPr>
-            <a:spLocks noGrp="1"/>
-          </p:cNvSpPr>
-          <p:nvPr>
-            <p:ph type="title"/>
-          </p:nvPr>
-        </p:nvSpPr>
-        <p:spPr/>
-        <p:txBody>
-          <a:bodyPr/>
-          <a:lstStyle/>
-          <a:p>
-            <a:r>
-              <a:rPr lang="en-US" dirty="0" smtClean="0"/>
-              <a:t>Construction</a:t>
-            </a:r>
-            <a:endParaRPr lang="en-US" dirty="0"/>
-          </a:p>
-        </p:txBody>
-      </p:sp>
-      <p:sp>
-        <p:nvSpPr>
-          <p:cNvPr id="3" name="Content Placeholder 2"/>
-          <p:cNvSpPr>
-            <a:spLocks noGrp="1"/>
-          </p:cNvSpPr>
+      <p:pic>
+        <p:nvPicPr>
+          <p:cNvPr id="5" name="Content Placeholder 4" descr="Smile.jpg"/>
+          <p:cNvPicPr>
+            <a:picLocks noGrp="1" noChangeAspect="1"/>
+          </p:cNvPicPr>
           <p:nvPr>
             <p:ph idx="1"/>
           </p:nvPr>
-        </p:nvSpPr>
-        <p:spPr/>
-        <p:txBody>
-          <a:bodyPr/>
-          <a:lstStyle/>
-          <a:p>
-            <a:r>
-              <a:rPr lang="en-US" dirty="0" smtClean="0"/>
-              <a:t>[ How we built it. ]</a:t>
-            </a:r>
-          </a:p>
-          <a:p>
-            <a:r>
-              <a:rPr lang="en-US" dirty="0" smtClean="0"/>
-              <a:t>See NUI Group for more details.</a:t>
-            </a:r>
-            <a:r>
-              <a:rPr lang="en-US" baseline="30000" dirty="0" smtClean="0"/>
-              <a:t>1</a:t>
-            </a:r>
-            <a:endParaRPr lang="en-US" baseline="30000" dirty="0"/>
+        </p:nvPicPr>
+        <p:blipFill>
+          <a:blip r:embed="rId2"/>
+          <a:stretch>
+            <a:fillRect/>
+          </a:stretch>
+        </p:blipFill>
+        <p:spPr>
+          <a:xfrm>
+            <a:off x="1868440" y="2249488"/>
+            <a:ext cx="5407119" cy="4324350"/>
+          </a:xfrm>
+        </p:spPr>
+      </p:pic>
+      <p:pic>
+        <p:nvPicPr>
+          <p:cNvPr id="6" name="Picture 5" descr="2.jpg"/>
+          <p:cNvPicPr>
+            <a:picLocks noChangeAspect="1"/>
+          </p:cNvPicPr>
+          <p:nvPr/>
+        </p:nvPicPr>
+        <p:blipFill>
+          <a:blip r:embed="rId3" cstate="print"/>
+          <a:stretch>
+            <a:fillRect/>
+          </a:stretch>
+        </p:blipFill>
+        <p:spPr>
+          <a:xfrm>
+            <a:off x="152400" y="152400"/>
+            <a:ext cx="2743200" cy="2057400"/>
+          </a:xfrm>
+          <a:prstGeom prst="rect">
+            <a:avLst/>
+          </a:prstGeom>
+        </p:spPr>
+      </p:pic>
+      <p:pic>
+        <p:nvPicPr>
+          <p:cNvPr id="7" name="Picture 6" descr="7.jpg"/>
+          <p:cNvPicPr>
+            <a:picLocks noChangeAspect="1"/>
+          </p:cNvPicPr>
+          <p:nvPr/>
+        </p:nvPicPr>
+        <p:blipFill>
+          <a:blip r:embed="rId4" cstate="print"/>
+          <a:stretch>
+            <a:fillRect/>
+          </a:stretch>
+        </p:blipFill>
+        <p:spPr>
+          <a:xfrm>
+            <a:off x="3124200" y="152400"/>
+            <a:ext cx="2743200" cy="2057400"/>
+          </a:xfrm>
+          <a:prstGeom prst="rect">
+            <a:avLst/>
+          </a:prstGeom>
+        </p:spPr>
+      </p:pic>
+      <p:pic>
+        <p:nvPicPr>
+          <p:cNvPr id="8" name="Picture 7" descr="4.jpg"/>
+          <p:cNvPicPr>
+            <a:picLocks noChangeAspect="1"/>
+          </p:cNvPicPr>
+          <p:nvPr/>
+        </p:nvPicPr>
+        <p:blipFill>
+          <a:blip r:embed="rId5" cstate="print"/>
+          <a:stretch>
+            <a:fillRect/>
+          </a:stretch>
+        </p:blipFill>
+        <p:spPr>
+          <a:xfrm>
+            <a:off x="6096000" y="152400"/>
+            <a:ext cx="2743200" cy="2057400"/>
+          </a:xfrm>
+          <a:prstGeom prst="rect">
+            <a:avLst/>
+          </a:prstGeom>
+        </p:spPr>
+      </p:pic>
+      <p:pic>
+        <p:nvPicPr>
+          <p:cNvPr id="9" name="Picture 8" descr="8.jpg"/>
+          <p:cNvPicPr>
+            <a:picLocks noChangeAspect="1"/>
+          </p:cNvPicPr>
+          <p:nvPr/>
+        </p:nvPicPr>
+        <p:blipFill>
+          <a:blip r:embed="rId6" cstate="print"/>
+          <a:stretch>
+            <a:fillRect/>
+          </a:stretch>
+        </p:blipFill>
+        <p:spPr>
+          <a:xfrm>
+            <a:off x="152400" y="2514600"/>
+            <a:ext cx="2743200" cy="2057400"/>
+          </a:xfrm>
+          <a:prstGeom prst="rect">
+            <a:avLst/>
+          </a:prstGeom>
+        </p:spPr>
+      </p:pic>
+      <p:sp>
+        <p:nvSpPr>
+          <p:cNvPr id="10" name="TextBox 9"/>
+          <p:cNvSpPr txBox="1"/>
+          <p:nvPr/>
+        </p:nvSpPr>
+        <p:spPr>
+          <a:xfrm>
+            <a:off x="228600" y="4953000"/>
+            <a:ext cx="2667000" cy="1292662"/>
+          </a:xfrm>
+          <a:prstGeom prst="rect">
+            <a:avLst/>
+          </a:prstGeom>
+          <a:noFill/>
+        </p:spPr>
+        <p:txBody>
+          <a:bodyPr wrap="square" rtlCol="0">
+            <a:spAutoFit/>
+          </a:bodyPr>
+          <a:lstStyle/>
+          <a:p>
+            <a:pPr algn="ctr"/>
+            <a:r>
+              <a:rPr lang="en-US" sz="2600" dirty="0" smtClean="0"/>
+              <a:t>Touch 22’s </a:t>
+            </a:r>
+            <a:r>
+              <a:rPr lang="en-US" sz="2600" dirty="0" err="1" smtClean="0"/>
+              <a:t>uTouch</a:t>
+            </a:r>
+            <a:endParaRPr lang="en-US" sz="2600" dirty="0" smtClean="0"/>
+          </a:p>
+          <a:p>
+            <a:pPr algn="ctr"/>
+            <a:r>
+              <a:rPr lang="en-US" sz="2600" dirty="0" smtClean="0"/>
+              <a:t>painting program in action.</a:t>
+            </a:r>
+            <a:endParaRPr lang="en-US" sz="2600" dirty="0"/>
           </a:p>
         </p:txBody>
       </p:sp>
@@ -4400,7 +6036,7 @@
           <a:p>
             <a:r>
               <a:rPr lang="en-US" dirty="0" smtClean="0"/>
-              <a:t>Development Software</a:t>
+              <a:t>Why Multi-Touch?</a:t>
             </a:r>
             <a:endParaRPr lang="en-US" dirty="0"/>
           </a:p>
@@ -4422,63 +6058,62 @@
           <a:lstStyle/>
           <a:p>
             <a:r>
-              <a:rPr lang="en-US" dirty="0" err="1" smtClean="0"/>
-              <a:t>TouchLib</a:t>
-            </a:r>
-            <a:endParaRPr lang="en-US" dirty="0" smtClean="0"/>
-          </a:p>
-          <a:p>
-            <a:pPr lvl="1"/>
-            <a:r>
               <a:rPr lang="en-US" dirty="0" smtClean="0">
-                <a:hlinkClick r:id="rId3"/>
+                <a:latin typeface="Cambria" pitchFamily="18" charset="0"/>
               </a:rPr>
-              <a:t>www.touchlib.com</a:t>
-            </a:r>
-            <a:r>
-              <a:rPr lang="en-US" dirty="0" smtClean="0"/>
-              <a:t>	</a:t>
-            </a:r>
-          </a:p>
-          <a:p>
-            <a:r>
-              <a:rPr lang="en-US" dirty="0" err="1" smtClean="0"/>
-              <a:t>TuioSimulator</a:t>
-            </a:r>
-            <a:endParaRPr lang="en-US" dirty="0" smtClean="0"/>
-          </a:p>
-          <a:p>
-            <a:pPr lvl="1"/>
+              <a:t>Multi touch allows for multiple points of interaction with the </a:t>
+            </a:r>
             <a:r>
               <a:rPr lang="en-US" dirty="0" smtClean="0">
-                <a:hlinkClick r:id="rId4"/>
+                <a:latin typeface="Cambria" pitchFamily="18" charset="0"/>
               </a:rPr>
-              <a:t>http://reactable.iua.upf.edu/?software</a:t>
-            </a:r>
-            <a:r>
-              <a:rPr lang="en-US" dirty="0" smtClean="0"/>
-              <a:t>	</a:t>
-            </a:r>
-          </a:p>
-          <a:p>
-            <a:r>
-              <a:rPr lang="en-US" dirty="0" smtClean="0"/>
-              <a:t>Adobe Flash Creative Suite 3</a:t>
-            </a:r>
-          </a:p>
-          <a:p>
-            <a:pPr lvl="1"/>
+              <a:t>screen.</a:t>
+            </a:r>
+            <a:endParaRPr lang="en-US" dirty="0" smtClean="0">
+              <a:latin typeface="Cambria" pitchFamily="18" charset="0"/>
+            </a:endParaRPr>
+          </a:p>
+          <a:p>
             <a:r>
               <a:rPr lang="en-US" dirty="0" smtClean="0">
-                <a:hlinkClick r:id="rId5"/>
+                <a:latin typeface="Cambria" pitchFamily="18" charset="0"/>
               </a:rPr>
-              <a:t>http://www.adobe.com/products/flash/</a:t>
-            </a:r>
-            <a:r>
-              <a:rPr lang="en-US" dirty="0" smtClean="0"/>
-              <a:t>	</a:t>
-            </a:r>
-            <a:endParaRPr lang="en-US" dirty="0"/>
+              <a:t>It </a:t>
+            </a:r>
+            <a:r>
+              <a:rPr lang="en-US" dirty="0" smtClean="0">
+                <a:latin typeface="Cambria" pitchFamily="18" charset="0"/>
+              </a:rPr>
+              <a:t>provides </a:t>
+            </a:r>
+            <a:r>
+              <a:rPr lang="en-US" dirty="0" smtClean="0">
+                <a:latin typeface="Cambria" pitchFamily="18" charset="0"/>
+              </a:rPr>
+              <a:t>the ability to support multiple users simultaneously</a:t>
+            </a:r>
+            <a:r>
+              <a:rPr lang="en-US" dirty="0" smtClean="0">
+                <a:latin typeface="Cambria" pitchFamily="18" charset="0"/>
+              </a:rPr>
+              <a:t>.</a:t>
+            </a:r>
+          </a:p>
+          <a:p>
+            <a:r>
+              <a:rPr lang="en-US" dirty="0" smtClean="0">
+                <a:latin typeface="Cambria" pitchFamily="18" charset="0"/>
+              </a:rPr>
+              <a:t>Touch-based computer interfaces are more intuitive, flexible, and fun than standard keyboard and mouse.</a:t>
+            </a:r>
+            <a:endParaRPr lang="en-US" dirty="0" smtClean="0">
+              <a:latin typeface="Cambria" pitchFamily="18" charset="0"/>
+            </a:endParaRPr>
+          </a:p>
+          <a:p>
+            <a:endParaRPr lang="en-US" dirty="0">
+              <a:latin typeface="Cambria" pitchFamily="18" charset="0"/>
+            </a:endParaRPr>
           </a:p>
         </p:txBody>
       </p:sp>
@@ -4517,6 +6152,96 @@
             <p:ph type="title"/>
           </p:nvPr>
         </p:nvSpPr>
+        <p:spPr>
+          <a:xfrm>
+            <a:off x="457200" y="5181600"/>
+            <a:ext cx="8229600" cy="1143000"/>
+          </a:xfrm>
+        </p:spPr>
+        <p:txBody>
+          <a:bodyPr>
+            <a:normAutofit/>
+          </a:bodyPr>
+          <a:lstStyle/>
+          <a:p>
+            <a:pPr algn="ctr"/>
+            <a:r>
+              <a:rPr lang="en-US" sz="3200" dirty="0" smtClean="0"/>
+              <a:t>Jon and Dan try to draw a stick figure.</a:t>
+            </a:r>
+            <a:br>
+              <a:rPr lang="en-US" sz="3200" dirty="0" smtClean="0"/>
+            </a:br>
+            <a:r>
+              <a:rPr lang="en-US" sz="3200" dirty="0" smtClean="0"/>
+              <a:t>It’s not working out so well.</a:t>
+            </a:r>
+            <a:r>
+              <a:rPr lang="en-US" sz="3200" baseline="30000" dirty="0" smtClean="0"/>
+              <a:t>3</a:t>
+            </a:r>
+            <a:endParaRPr lang="en-US" sz="3200" baseline="30000" dirty="0"/>
+          </a:p>
+        </p:txBody>
+      </p:sp>
+      <p:pic>
+        <p:nvPicPr>
+          <p:cNvPr id="4" name="Content Placeholder 3" descr="CIMG3482.JPG"/>
+          <p:cNvPicPr>
+            <a:picLocks noGrp="1" noChangeAspect="1"/>
+          </p:cNvPicPr>
+          <p:nvPr>
+            <p:ph idx="1"/>
+          </p:nvPr>
+        </p:nvPicPr>
+        <p:blipFill>
+          <a:blip r:embed="rId2" cstate="print"/>
+          <a:stretch>
+            <a:fillRect/>
+          </a:stretch>
+        </p:blipFill>
+        <p:spPr>
+          <a:xfrm>
+            <a:off x="1554691" y="533400"/>
+            <a:ext cx="6034617" cy="4525963"/>
+          </a:xfrm>
+        </p:spPr>
+      </p:pic>
+    </p:spTree>
+  </p:cSld>
+  <p:clrMapOvr>
+    <a:masterClrMapping/>
+  </p:clrMapOvr>
+</p:sld>
+</file>
+
+<file path=ppt/slides/slide8.xml><?xml version="1.0" encoding="utf-8"?>
+<p:sld xmlns:a="http://schemas.openxmlformats.org/drawingml/2006/main" xmlns:r="http://schemas.openxmlformats.org/officeDocument/2006/relationships" xmlns:p="http://schemas.openxmlformats.org/presentationml/2006/main">
+  <p:cSld>
+    <p:spTree>
+      <p:nvGrpSpPr>
+        <p:cNvPr id="1" name=""/>
+        <p:cNvGrpSpPr/>
+        <p:nvPr/>
+      </p:nvGrpSpPr>
+      <p:grpSpPr>
+        <a:xfrm>
+          <a:off x="0" y="0"/>
+          <a:ext cx="0" cy="0"/>
+          <a:chOff x="0" y="0"/>
+          <a:chExt cx="0" cy="0"/>
+        </a:xfrm>
+      </p:grpSpPr>
+      <p:sp>
+        <p:nvSpPr>
+          <p:cNvPr id="2" name="Title 1"/>
+          <p:cNvSpPr>
+            <a:spLocks noGrp="1"/>
+          </p:cNvSpPr>
+          <p:nvPr>
+            <p:ph type="title"/>
+          </p:nvPr>
+        </p:nvSpPr>
         <p:spPr/>
         <p:txBody>
           <a:bodyPr/>
@@ -4524,7 +6249,7 @@
           <a:p>
             <a:r>
               <a:rPr lang="en-US" dirty="0" smtClean="0"/>
-              <a:t>References</a:t>
+              <a:t>Construction</a:t>
             </a:r>
             <a:endParaRPr lang="en-US" dirty="0"/>
           </a:p>
@@ -4542,97 +6267,154 @@
         </p:nvSpPr>
         <p:spPr/>
         <p:txBody>
-          <a:bodyPr/>
-          <a:lstStyle/>
-          <a:p>
-            <a:r>
-              <a:rPr lang="en-US" dirty="0" smtClean="0"/>
-              <a:t>NUI Group </a:t>
-            </a:r>
-            <a:r>
-              <a:rPr lang="en-US" dirty="0" err="1" smtClean="0"/>
+          <a:bodyPr>
+            <a:normAutofit/>
+          </a:bodyPr>
+          <a:lstStyle/>
+          <a:p>
+            <a:r>
+              <a:rPr lang="en-US" dirty="0" smtClean="0">
+                <a:latin typeface="Cambria" pitchFamily="18" charset="0"/>
+              </a:rPr>
+              <a:t>Cut aluminum to a frame for the glass.</a:t>
+            </a:r>
+          </a:p>
+          <a:p>
+            <a:r>
+              <a:rPr lang="en-US" dirty="0" smtClean="0">
+                <a:latin typeface="Cambria" pitchFamily="18" charset="0"/>
+              </a:rPr>
+              <a:t>A</a:t>
+            </a:r>
+            <a:r>
+              <a:rPr lang="en-US" dirty="0" smtClean="0">
+                <a:latin typeface="Cambria" pitchFamily="18" charset="0"/>
+              </a:rPr>
+              <a:t>ttach IR LEDs to the frame, connect LEDs to a battery via electric wiring.</a:t>
+            </a:r>
+          </a:p>
+          <a:p>
+            <a:r>
+              <a:rPr lang="en-US" dirty="0" smtClean="0">
+                <a:latin typeface="Cambria" pitchFamily="18" charset="0"/>
+              </a:rPr>
+              <a:t>Point visible light-filtered webcam at the glass.</a:t>
+            </a:r>
+          </a:p>
+          <a:p>
+            <a:r>
+              <a:rPr lang="en-US" dirty="0" err="1" smtClean="0">
+                <a:latin typeface="Cambria" pitchFamily="18" charset="0"/>
+              </a:rPr>
               <a:t>TouchLib</a:t>
             </a:r>
             <a:r>
-              <a:rPr lang="en-US" dirty="0" smtClean="0"/>
-              <a:t> Forums</a:t>
-            </a:r>
+              <a:rPr lang="en-US" dirty="0" smtClean="0">
+                <a:latin typeface="Cambria" pitchFamily="18" charset="0"/>
+              </a:rPr>
+              <a:t> vision and calibration tools allow </a:t>
+            </a:r>
+            <a:r>
+              <a:rPr lang="en-US" dirty="0" err="1" smtClean="0">
+                <a:latin typeface="Cambria" pitchFamily="18" charset="0"/>
+              </a:rPr>
+              <a:t>uTouch</a:t>
+            </a:r>
+            <a:r>
+              <a:rPr lang="en-US" dirty="0" smtClean="0">
+                <a:latin typeface="Cambria" pitchFamily="18" charset="0"/>
+              </a:rPr>
+              <a:t> to “see” touches to the scree</a:t>
+            </a:r>
+            <a:r>
+              <a:rPr lang="en-US" dirty="0" smtClean="0">
+                <a:latin typeface="Cambria" pitchFamily="18" charset="0"/>
+              </a:rPr>
+              <a:t>n.</a:t>
+            </a:r>
+            <a:endParaRPr lang="en-US" dirty="0" smtClean="0">
+              <a:latin typeface="Cambria" pitchFamily="18" charset="0"/>
+            </a:endParaRPr>
+          </a:p>
+          <a:p>
+            <a:endParaRPr lang="en-US" dirty="0" smtClean="0">
+              <a:latin typeface="Cambria" pitchFamily="18" charset="0"/>
+            </a:endParaRPr>
           </a:p>
           <a:p>
             <a:pPr lvl="1"/>
             <a:r>
               <a:rPr lang="en-US" dirty="0" smtClean="0">
-                <a:hlinkClick r:id="rId3"/>
+                <a:latin typeface="Cambria" pitchFamily="18" charset="0"/>
               </a:rPr>
-              <a:t>http://nuigroup.com/forums/viewforum/27</a:t>
+              <a:t>See </a:t>
             </a:r>
             <a:r>
               <a:rPr lang="en-US" dirty="0" smtClean="0">
-                <a:hlinkClick r:id="rId3"/>
+                <a:latin typeface="Cambria" pitchFamily="18" charset="0"/>
               </a:rPr>
-              <a:t>/</a:t>
-            </a:r>
-            <a:endParaRPr lang="en-US" dirty="0" smtClean="0"/>
-          </a:p>
-          <a:p>
-            <a:r>
-              <a:rPr lang="en-US" dirty="0" smtClean="0"/>
-              <a:t>Google Code</a:t>
-            </a:r>
-          </a:p>
-          <a:p>
-            <a:pPr lvl="1"/>
-            <a:r>
-              <a:rPr lang="en-US" dirty="0" smtClean="0">
-                <a:hlinkClick r:id="rId4"/>
+              <a:t>NUI Group for more details.</a:t>
+            </a:r>
+            <a:r>
+              <a:rPr lang="en-US" baseline="30000" dirty="0" smtClean="0">
+                <a:latin typeface="Cambria" pitchFamily="18" charset="0"/>
               </a:rPr>
-              <a:t>http://code.google.com/p/touch-22</a:t>
-            </a:r>
-            <a:r>
-              <a:rPr lang="en-US" dirty="0" smtClean="0">
-                <a:hlinkClick r:id="rId4"/>
-              </a:rPr>
-              <a:t>/</a:t>
-            </a:r>
-            <a:r>
-              <a:rPr lang="en-US" dirty="0" smtClean="0"/>
-              <a:t> </a:t>
-            </a:r>
-            <a:endParaRPr lang="en-US" dirty="0" smtClean="0"/>
-          </a:p>
-          <a:p>
-            <a:r>
-              <a:rPr lang="en-US" dirty="0" smtClean="0"/>
-              <a:t>Touch 22 </a:t>
-            </a:r>
-            <a:r>
-              <a:rPr lang="en-US" dirty="0" err="1" smtClean="0"/>
-              <a:t>WikiDot</a:t>
-            </a:r>
-            <a:endParaRPr lang="en-US" dirty="0" smtClean="0"/>
-          </a:p>
-          <a:p>
-            <a:pPr lvl="1"/>
-            <a:r>
-              <a:rPr lang="en-US" dirty="0" smtClean="0">
-                <a:hlinkClick r:id="rId5"/>
-              </a:rPr>
-              <a:t>http://touch22.wikidot.com</a:t>
-            </a:r>
-            <a:r>
-              <a:rPr lang="en-US" dirty="0" smtClean="0">
-                <a:hlinkClick r:id="rId5"/>
-              </a:rPr>
-              <a:t>/</a:t>
-            </a:r>
-            <a:r>
-              <a:rPr lang="en-US" dirty="0" smtClean="0"/>
-              <a:t> </a:t>
-            </a:r>
-            <a:endParaRPr lang="en-US" dirty="0" smtClean="0"/>
-          </a:p>
-        </p:txBody>
-      </p:sp>
+              <a:t>1</a:t>
+            </a:r>
+            <a:endParaRPr lang="en-US" baseline="30000" dirty="0">
+              <a:latin typeface="Cambria" pitchFamily="18" charset="0"/>
+            </a:endParaRPr>
+          </a:p>
+        </p:txBody>
+      </p:sp>
+    </p:spTree>
+  </p:cSld>
+  <p:clrMapOvr>
+    <a:masterClrMapping/>
+  </p:clrMapOvr>
+</p:sld>
+</file>
+
+<file path=ppt/slides/slide9.xml><?xml version="1.0" encoding="utf-8"?>
+<p:sld xmlns:a="http://schemas.openxmlformats.org/drawingml/2006/main" xmlns:r="http://schemas.openxmlformats.org/officeDocument/2006/relationships" xmlns:p="http://schemas.openxmlformats.org/presentationml/2006/main">
+  <p:cSld>
+    <p:spTree>
+      <p:nvGrpSpPr>
+        <p:cNvPr id="1" name=""/>
+        <p:cNvGrpSpPr/>
+        <p:nvPr/>
+      </p:nvGrpSpPr>
+      <p:grpSpPr>
+        <a:xfrm>
+          <a:off x="0" y="0"/>
+          <a:ext cx="0" cy="0"/>
+          <a:chOff x="0" y="0"/>
+          <a:chExt cx="0" cy="0"/>
+        </a:xfrm>
+      </p:grpSpPr>
+      <p:pic>
+        <p:nvPicPr>
+          <p:cNvPr id="4" name="Content Placeholder 3" descr="Calibrate.jpg"/>
+          <p:cNvPicPr>
+            <a:picLocks noGrp="1" noChangeAspect="1"/>
+          </p:cNvPicPr>
+          <p:nvPr>
+            <p:ph idx="1"/>
+          </p:nvPr>
+        </p:nvPicPr>
+        <p:blipFill>
+          <a:blip r:embed="rId2"/>
+          <a:stretch>
+            <a:fillRect/>
+          </a:stretch>
+        </p:blipFill>
+        <p:spPr>
+          <a:xfrm>
+            <a:off x="0" y="0"/>
+            <a:ext cx="9144000" cy="6858000"/>
+          </a:xfrm>
+        </p:spPr>
+      </p:pic>
     </p:spTree>
   </p:cSld>
   <p:clrMapOvr>
@@ -4642,9 +6424,9 @@
 </file>
 
 <file path=ppt/theme/theme1.xml><?xml version="1.0" encoding="utf-8"?>
-<a:theme xmlns:a="http://schemas.openxmlformats.org/drawingml/2006/main" name="Office Theme">
+<a:theme xmlns:a="http://schemas.openxmlformats.org/drawingml/2006/main" name="Urban">
   <a:themeElements>
-    <a:clrScheme name="Office">
+    <a:clrScheme name="Urban">
       <a:dk1>
         <a:sysClr val="windowText" lastClr="000000"/>
       </a:dk1>
@@ -4652,46 +6434,80 @@
         <a:sysClr val="window" lastClr="FFFFFF"/>
       </a:lt1>
       <a:dk2>
-        <a:srgbClr val="1F497D"/>
+        <a:srgbClr val="424456"/>
       </a:dk2>
       <a:lt2>
-        <a:srgbClr val="EEECE1"/>
+        <a:srgbClr val="DEDEDE"/>
       </a:lt2>
       <a:accent1>
-        <a:srgbClr val="4F81BD"/>
+        <a:srgbClr val="53548A"/>
       </a:accent1>
       <a:accent2>
-        <a:srgbClr val="C0504D"/>
+        <a:srgbClr val="438086"/>
       </a:accent2>
       <a:accent3>
-        <a:srgbClr val="9BBB59"/>
+        <a:srgbClr val="A04DA3"/>
       </a:accent3>
       <a:accent4>
-        <a:srgbClr val="8064A2"/>
+        <a:srgbClr val="C4652D"/>
       </a:accent4>
       <a:accent5>
-        <a:srgbClr val="4BACC6"/>
+        <a:srgbClr val="8B5D3D"/>
       </a:accent5>
       <a:accent6>
-        <a:srgbClr val="F79646"/>
+        <a:srgbClr val="5C92B5"/>
       </a:accent6>
       <a:hlink>
-        <a:srgbClr val="0000FF"/>
+        <a:srgbClr val="67AFBD"/>
       </a:hlink>
       <a:folHlink>
-        <a:srgbClr val="800080"/>
+        <a:srgbClr val="C2A874"/>
       </a:folHlink>
     </a:clrScheme>
-    <a:fontScheme name="Office">
+    <a:fontScheme name="Urban">
       <a:majorFont>
-        <a:latin typeface="Calibri"/>
+        <a:latin typeface="Trebuchet MS"/>
         <a:ea typeface=""/>
         <a:cs typeface=""/>
-        <a:font script="Jpan" typeface="ＭＳ Ｐゴシック"/>
+        <a:font script="Jpan" typeface="HGｺﾞｼｯｸM"/>
+        <a:font script="Hang" typeface="맑은 고딕"/>
+        <a:font script="Hans" typeface="方正姚体"/>
+        <a:font script="Hant" typeface="微軟正黑體"/>
+        <a:font script="Arab" typeface="Tahoma"/>
+        <a:font script="Hebr" typeface="Arial"/>
+        <a:font script="Thai" typeface="Cordia New"/>
+        <a:font script="Ethi" typeface="Nyala"/>
+        <a:font script="Beng" typeface="Vrinda"/>
+        <a:font script="Gujr" typeface="Shruti"/>
+        <a:font script="Khmr" typeface="DaunPenh"/>
+        <a:font script="Knda" typeface="Tunga"/>
+        <a:font script="Guru" typeface="Raavi"/>
+        <a:font script="Cans" typeface="Euphemia"/>
+        <a:font script="Cher" typeface="Plantagenet Cherokee"/>
+        <a:font script="Yiii" typeface="Microsoft Yi Baiti"/>
+        <a:font script="Tibt" typeface="Microsoft Himalaya"/>
+        <a:font script="Thaa" typeface="MV Boli"/>
+        <a:font script="Deva" typeface="Mangal"/>
+        <a:font script="Telu" typeface="Gautami"/>
+        <a:font script="Taml" typeface="Latha"/>
+        <a:font script="Syrc" typeface="Estrangelo Edessa"/>
+        <a:font script="Orya" typeface="Kalinga"/>
+        <a:font script="Mlym" typeface="Kartika"/>
+        <a:font script="Laoo" typeface="DokChampa"/>
+        <a:font script="Sinh" typeface="Iskoola Pota"/>
+        <a:font script="Mong" typeface="Mongolian Baiti"/>
+        <a:font script="Viet" typeface="Tahoma"/>
+        <a:font script="Uigh" typeface="Microsoft Uighur"/>
+      </a:majorFont>
+      <a:minorFont>
+        <a:latin typeface="Georgia"/>
+        <a:ea typeface=""/>
+        <a:cs typeface=""/>
+        <a:font script="Jpan" typeface="HG明朝B"/>
         <a:font script="Hang" typeface="맑은 고딕"/>
         <a:font script="Hans" typeface="宋体"/>
         <a:font script="Hant" typeface="新細明體"/>
-        <a:font script="Arab" typeface="Times New Roman"/>
+        <a:font script="Arab" typeface="Arial"/>
         <a:font script="Hebr" typeface="Times New Roman"/>
         <a:font script="Thai" typeface="Angsana New"/>
         <a:font script="Ethi" typeface="Nyala"/>
@@ -4716,43 +6532,9 @@
         <a:font script="Mong" typeface="Mongolian Baiti"/>
         <a:font script="Viet" typeface="Times New Roman"/>
         <a:font script="Uigh" typeface="Microsoft Uighur"/>
-      </a:majorFont>
-      <a:minorFont>
-        <a:latin typeface="Calibri"/>
-        <a:ea typeface=""/>
-        <a:cs typeface=""/>
-        <a:font script="Jpan" typeface="ＭＳ Ｐゴシック"/>
-        <a:font script="Hang" typeface="맑은 고딕"/>
-        <a:font script="Hans" typeface="宋体"/>
-        <a:font script="Hant" typeface="新細明體"/>
-        <a:font script="Arab" typeface="Arial"/>
-        <a:font script="Hebr" typeface="Arial"/>
-        <a:font script="Thai" typeface="Cordia New"/>
-        <a:font script="Ethi" typeface="Nyala"/>
-        <a:font script="Beng" typeface="Vrinda"/>
-        <a:font script="Gujr" typeface="Shruti"/>
-        <a:font script="Khmr" typeface="DaunPenh"/>
-        <a:font script="Knda" typeface="Tunga"/>
-        <a:font script="Guru" typeface="Raavi"/>
-        <a:font script="Cans" typeface="Euphemia"/>
-        <a:font script="Cher" typeface="Plantagenet Cherokee"/>
-        <a:font script="Yiii" typeface="Microsoft Yi Baiti"/>
-        <a:font script="Tibt" typeface="Microsoft Himalaya"/>
-        <a:font script="Thaa" typeface="MV Boli"/>
-        <a:font script="Deva" typeface="Mangal"/>
-        <a:font script="Telu" typeface="Gautami"/>
-        <a:font script="Taml" typeface="Latha"/>
-        <a:font script="Syrc" typeface="Estrangelo Edessa"/>
-        <a:font script="Orya" typeface="Kalinga"/>
-        <a:font script="Mlym" typeface="Kartika"/>
-        <a:font script="Laoo" typeface="DokChampa"/>
-        <a:font script="Sinh" typeface="Iskoola Pota"/>
-        <a:font script="Mong" typeface="Mongolian Baiti"/>
-        <a:font script="Viet" typeface="Arial"/>
-        <a:font script="Uigh" typeface="Microsoft Uighur"/>
       </a:minorFont>
     </a:fontScheme>
-    <a:fmtScheme name="Office">
+    <a:fmtScheme name="Urban">
       <a:fillStyleLst>
         <a:solidFill>
           <a:schemeClr val="phClr"/>
@@ -4761,66 +6543,66 @@
           <a:gsLst>
             <a:gs pos="0">
               <a:schemeClr val="phClr">
-                <a:tint val="50000"/>
-                <a:satMod val="300000"/>
+                <a:tint val="1000"/>
+                <a:satMod val="255000"/>
               </a:schemeClr>
             </a:gs>
-            <a:gs pos="35000">
+            <a:gs pos="55000">
               <a:schemeClr val="phClr">
-                <a:tint val="37000"/>
-                <a:satMod val="300000"/>
+                <a:tint val="12000"/>
+                <a:satMod val="255000"/>
               </a:schemeClr>
             </a:gs>
             <a:gs pos="100000">
               <a:schemeClr val="phClr">
-                <a:tint val="15000"/>
-                <a:satMod val="350000"/>
+                <a:tint val="45000"/>
+                <a:satMod val="250000"/>
               </a:schemeClr>
             </a:gs>
           </a:gsLst>
-          <a:lin ang="16200000" scaled="1"/>
+          <a:path path="circle">
+            <a:fillToRect l="-40000" t="-90000" r="140000" b="190000"/>
+          </a:path>
         </a:gradFill>
         <a:gradFill rotWithShape="1">
           <a:gsLst>
             <a:gs pos="0">
               <a:schemeClr val="phClr">
-                <a:shade val="51000"/>
-                <a:satMod val="130000"/>
+                <a:tint val="43000"/>
+                <a:satMod val="165000"/>
               </a:schemeClr>
             </a:gs>
-            <a:gs pos="80000">
+            <a:gs pos="55000">
               <a:schemeClr val="phClr">
-                <a:shade val="93000"/>
-                <a:satMod val="130000"/>
+                <a:tint val="83000"/>
+                <a:satMod val="155000"/>
               </a:schemeClr>
             </a:gs>
             <a:gs pos="100000">
               <a:schemeClr val="phClr">
-                <a:shade val="94000"/>
-                <a:satMod val="135000"/>
+                <a:shade val="85000"/>
               </a:schemeClr>
             </a:gs>
           </a:gsLst>
-          <a:lin ang="16200000" scaled="0"/>
+          <a:path path="circle">
+            <a:fillToRect l="-40000" t="-90000" r="140000" b="190000"/>
+          </a:path>
         </a:gradFill>
       </a:fillStyleLst>
       <a:lnStyleLst>
         <a:ln w="9525" cap="flat" cmpd="sng" algn="ctr">
           <a:solidFill>
-            <a:schemeClr val="phClr">
-              <a:shade val="95000"/>
-              <a:satMod val="105000"/>
-            </a:schemeClr>
+            <a:schemeClr val="phClr"/>
           </a:solidFill>
           <a:prstDash val="solid"/>
         </a:ln>
-        <a:ln w="25400" cap="flat" cmpd="sng" algn="ctr">
+        <a:ln w="19050" cap="flat" cmpd="sng" algn="ctr">
           <a:solidFill>
             <a:schemeClr val="phClr"/>
           </a:solidFill>
           <a:prstDash val="solid"/>
         </a:ln>
-        <a:ln w="38100" cap="flat" cmpd="sng" algn="ctr">
+        <a:ln w="31750" cap="flat" cmpd="sng" algn="ctr">
           <a:solidFill>
             <a:schemeClr val="phClr"/>
           </a:solidFill>
@@ -4830,40 +6612,45 @@
       <a:effectStyleLst>
         <a:effectStyle>
           <a:effectLst>
-            <a:outerShdw blurRad="40000" dist="20000" dir="5400000" rotWithShape="0">
+            <a:outerShdw blurRad="51500" dist="25400" dir="5400000" rotWithShape="0">
               <a:srgbClr val="000000">
-                <a:alpha val="38000"/>
+                <a:alpha val="40000"/>
               </a:srgbClr>
             </a:outerShdw>
           </a:effectLst>
         </a:effectStyle>
         <a:effectStyle>
           <a:effectLst>
-            <a:outerShdw blurRad="40000" dist="23000" dir="5400000" rotWithShape="0">
+            <a:outerShdw blurRad="50800" dist="25400" dir="5400000" rotWithShape="0">
               <a:srgbClr val="000000">
-                <a:alpha val="35000"/>
+                <a:alpha val="45000"/>
               </a:srgbClr>
             </a:outerShdw>
           </a:effectLst>
         </a:effectStyle>
         <a:effectStyle>
           <a:effectLst>
-            <a:outerShdw blurRad="40000" dist="23000" dir="5400000" rotWithShape="0">
+            <a:outerShdw blurRad="50800" dist="25400" dir="5400000" rotWithShape="0">
               <a:srgbClr val="000000">
-                <a:alpha val="35000"/>
+                <a:alpha val="45000"/>
               </a:srgbClr>
             </a:outerShdw>
           </a:effectLst>
           <a:scene3d>
-            <a:camera prst="orthographicFront">
+            <a:camera prst="orthographicFront" fov="0">
               <a:rot lat="0" lon="0" rev="0"/>
             </a:camera>
-            <a:lightRig rig="threePt" dir="t">
-              <a:rot lat="0" lon="0" rev="1200000"/>
+            <a:lightRig rig="flat" dir="t">
+              <a:rot lat="0" lon="0" rev="20040000"/>
             </a:lightRig>
           </a:scene3d>
-          <a:sp3d>
-            <a:bevelT w="63500" h="25400"/>
+          <a:sp3d contourW="12700" prstMaterial="dkEdge">
+            <a:bevelT w="25400" h="38100" prst="convex"/>
+            <a:contourClr>
+              <a:schemeClr val="phClr">
+                <a:satMod val="115000"/>
+              </a:schemeClr>
+            </a:contourClr>
           </a:sp3d>
         </a:effectStyle>
       </a:effectStyleLst>
@@ -4873,49 +6660,41 @@
         </a:solidFill>
         <a:gradFill rotWithShape="1">
           <a:gsLst>
+            <a:gs pos="100000">
+              <a:schemeClr val="phClr">
+                <a:tint val="80000"/>
+                <a:satMod val="250000"/>
+              </a:schemeClr>
+            </a:gs>
+            <a:gs pos="60000">
+              <a:schemeClr val="phClr">
+                <a:shade val="38000"/>
+                <a:satMod val="175000"/>
+              </a:schemeClr>
+            </a:gs>
             <a:gs pos="0">
               <a:schemeClr val="phClr">
-                <a:tint val="40000"/>
-                <a:satMod val="350000"/>
-              </a:schemeClr>
-            </a:gs>
-            <a:gs pos="40000">
-              <a:schemeClr val="phClr">
-                <a:tint val="45000"/>
-                <a:shade val="99000"/>
-                <a:satMod val="350000"/>
-              </a:schemeClr>
-            </a:gs>
-            <a:gs pos="100000">
-              <a:schemeClr val="phClr">
-                <a:shade val="20000"/>
-                <a:satMod val="255000"/>
+                <a:shade val="30000"/>
+                <a:satMod val="175000"/>
               </a:schemeClr>
             </a:gs>
           </a:gsLst>
-          <a:path path="circle">
-            <a:fillToRect l="50000" t="-80000" r="50000" b="180000"/>
-          </a:path>
+          <a:lin ang="5400000" scaled="0"/>
         </a:gradFill>
-        <a:gradFill rotWithShape="1">
-          <a:gsLst>
-            <a:gs pos="0">
+        <a:blipFill>
+          <a:blip xmlns:r="http://schemas.openxmlformats.org/officeDocument/2006/relationships" r:embed="rId1">
+            <a:duotone>
               <a:schemeClr val="phClr">
-                <a:tint val="80000"/>
-                <a:satMod val="300000"/>
+                <a:shade val="48000"/>
               </a:schemeClr>
-            </a:gs>
-            <a:gs pos="100000">
               <a:schemeClr val="phClr">
-                <a:shade val="30000"/>
-                <a:satMod val="200000"/>
+                <a:tint val="96000"/>
+                <a:satMod val="150000"/>
               </a:schemeClr>
-            </a:gs>
-          </a:gsLst>
-          <a:path path="circle">
-            <a:fillToRect l="50000" t="50000" r="50000" b="50000"/>
-          </a:path>
-        </a:gradFill>
+            </a:duotone>
+          </a:blip>
+          <a:tile tx="0" ty="0" sx="80000" sy="80000" flip="none" algn="tl"/>
+        </a:blipFill>
       </a:bgFillStyleLst>
     </a:fmtScheme>
   </a:themeElements>

--- a/Final Presentation.pptx
+++ b/Final Presentation.pptx
@@ -946,7 +946,7 @@
           <a:lstStyle/>
           <a:p>
             <a:r>
-              <a:rPr lang="en-US" smtClean="0"/>
+              <a:rPr lang="en-US" dirty="0" smtClean="0"/>
               <a:t>Logan</a:t>
             </a:r>
           </a:p>
@@ -5068,6 +5068,44 @@
           </a:p>
         </p:txBody>
       </p:sp>
+      <p:sp>
+        <p:nvSpPr>
+          <p:cNvPr id="5" name="TextBox 4"/>
+          <p:cNvSpPr txBox="1"/>
+          <p:nvPr/>
+        </p:nvSpPr>
+        <p:spPr>
+          <a:xfrm>
+            <a:off x="838200" y="6019800"/>
+            <a:ext cx="7924800" cy="461665"/>
+          </a:xfrm>
+          <a:prstGeom prst="rect">
+            <a:avLst/>
+          </a:prstGeom>
+          <a:noFill/>
+        </p:spPr>
+        <p:txBody>
+          <a:bodyPr wrap="square" rtlCol="0">
+            <a:spAutoFit/>
+          </a:bodyPr>
+          <a:lstStyle/>
+          <a:p>
+            <a:r>
+              <a:rPr lang="en-US" sz="2400" dirty="0" smtClean="0"/>
+              <a:t>Logan Moseley, Dan Moseley, Danielle </a:t>
+            </a:r>
+            <a:r>
+              <a:rPr lang="en-US" sz="2400" dirty="0" err="1" smtClean="0"/>
+              <a:t>Geffert</a:t>
+            </a:r>
+            <a:r>
+              <a:rPr lang="en-US" sz="2400" dirty="0" smtClean="0"/>
+              <a:t>, Jon Wu</a:t>
+            </a:r>
+            <a:endParaRPr lang="en-US" sz="2400" dirty="0"/>
+          </a:p>
+        </p:txBody>
+      </p:sp>
     </p:spTree>
   </p:cSld>
   <p:clrMapOvr>
@@ -5335,6 +5373,60 @@
           </a:p>
         </p:txBody>
       </p:sp>
+      <p:sp>
+        <p:nvSpPr>
+          <p:cNvPr id="4" name="TextBox 3"/>
+          <p:cNvSpPr txBox="1"/>
+          <p:nvPr/>
+        </p:nvSpPr>
+        <p:spPr>
+          <a:xfrm>
+            <a:off x="457200" y="6019800"/>
+            <a:ext cx="7924800" cy="461665"/>
+          </a:xfrm>
+          <a:prstGeom prst="rect">
+            <a:avLst/>
+          </a:prstGeom>
+          <a:noFill/>
+        </p:spPr>
+        <p:txBody>
+          <a:bodyPr wrap="square" rtlCol="0">
+            <a:spAutoFit/>
+          </a:bodyPr>
+          <a:lstStyle/>
+          <a:p>
+            <a:r>
+              <a:rPr lang="en-US" sz="2400" dirty="0" smtClean="0"/>
+              <a:t>Log Moseley, </a:t>
+            </a:r>
+            <a:r>
+              <a:rPr lang="en-US" sz="2400" dirty="0" err="1" smtClean="0"/>
+              <a:t>Dano</a:t>
+            </a:r>
+            <a:r>
+              <a:rPr lang="en-US" sz="2400" dirty="0" smtClean="0"/>
+              <a:t> Moseley, </a:t>
+            </a:r>
+            <a:r>
+              <a:rPr lang="en-US" sz="2400" dirty="0" err="1" smtClean="0"/>
+              <a:t>Ganielle</a:t>
+            </a:r>
+            <a:r>
+              <a:rPr lang="en-US" sz="2400" dirty="0" smtClean="0"/>
+              <a:t> </a:t>
+            </a:r>
+            <a:r>
+              <a:rPr lang="en-US" sz="2400" dirty="0" err="1" smtClean="0"/>
+              <a:t>Deffert</a:t>
+            </a:r>
+            <a:r>
+              <a:rPr lang="en-US" sz="2400" dirty="0" smtClean="0"/>
+              <a:t>, Jonny Wu</a:t>
+            </a:r>
+            <a:endParaRPr lang="en-US" sz="2400" dirty="0"/>
+          </a:p>
+        </p:txBody>
+      </p:sp>
     </p:spTree>
   </p:cSld>
   <p:clrMapOvr>
@@ -5414,13 +5506,7 @@
               <a:rPr lang="en-US" dirty="0" smtClean="0">
                 <a:latin typeface="Cambria" pitchFamily="18" charset="0"/>
               </a:rPr>
-              <a:t>Made with </a:t>
-            </a:r>
-            <a:r>
-              <a:rPr lang="en-US" dirty="0" smtClean="0">
-                <a:latin typeface="Cambria" pitchFamily="18" charset="0"/>
-              </a:rPr>
-              <a:t>easily obtainable materials: </a:t>
+              <a:t>Made with easily obtainable materials: </a:t>
             </a:r>
             <a:r>
               <a:rPr lang="en-US" dirty="0" err="1" smtClean="0">
@@ -5432,48 +5518,15 @@
               <a:rPr lang="en-US" dirty="0" smtClean="0">
                 <a:latin typeface="Cambria" pitchFamily="18" charset="0"/>
               </a:rPr>
-              <a:t>, LEDs, </a:t>
-            </a:r>
+              <a:t>, LEDs, electrical wire, transistors, aluminum, and a webcam.</a:t>
+            </a:r>
+          </a:p>
+          <a:p>
             <a:r>
               <a:rPr lang="en-US" dirty="0" smtClean="0">
                 <a:latin typeface="Cambria" pitchFamily="18" charset="0"/>
               </a:rPr>
-              <a:t>electrical wire</a:t>
-            </a:r>
-            <a:r>
-              <a:rPr lang="en-US" dirty="0" smtClean="0">
-                <a:latin typeface="Cambria" pitchFamily="18" charset="0"/>
-              </a:rPr>
-              <a:t>, transistors, aluminum, and a </a:t>
-            </a:r>
-            <a:r>
-              <a:rPr lang="en-US" dirty="0" smtClean="0">
-                <a:latin typeface="Cambria" pitchFamily="18" charset="0"/>
-              </a:rPr>
-              <a:t>webcam.</a:t>
-            </a:r>
-            <a:endParaRPr lang="en-US" dirty="0" smtClean="0">
-              <a:latin typeface="Cambria" pitchFamily="18" charset="0"/>
-            </a:endParaRPr>
-          </a:p>
-          <a:p>
-            <a:r>
-              <a:rPr lang="en-US" dirty="0" smtClean="0">
-                <a:latin typeface="Cambria" pitchFamily="18" charset="0"/>
-              </a:rPr>
-              <a:t>How </a:t>
-            </a:r>
-            <a:r>
-              <a:rPr lang="en-US" dirty="0" smtClean="0">
-                <a:latin typeface="Cambria" pitchFamily="18" charset="0"/>
-              </a:rPr>
-              <a:t>it </a:t>
-            </a:r>
-            <a:r>
-              <a:rPr lang="en-US" dirty="0" smtClean="0">
-                <a:latin typeface="Cambria" pitchFamily="18" charset="0"/>
-              </a:rPr>
-              <a:t>works:</a:t>
+              <a:t>How it works:</a:t>
             </a:r>
           </a:p>
           <a:p>
@@ -5511,12 +5564,6 @@
               </a:rPr>
               <a:t>The computer interprets the webcam vision into touches. Very sophisticated and very cool.</a:t>
             </a:r>
-            <a:endParaRPr lang="en-US" dirty="0" smtClean="0">
-              <a:solidFill>
-                <a:schemeClr val="tx1"/>
-              </a:solidFill>
-              <a:latin typeface="Cambria" pitchFamily="18" charset="0"/>
-            </a:endParaRPr>
           </a:p>
         </p:txBody>
       </p:sp>
@@ -5657,7 +5704,11 @@
             </a:r>
             <a:r>
               <a:rPr lang="en-US" dirty="0" smtClean="0"/>
-              <a:t>” Painting Program</a:t>
+              <a:t>” </a:t>
+            </a:r>
+            <a:r>
+              <a:rPr lang="en-US" dirty="0" smtClean="0"/>
+              <a:t>Painting Program</a:t>
             </a:r>
             <a:endParaRPr lang="en-US" dirty="0"/>
           </a:p>
@@ -5689,82 +5740,31 @@
               <a:rPr lang="en-US" dirty="0" smtClean="0">
                 <a:latin typeface="Cambria" pitchFamily="18" charset="0"/>
               </a:rPr>
-              <a:t>Very simple painting </a:t>
-            </a:r>
+              <a:t>Very simple painting program.</a:t>
+            </a:r>
+          </a:p>
+          <a:p>
             <a:r>
               <a:rPr lang="en-US" dirty="0" smtClean="0">
                 <a:latin typeface="Cambria" pitchFamily="18" charset="0"/>
               </a:rPr>
-              <a:t>program.</a:t>
-            </a:r>
-            <a:endParaRPr lang="en-US" dirty="0" smtClean="0">
-              <a:latin typeface="Cambria" pitchFamily="18" charset="0"/>
-            </a:endParaRPr>
+              <a:t>Features are activated and deactivated by touching the button on the screen.</a:t>
+            </a:r>
           </a:p>
           <a:p>
             <a:r>
               <a:rPr lang="en-US" dirty="0" smtClean="0">
                 <a:latin typeface="Cambria" pitchFamily="18" charset="0"/>
               </a:rPr>
-              <a:t>Features are activated and deactivated by touching the </a:t>
-            </a:r>
+              <a:t>These features include color select, brush size select, lines, color fill, color sampling, clear\erase\undo, save\load, and shape stamps, as well as basic painting.</a:t>
+            </a:r>
+          </a:p>
+          <a:p>
             <a:r>
               <a:rPr lang="en-US" dirty="0" smtClean="0">
                 <a:latin typeface="Cambria" pitchFamily="18" charset="0"/>
               </a:rPr>
-              <a:t>button </a:t>
-            </a:r>
-            <a:r>
-              <a:rPr lang="en-US" dirty="0" smtClean="0">
-                <a:latin typeface="Cambria" pitchFamily="18" charset="0"/>
-              </a:rPr>
-              <a:t>on the </a:t>
-            </a:r>
-            <a:r>
-              <a:rPr lang="en-US" dirty="0" smtClean="0">
-                <a:latin typeface="Cambria" pitchFamily="18" charset="0"/>
-              </a:rPr>
-              <a:t>screen.</a:t>
-            </a:r>
-            <a:endParaRPr lang="en-US" dirty="0" smtClean="0">
-              <a:latin typeface="Cambria" pitchFamily="18" charset="0"/>
-            </a:endParaRPr>
-          </a:p>
-          <a:p>
-            <a:r>
-              <a:rPr lang="en-US" dirty="0" smtClean="0">
-                <a:latin typeface="Cambria" pitchFamily="18" charset="0"/>
-              </a:rPr>
-              <a:t>These features include color select, brush size select, lines, color fill, color sampling, clear\erase\undo, save\load, and shape stamps, as well as basic </a:t>
-            </a:r>
-            <a:r>
-              <a:rPr lang="en-US" dirty="0" smtClean="0">
-                <a:latin typeface="Cambria" pitchFamily="18" charset="0"/>
-              </a:rPr>
-              <a:t>painting.</a:t>
-            </a:r>
-            <a:endParaRPr lang="en-US" dirty="0" smtClean="0">
-              <a:latin typeface="Cambria" pitchFamily="18" charset="0"/>
-            </a:endParaRPr>
-          </a:p>
-          <a:p>
-            <a:r>
-              <a:rPr lang="en-US" dirty="0" smtClean="0">
-                <a:latin typeface="Cambria" pitchFamily="18" charset="0"/>
-              </a:rPr>
-              <a:t>Like finger </a:t>
-            </a:r>
-            <a:r>
-              <a:rPr lang="en-US" dirty="0" smtClean="0">
-                <a:latin typeface="Cambria" pitchFamily="18" charset="0"/>
-              </a:rPr>
-              <a:t>painting</a:t>
-            </a:r>
-            <a:r>
-              <a:rPr lang="en-US" dirty="0" smtClean="0">
-                <a:latin typeface="Cambria" pitchFamily="18" charset="0"/>
-              </a:rPr>
-              <a:t>!</a:t>
+              <a:t>Like finger painting!</a:t>
             </a:r>
           </a:p>
           <a:p>
@@ -5786,9 +5786,6 @@
               </a:rPr>
               <a:t>2</a:t>
             </a:r>
-            <a:endParaRPr lang="en-US" baseline="30000" dirty="0" smtClean="0">
-              <a:latin typeface="Cambria" pitchFamily="18" charset="0"/>
-            </a:endParaRPr>
           </a:p>
           <a:p>
             <a:endParaRPr lang="en-US" dirty="0" smtClean="0">
@@ -5850,7 +5847,7 @@
         </p:blipFill>
         <p:spPr>
           <a:xfrm>
-            <a:off x="1868440" y="2249488"/>
+            <a:off x="3200400" y="2438400"/>
             <a:ext cx="5407119" cy="4324350"/>
           </a:xfrm>
         </p:spPr>
@@ -5959,7 +5956,7 @@
         </p:nvSpPr>
         <p:spPr>
           <a:xfrm>
-            <a:off x="228600" y="4953000"/>
+            <a:off x="228600" y="4724400"/>
             <a:ext cx="2667000" cy="1292662"/>
           </a:xfrm>
           <a:prstGeom prst="rect">
@@ -6061,42 +6058,15 @@
               <a:rPr lang="en-US" dirty="0" smtClean="0">
                 <a:latin typeface="Cambria" pitchFamily="18" charset="0"/>
               </a:rPr>
-              <a:t>Multi touch allows for multiple points of interaction with the </a:t>
-            </a:r>
+              <a:t>Multi touch allows for multiple points of interaction with the screen.</a:t>
+            </a:r>
+          </a:p>
+          <a:p>
             <a:r>
               <a:rPr lang="en-US" dirty="0" smtClean="0">
                 <a:latin typeface="Cambria" pitchFamily="18" charset="0"/>
               </a:rPr>
-              <a:t>screen.</a:t>
-            </a:r>
-            <a:endParaRPr lang="en-US" dirty="0" smtClean="0">
-              <a:latin typeface="Cambria" pitchFamily="18" charset="0"/>
-            </a:endParaRPr>
-          </a:p>
-          <a:p>
-            <a:r>
-              <a:rPr lang="en-US" dirty="0" smtClean="0">
-                <a:latin typeface="Cambria" pitchFamily="18" charset="0"/>
-              </a:rPr>
-              <a:t>It </a:t>
-            </a:r>
-            <a:r>
-              <a:rPr lang="en-US" dirty="0" smtClean="0">
-                <a:latin typeface="Cambria" pitchFamily="18" charset="0"/>
-              </a:rPr>
-              <a:t>provides </a:t>
-            </a:r>
-            <a:r>
-              <a:rPr lang="en-US" dirty="0" smtClean="0">
-                <a:latin typeface="Cambria" pitchFamily="18" charset="0"/>
-              </a:rPr>
-              <a:t>the ability to support multiple users simultaneously</a:t>
-            </a:r>
-            <a:r>
-              <a:rPr lang="en-US" dirty="0" smtClean="0">
-                <a:latin typeface="Cambria" pitchFamily="18" charset="0"/>
-              </a:rPr>
-              <a:t>.</a:t>
+              <a:t>It provides the ability to support multiple users simultaneously.</a:t>
             </a:r>
           </a:p>
           <a:p>
@@ -6106,9 +6076,6 @@
               </a:rPr>
               <a:t>Touch-based computer interfaces are more intuitive, flexible, and fun than standard keyboard and mouse.</a:t>
             </a:r>
-            <a:endParaRPr lang="en-US" dirty="0" smtClean="0">
-              <a:latin typeface="Cambria" pitchFamily="18" charset="0"/>
-            </a:endParaRPr>
           </a:p>
           <a:p>
             <a:endParaRPr lang="en-US" dirty="0">
@@ -6284,13 +6251,7 @@
               <a:rPr lang="en-US" dirty="0" smtClean="0">
                 <a:latin typeface="Cambria" pitchFamily="18" charset="0"/>
               </a:rPr>
-              <a:t>A</a:t>
-            </a:r>
-            <a:r>
-              <a:rPr lang="en-US" dirty="0" smtClean="0">
-                <a:latin typeface="Cambria" pitchFamily="18" charset="0"/>
-              </a:rPr>
-              <a:t>ttach IR LEDs to the frame, connect LEDs to a battery via electric wiring.</a:t>
+              <a:t>Attach IR LEDs to the frame, connect LEDs to a battery via electric wiring.</a:t>
             </a:r>
           </a:p>
           <a:p>
@@ -6324,36 +6285,21 @@
               <a:rPr lang="en-US" dirty="0" smtClean="0">
                 <a:latin typeface="Cambria" pitchFamily="18" charset="0"/>
               </a:rPr>
-              <a:t> to “see” touches to the scree</a:t>
-            </a:r>
+              <a:t> to “see” touches to the screen.</a:t>
+            </a:r>
+          </a:p>
+          <a:p>
+            <a:endParaRPr lang="en-US" dirty="0" smtClean="0">
+              <a:latin typeface="Cambria" pitchFamily="18" charset="0"/>
+            </a:endParaRPr>
+          </a:p>
+          <a:p>
+            <a:pPr lvl="1"/>
             <a:r>
               <a:rPr lang="en-US" dirty="0" smtClean="0">
                 <a:latin typeface="Cambria" pitchFamily="18" charset="0"/>
               </a:rPr>
-              <a:t>n.</a:t>
-            </a:r>
-            <a:endParaRPr lang="en-US" dirty="0" smtClean="0">
-              <a:latin typeface="Cambria" pitchFamily="18" charset="0"/>
-            </a:endParaRPr>
-          </a:p>
-          <a:p>
-            <a:endParaRPr lang="en-US" dirty="0" smtClean="0">
-              <a:latin typeface="Cambria" pitchFamily="18" charset="0"/>
-            </a:endParaRPr>
-          </a:p>
-          <a:p>
-            <a:pPr lvl="1"/>
-            <a:r>
-              <a:rPr lang="en-US" dirty="0" smtClean="0">
-                <a:latin typeface="Cambria" pitchFamily="18" charset="0"/>
-              </a:rPr>
-              <a:t>See </a:t>
-            </a:r>
-            <a:r>
-              <a:rPr lang="en-US" dirty="0" smtClean="0">
-                <a:latin typeface="Cambria" pitchFamily="18" charset="0"/>
-              </a:rPr>
-              <a:t>NUI Group for more details.</a:t>
+              <a:t>See NUI Group for more details.</a:t>
             </a:r>
             <a:r>
               <a:rPr lang="en-US" baseline="30000" dirty="0" smtClean="0">
